--- a/IndustrialDevelepmentPO/lr3/Презентация/Презентация.pptx
+++ b/IndustrialDevelepmentPO/lr3/Презентация/Презентация.pptx
@@ -21,57 +21,56 @@
     <p:sldId id="308" r:id="rId15"/>
     <p:sldId id="309" r:id="rId16"/>
     <p:sldId id="311" r:id="rId17"/>
-    <p:sldId id="310" r:id="rId18"/>
-    <p:sldId id="274" r:id="rId19"/>
-    <p:sldId id="282" r:id="rId20"/>
-    <p:sldId id="283" r:id="rId21"/>
-    <p:sldId id="284" r:id="rId22"/>
-    <p:sldId id="312" r:id="rId23"/>
-    <p:sldId id="286" r:id="rId24"/>
-    <p:sldId id="314" r:id="rId25"/>
-    <p:sldId id="292" r:id="rId26"/>
-    <p:sldId id="318" r:id="rId27"/>
-    <p:sldId id="316" r:id="rId28"/>
-    <p:sldId id="317" r:id="rId29"/>
-    <p:sldId id="319" r:id="rId30"/>
-    <p:sldId id="325" r:id="rId31"/>
-    <p:sldId id="326" r:id="rId32"/>
-    <p:sldId id="289" r:id="rId33"/>
-    <p:sldId id="301" r:id="rId34"/>
-    <p:sldId id="327" r:id="rId35"/>
-    <p:sldId id="337" r:id="rId36"/>
-    <p:sldId id="331" r:id="rId37"/>
-    <p:sldId id="338" r:id="rId38"/>
-    <p:sldId id="339" r:id="rId39"/>
-    <p:sldId id="340" r:id="rId40"/>
-    <p:sldId id="341" r:id="rId41"/>
-    <p:sldId id="342" r:id="rId42"/>
-    <p:sldId id="343" r:id="rId43"/>
-    <p:sldId id="344" r:id="rId44"/>
-    <p:sldId id="345" r:id="rId45"/>
-    <p:sldId id="346" r:id="rId46"/>
-    <p:sldId id="347" r:id="rId47"/>
-    <p:sldId id="328" r:id="rId48"/>
-    <p:sldId id="348" r:id="rId49"/>
-    <p:sldId id="351" r:id="rId50"/>
-    <p:sldId id="354" r:id="rId51"/>
-    <p:sldId id="355" r:id="rId52"/>
-    <p:sldId id="356" r:id="rId53"/>
-    <p:sldId id="350" r:id="rId54"/>
-    <p:sldId id="352" r:id="rId55"/>
-    <p:sldId id="357" r:id="rId56"/>
-    <p:sldId id="358" r:id="rId57"/>
-    <p:sldId id="359" r:id="rId58"/>
-    <p:sldId id="349" r:id="rId59"/>
-    <p:sldId id="353" r:id="rId60"/>
-    <p:sldId id="360" r:id="rId61"/>
-    <p:sldId id="361" r:id="rId62"/>
-    <p:sldId id="329" r:id="rId63"/>
-    <p:sldId id="332" r:id="rId64"/>
-    <p:sldId id="334" r:id="rId65"/>
-    <p:sldId id="335" r:id="rId66"/>
-    <p:sldId id="336" r:id="rId67"/>
-    <p:sldId id="302" r:id="rId68"/>
+    <p:sldId id="274" r:id="rId18"/>
+    <p:sldId id="282" r:id="rId19"/>
+    <p:sldId id="283" r:id="rId20"/>
+    <p:sldId id="284" r:id="rId21"/>
+    <p:sldId id="312" r:id="rId22"/>
+    <p:sldId id="286" r:id="rId23"/>
+    <p:sldId id="314" r:id="rId24"/>
+    <p:sldId id="292" r:id="rId25"/>
+    <p:sldId id="318" r:id="rId26"/>
+    <p:sldId id="316" r:id="rId27"/>
+    <p:sldId id="317" r:id="rId28"/>
+    <p:sldId id="319" r:id="rId29"/>
+    <p:sldId id="325" r:id="rId30"/>
+    <p:sldId id="326" r:id="rId31"/>
+    <p:sldId id="289" r:id="rId32"/>
+    <p:sldId id="301" r:id="rId33"/>
+    <p:sldId id="327" r:id="rId34"/>
+    <p:sldId id="337" r:id="rId35"/>
+    <p:sldId id="331" r:id="rId36"/>
+    <p:sldId id="338" r:id="rId37"/>
+    <p:sldId id="339" r:id="rId38"/>
+    <p:sldId id="340" r:id="rId39"/>
+    <p:sldId id="341" r:id="rId40"/>
+    <p:sldId id="342" r:id="rId41"/>
+    <p:sldId id="343" r:id="rId42"/>
+    <p:sldId id="344" r:id="rId43"/>
+    <p:sldId id="345" r:id="rId44"/>
+    <p:sldId id="346" r:id="rId45"/>
+    <p:sldId id="347" r:id="rId46"/>
+    <p:sldId id="328" r:id="rId47"/>
+    <p:sldId id="348" r:id="rId48"/>
+    <p:sldId id="351" r:id="rId49"/>
+    <p:sldId id="354" r:id="rId50"/>
+    <p:sldId id="355" r:id="rId51"/>
+    <p:sldId id="356" r:id="rId52"/>
+    <p:sldId id="350" r:id="rId53"/>
+    <p:sldId id="352" r:id="rId54"/>
+    <p:sldId id="357" r:id="rId55"/>
+    <p:sldId id="358" r:id="rId56"/>
+    <p:sldId id="359" r:id="rId57"/>
+    <p:sldId id="349" r:id="rId58"/>
+    <p:sldId id="353" r:id="rId59"/>
+    <p:sldId id="360" r:id="rId60"/>
+    <p:sldId id="361" r:id="rId61"/>
+    <p:sldId id="329" r:id="rId62"/>
+    <p:sldId id="332" r:id="rId63"/>
+    <p:sldId id="334" r:id="rId64"/>
+    <p:sldId id="335" r:id="rId65"/>
+    <p:sldId id="336" r:id="rId66"/>
+    <p:sldId id="302" r:id="rId67"/>
   </p:sldIdLst>
   <p:sldSz cx="9144000" cy="6858000" type="screen4x3"/>
   <p:notesSz cx="6858000" cy="9144000"/>
@@ -193,6 +192,7 @@
 <p1510:revInfo xmlns:a="http://schemas.openxmlformats.org/drawingml/2006/main" xmlns:r="http://schemas.openxmlformats.org/officeDocument/2006/relationships" xmlns:p1510="http://schemas.microsoft.com/office/powerpoint/2015/10/main">
   <p1510:revLst>
     <p1510:client id="{1D3DF55A-6B34-483B-9912-936BCF289B11}" v="490" dt="2023-10-05T07:28:30.744"/>
+    <p1510:client id="{2BDDFC91-CFD8-4591-8CBC-1F669A34B43C}" v="1" dt="2023-10-19T07:00:12.173"/>
     <p1510:client id="{8EE47C05-C007-49FF-870F-7635DBC087A2}" v="187" dt="2023-10-05T06:25:56.977"/>
     <p1510:client id="{FF5B967F-ED9F-4D25-B6C4-8101CC2978D5}" v="1518" dt="2023-10-19T05:39:37.053"/>
   </p1510:revLst>
@@ -378,7 +378,7 @@
           <a:p>
             <a:fld id="{CD4787DA-F435-4A32-901E-0C7D683E8E5F}" type="datetimeFigureOut">
               <a:rPr lang="ru-RU" smtClean="0"/>
-              <a:t>18.10.2023</a:t>
+              <a:t>19.10.2023</a:t>
             </a:fld>
             <a:endParaRPr lang="ru-RU"/>
           </a:p>
@@ -546,7 +546,7 @@
           <a:p>
             <a:fld id="{CD4787DA-F435-4A32-901E-0C7D683E8E5F}" type="datetimeFigureOut">
               <a:rPr lang="ru-RU" smtClean="0"/>
-              <a:t>18.10.2023</a:t>
+              <a:t>19.10.2023</a:t>
             </a:fld>
             <a:endParaRPr lang="ru-RU"/>
           </a:p>
@@ -724,7 +724,7 @@
           <a:p>
             <a:fld id="{CD4787DA-F435-4A32-901E-0C7D683E8E5F}" type="datetimeFigureOut">
               <a:rPr lang="ru-RU" smtClean="0"/>
-              <a:t>18.10.2023</a:t>
+              <a:t>19.10.2023</a:t>
             </a:fld>
             <a:endParaRPr lang="ru-RU"/>
           </a:p>
@@ -892,7 +892,7 @@
           <a:p>
             <a:fld id="{CD4787DA-F435-4A32-901E-0C7D683E8E5F}" type="datetimeFigureOut">
               <a:rPr lang="ru-RU" smtClean="0"/>
-              <a:t>18.10.2023</a:t>
+              <a:t>19.10.2023</a:t>
             </a:fld>
             <a:endParaRPr lang="ru-RU"/>
           </a:p>
@@ -1137,7 +1137,7 @@
           <a:p>
             <a:fld id="{CD4787DA-F435-4A32-901E-0C7D683E8E5F}" type="datetimeFigureOut">
               <a:rPr lang="ru-RU" smtClean="0"/>
-              <a:t>18.10.2023</a:t>
+              <a:t>19.10.2023</a:t>
             </a:fld>
             <a:endParaRPr lang="ru-RU"/>
           </a:p>
@@ -1422,7 +1422,7 @@
           <a:p>
             <a:fld id="{CD4787DA-F435-4A32-901E-0C7D683E8E5F}" type="datetimeFigureOut">
               <a:rPr lang="ru-RU" smtClean="0"/>
-              <a:t>18.10.2023</a:t>
+              <a:t>19.10.2023</a:t>
             </a:fld>
             <a:endParaRPr lang="ru-RU"/>
           </a:p>
@@ -1841,7 +1841,7 @@
           <a:p>
             <a:fld id="{CD4787DA-F435-4A32-901E-0C7D683E8E5F}" type="datetimeFigureOut">
               <a:rPr lang="ru-RU" smtClean="0"/>
-              <a:t>18.10.2023</a:t>
+              <a:t>19.10.2023</a:t>
             </a:fld>
             <a:endParaRPr lang="ru-RU"/>
           </a:p>
@@ -1958,7 +1958,7 @@
           <a:p>
             <a:fld id="{CD4787DA-F435-4A32-901E-0C7D683E8E5F}" type="datetimeFigureOut">
               <a:rPr lang="ru-RU" smtClean="0"/>
-              <a:t>18.10.2023</a:t>
+              <a:t>19.10.2023</a:t>
             </a:fld>
             <a:endParaRPr lang="ru-RU"/>
           </a:p>
@@ -2053,7 +2053,7 @@
           <a:p>
             <a:fld id="{CD4787DA-F435-4A32-901E-0C7D683E8E5F}" type="datetimeFigureOut">
               <a:rPr lang="ru-RU" smtClean="0"/>
-              <a:t>18.10.2023</a:t>
+              <a:t>19.10.2023</a:t>
             </a:fld>
             <a:endParaRPr lang="ru-RU"/>
           </a:p>
@@ -2328,7 +2328,7 @@
           <a:p>
             <a:fld id="{CD4787DA-F435-4A32-901E-0C7D683E8E5F}" type="datetimeFigureOut">
               <a:rPr lang="ru-RU" smtClean="0"/>
-              <a:t>18.10.2023</a:t>
+              <a:t>19.10.2023</a:t>
             </a:fld>
             <a:endParaRPr lang="ru-RU"/>
           </a:p>
@@ -2580,7 +2580,7 @@
           <a:p>
             <a:fld id="{CD4787DA-F435-4A32-901E-0C7D683E8E5F}" type="datetimeFigureOut">
               <a:rPr lang="ru-RU" smtClean="0"/>
-              <a:t>18.10.2023</a:t>
+              <a:t>19.10.2023</a:t>
             </a:fld>
             <a:endParaRPr lang="ru-RU"/>
           </a:p>
@@ -4232,98 +4232,156 @@
             <p:ph type="title"/>
           </p:nvPr>
         </p:nvSpPr>
-        <p:spPr/>
-        <p:txBody>
-          <a:bodyPr/>
-          <a:lstStyle/>
-          <a:p>
-            <a:r>
-              <a:rPr lang="ru-RU" sz="3200" dirty="0">
-                <a:ea typeface="+mj-lt"/>
-                <a:cs typeface="+mj-lt"/>
-              </a:rPr>
-              <a:t>Сегмент 4: Собственники малого бизнеса</a:t>
-            </a:r>
-            <a:endParaRPr lang="ru-RU" dirty="0"/>
-          </a:p>
-          <a:p>
-            <a:endParaRPr lang="ru-RU" sz="3200" dirty="0">
-              <a:ea typeface="Calibri"/>
-              <a:cs typeface="Calibri"/>
-            </a:endParaRPr>
-          </a:p>
-        </p:txBody>
-      </p:sp>
-      <p:sp>
-        <p:nvSpPr>
-          <p:cNvPr id="3" name="Объект 2"/>
-          <p:cNvSpPr>
-            <a:spLocks noGrp="1"/>
-          </p:cNvSpPr>
-          <p:nvPr>
-            <p:ph idx="1"/>
-          </p:nvPr>
-        </p:nvSpPr>
-        <p:spPr/>
-        <p:txBody>
-          <a:bodyPr vert="horz" lIns="91440" tIns="45720" rIns="91440" bIns="45720" rtlCol="0" anchor="t">
+        <p:spPr>
+          <a:xfrm>
+            <a:off x="420440" y="1988840"/>
+            <a:ext cx="8577506" cy="1143000"/>
+          </a:xfrm>
+        </p:spPr>
+        <p:txBody>
+          <a:bodyPr>
             <a:normAutofit/>
           </a:bodyPr>
           <a:lstStyle/>
           <a:p>
-            <a:pPr>
-              <a:spcBef>
-                <a:spcPts val="20"/>
-              </a:spcBef>
-            </a:pPr>
-            <a:r>
-              <a:rPr lang="ru-RU" dirty="0">
-                <a:ea typeface="+mn-lt"/>
-                <a:cs typeface="+mn-lt"/>
-              </a:rPr>
-              <a:t>Гипотеза 4: Проблемой для собственников малых бизнесов может быть ограниченный функционал системы </a:t>
-            </a:r>
-            <a:r>
-              <a:rPr lang="ru-RU" dirty="0" err="1">
-                <a:ea typeface="+mn-lt"/>
-                <a:cs typeface="+mn-lt"/>
-              </a:rPr>
-              <a:t>AutoHandbooks</a:t>
-            </a:r>
-            <a:r>
-              <a:rPr lang="ru-RU" dirty="0">
-                <a:ea typeface="+mn-lt"/>
-                <a:cs typeface="+mn-lt"/>
-              </a:rPr>
-              <a:t> или недостаточное обучение пользователей по её использованию.</a:t>
-            </a:r>
-          </a:p>
-          <a:p>
-            <a:pPr marL="0" indent="0">
-              <a:spcBef>
-                <a:spcPts val="20"/>
-              </a:spcBef>
-              <a:buNone/>
-            </a:pPr>
-            <a:endParaRPr lang="ru-RU" dirty="0">
-              <a:ea typeface="+mn-lt"/>
-              <a:cs typeface="+mn-lt"/>
-            </a:endParaRPr>
-          </a:p>
-          <a:p>
-            <a:pPr>
-              <a:spcBef>
-                <a:spcPts val="20"/>
-              </a:spcBef>
-            </a:pPr>
+            <a:r>
+              <a:rPr lang="ru-RU" b="1" dirty="0">
+                <a:ea typeface="Calibri"/>
+                <a:cs typeface="Calibri"/>
+              </a:rPr>
+              <a:t>Ценностное предложение</a:t>
+            </a:r>
             <a:endParaRPr lang="ru-RU" dirty="0"/>
           </a:p>
         </p:txBody>
       </p:sp>
+      <p:pic>
+        <p:nvPicPr>
+          <p:cNvPr id="5122" name="Picture 2" descr="D:\OneDrive\Рабочий стол\planning_9517048.png"/>
+          <p:cNvPicPr>
+            <a:picLocks noChangeAspect="1" noChangeArrowheads="1"/>
+          </p:cNvPicPr>
+          <p:nvPr/>
+        </p:nvPicPr>
+        <p:blipFill>
+          <a:blip r:embed="rId2" cstate="print">
+            <a:extLst>
+              <a:ext uri="{28A0092B-C50C-407E-A947-70E740481C1C}">
+                <a14:useLocalDpi xmlns:a14="http://schemas.microsoft.com/office/drawing/2010/main" val="0"/>
+              </a:ext>
+            </a:extLst>
+          </a:blip>
+          <a:srcRect/>
+          <a:stretch>
+            <a:fillRect/>
+          </a:stretch>
+        </p:blipFill>
+        <p:spPr bwMode="auto">
+          <a:xfrm>
+            <a:off x="611560" y="4372434"/>
+            <a:ext cx="1883730" cy="1883730"/>
+          </a:xfrm>
+          <a:prstGeom prst="rect">
+            <a:avLst/>
+          </a:prstGeom>
+          <a:noFill/>
+          <a:extLst>
+            <a:ext uri="{909E8E84-426E-40DD-AFC4-6F175D3DCCD1}">
+              <a14:hiddenFill xmlns:a14="http://schemas.microsoft.com/office/drawing/2010/main">
+                <a:solidFill>
+                  <a:srgbClr val="FFFFFF"/>
+                </a:solidFill>
+              </a14:hiddenFill>
+            </a:ext>
+          </a:extLst>
+        </p:spPr>
+      </p:pic>
+      <p:pic>
+        <p:nvPicPr>
+          <p:cNvPr id="5123" name="Picture 3" descr="D:\OneDrive\Рабочий стол\target_5216775.png"/>
+          <p:cNvPicPr>
+            <a:picLocks noChangeAspect="1" noChangeArrowheads="1"/>
+          </p:cNvPicPr>
+          <p:nvPr/>
+        </p:nvPicPr>
+        <p:blipFill>
+          <a:blip r:embed="rId3" cstate="print">
+            <a:extLst>
+              <a:ext uri="{28A0092B-C50C-407E-A947-70E740481C1C}">
+                <a14:useLocalDpi xmlns:a14="http://schemas.microsoft.com/office/drawing/2010/main" val="0"/>
+              </a:ext>
+            </a:extLst>
+          </a:blip>
+          <a:srcRect/>
+          <a:stretch>
+            <a:fillRect/>
+          </a:stretch>
+        </p:blipFill>
+        <p:spPr bwMode="auto">
+          <a:xfrm>
+            <a:off x="3635896" y="4356410"/>
+            <a:ext cx="1858562" cy="1858562"/>
+          </a:xfrm>
+          <a:prstGeom prst="rect">
+            <a:avLst/>
+          </a:prstGeom>
+          <a:noFill/>
+          <a:extLst>
+            <a:ext uri="{909E8E84-426E-40DD-AFC4-6F175D3DCCD1}">
+              <a14:hiddenFill xmlns:a14="http://schemas.microsoft.com/office/drawing/2010/main">
+                <a:solidFill>
+                  <a:srgbClr val="FFFFFF"/>
+                </a:solidFill>
+              </a14:hiddenFill>
+            </a:ext>
+          </a:extLst>
+        </p:spPr>
+      </p:pic>
+      <p:pic>
+        <p:nvPicPr>
+          <p:cNvPr id="5124" name="Picture 4" descr="D:\OneDrive\Рабочий стол\achievement_9878268.png"/>
+          <p:cNvPicPr>
+            <a:picLocks noChangeAspect="1" noChangeArrowheads="1"/>
+          </p:cNvPicPr>
+          <p:nvPr/>
+        </p:nvPicPr>
+        <p:blipFill>
+          <a:blip r:embed="rId4" cstate="print">
+            <a:extLst>
+              <a:ext uri="{28A0092B-C50C-407E-A947-70E740481C1C}">
+                <a14:useLocalDpi xmlns:a14="http://schemas.microsoft.com/office/drawing/2010/main" val="0"/>
+              </a:ext>
+            </a:extLst>
+          </a:blip>
+          <a:srcRect/>
+          <a:stretch>
+            <a:fillRect/>
+          </a:stretch>
+        </p:blipFill>
+        <p:spPr bwMode="auto">
+          <a:xfrm>
+            <a:off x="6681872" y="4532586"/>
+            <a:ext cx="1682386" cy="1682386"/>
+          </a:xfrm>
+          <a:prstGeom prst="rect">
+            <a:avLst/>
+          </a:prstGeom>
+          <a:noFill/>
+          <a:extLst>
+            <a:ext uri="{909E8E84-426E-40DD-AFC4-6F175D3DCCD1}">
+              <a14:hiddenFill xmlns:a14="http://schemas.microsoft.com/office/drawing/2010/main">
+                <a:solidFill>
+                  <a:srgbClr val="FFFFFF"/>
+                </a:solidFill>
+              </a14:hiddenFill>
+            </a:ext>
+          </a:extLst>
+        </p:spPr>
+      </p:pic>
     </p:spTree>
     <p:extLst>
       <p:ext uri="{BB962C8B-B14F-4D97-AF65-F5344CB8AC3E}">
-        <p14:creationId xmlns:p14="http://schemas.microsoft.com/office/powerpoint/2010/main" val="2964356769"/>
+        <p14:creationId xmlns:p14="http://schemas.microsoft.com/office/powerpoint/2010/main" val="1972129730"/>
       </p:ext>
     </p:extLst>
   </p:cSld>
@@ -4362,154 +4420,89 @@
         </p:nvSpPr>
         <p:spPr>
           <a:xfrm>
-            <a:off x="420440" y="1988840"/>
-            <a:ext cx="8577506" cy="1143000"/>
+            <a:off x="467544" y="476672"/>
+            <a:ext cx="8229600" cy="1143000"/>
           </a:xfrm>
         </p:spPr>
         <p:txBody>
           <a:bodyPr>
-            <a:normAutofit/>
+            <a:noAutofit/>
           </a:bodyPr>
           <a:lstStyle/>
           <a:p>
-            <a:r>
-              <a:rPr lang="ru-RU" b="1" dirty="0">
-                <a:ea typeface="Calibri"/>
-                <a:cs typeface="Calibri"/>
-              </a:rPr>
-              <a:t>Ценностное предложение</a:t>
+            <a:pPr marL="742950" indent="-742950">
+              <a:buAutoNum type="arabicPeriod"/>
+            </a:pPr>
+            <a:r>
+              <a:rPr lang="ru-RU" dirty="0">
+                <a:latin typeface="Calibri"/>
+                <a:ea typeface="Calibri"/>
+                <a:cs typeface="Calibri"/>
+              </a:rPr>
+              <a:t>Эффективное создание материалов</a:t>
+            </a:r>
+            <a:endParaRPr lang="ru-RU">
+              <a:ea typeface="Calibri"/>
+              <a:cs typeface="Calibri"/>
+            </a:endParaRPr>
+          </a:p>
+        </p:txBody>
+      </p:sp>
+      <p:sp>
+        <p:nvSpPr>
+          <p:cNvPr id="3" name="Объект 2"/>
+          <p:cNvSpPr>
+            <a:spLocks noGrp="1"/>
+          </p:cNvSpPr>
+          <p:nvPr>
+            <p:ph idx="1"/>
+          </p:nvPr>
+        </p:nvSpPr>
+        <p:spPr>
+          <a:xfrm>
+            <a:off x="549757" y="2126074"/>
+            <a:ext cx="8229600" cy="2609131"/>
+          </a:xfrm>
+        </p:spPr>
+        <p:txBody>
+          <a:bodyPr vert="horz" lIns="91440" tIns="45720" rIns="91440" bIns="45720" rtlCol="0" anchor="t">
+            <a:noAutofit/>
+          </a:bodyPr>
+          <a:lstStyle/>
+          <a:p>
+            <a:pPr marL="0" indent="0">
+              <a:buNone/>
+            </a:pPr>
+            <a:r>
+              <a:rPr lang="ru-RU" dirty="0">
+                <a:ea typeface="Calibri"/>
+                <a:cs typeface="Calibri"/>
+              </a:rPr>
+              <a:t>Современные инструменты для организации и структурирования информации, интегрированные шаблоны и готовые модули, позволяют вам создавать индивидуальные интеграционные и обучающие материалы всего в несколько шагов. Вам больше не нужно тратить часы на ручную разработку материалов.</a:t>
             </a:r>
             <a:endParaRPr lang="ru-RU" dirty="0"/>
           </a:p>
-        </p:txBody>
-      </p:sp>
-      <p:pic>
-        <p:nvPicPr>
-          <p:cNvPr id="5122" name="Picture 2" descr="D:\OneDrive\Рабочий стол\planning_9517048.png"/>
-          <p:cNvPicPr>
-            <a:picLocks noChangeAspect="1" noChangeArrowheads="1"/>
-          </p:cNvPicPr>
-          <p:nvPr/>
-        </p:nvPicPr>
-        <p:blipFill>
-          <a:blip r:embed="rId2" cstate="print">
-            <a:extLst>
-              <a:ext uri="{28A0092B-C50C-407E-A947-70E740481C1C}">
-                <a14:useLocalDpi xmlns:a14="http://schemas.microsoft.com/office/drawing/2010/main" val="0"/>
-              </a:ext>
-            </a:extLst>
-          </a:blip>
-          <a:srcRect/>
-          <a:stretch>
-            <a:fillRect/>
-          </a:stretch>
-        </p:blipFill>
-        <p:spPr bwMode="auto">
-          <a:xfrm>
-            <a:off x="611560" y="4372434"/>
-            <a:ext cx="1883730" cy="1883730"/>
-          </a:xfrm>
-          <a:prstGeom prst="rect">
-            <a:avLst/>
-          </a:prstGeom>
-          <a:noFill/>
-          <a:extLst>
-            <a:ext uri="{909E8E84-426E-40DD-AFC4-6F175D3DCCD1}">
-              <a14:hiddenFill xmlns:a14="http://schemas.microsoft.com/office/drawing/2010/main">
-                <a:solidFill>
-                  <a:srgbClr val="FFFFFF"/>
-                </a:solidFill>
-              </a14:hiddenFill>
-            </a:ext>
-          </a:extLst>
-        </p:spPr>
-      </p:pic>
-      <p:pic>
-        <p:nvPicPr>
-          <p:cNvPr id="5123" name="Picture 3" descr="D:\OneDrive\Рабочий стол\target_5216775.png"/>
-          <p:cNvPicPr>
-            <a:picLocks noChangeAspect="1" noChangeArrowheads="1"/>
-          </p:cNvPicPr>
-          <p:nvPr/>
-        </p:nvPicPr>
-        <p:blipFill>
-          <a:blip r:embed="rId3" cstate="print">
-            <a:extLst>
-              <a:ext uri="{28A0092B-C50C-407E-A947-70E740481C1C}">
-                <a14:useLocalDpi xmlns:a14="http://schemas.microsoft.com/office/drawing/2010/main" val="0"/>
-              </a:ext>
-            </a:extLst>
-          </a:blip>
-          <a:srcRect/>
-          <a:stretch>
-            <a:fillRect/>
-          </a:stretch>
-        </p:blipFill>
-        <p:spPr bwMode="auto">
-          <a:xfrm>
-            <a:off x="3635896" y="4356410"/>
-            <a:ext cx="1858562" cy="1858562"/>
-          </a:xfrm>
-          <a:prstGeom prst="rect">
-            <a:avLst/>
-          </a:prstGeom>
-          <a:noFill/>
-          <a:extLst>
-            <a:ext uri="{909E8E84-426E-40DD-AFC4-6F175D3DCCD1}">
-              <a14:hiddenFill xmlns:a14="http://schemas.microsoft.com/office/drawing/2010/main">
-                <a:solidFill>
-                  <a:srgbClr val="FFFFFF"/>
-                </a:solidFill>
-              </a14:hiddenFill>
-            </a:ext>
-          </a:extLst>
-        </p:spPr>
-      </p:pic>
-      <p:pic>
-        <p:nvPicPr>
-          <p:cNvPr id="5124" name="Picture 4" descr="D:\OneDrive\Рабочий стол\achievement_9878268.png"/>
-          <p:cNvPicPr>
-            <a:picLocks noChangeAspect="1" noChangeArrowheads="1"/>
-          </p:cNvPicPr>
-          <p:nvPr/>
-        </p:nvPicPr>
-        <p:blipFill>
-          <a:blip r:embed="rId4" cstate="print">
-            <a:extLst>
-              <a:ext uri="{28A0092B-C50C-407E-A947-70E740481C1C}">
-                <a14:useLocalDpi xmlns:a14="http://schemas.microsoft.com/office/drawing/2010/main" val="0"/>
-              </a:ext>
-            </a:extLst>
-          </a:blip>
-          <a:srcRect/>
-          <a:stretch>
-            <a:fillRect/>
-          </a:stretch>
-        </p:blipFill>
-        <p:spPr bwMode="auto">
-          <a:xfrm>
-            <a:off x="6681872" y="4532586"/>
-            <a:ext cx="1682386" cy="1682386"/>
-          </a:xfrm>
-          <a:prstGeom prst="rect">
-            <a:avLst/>
-          </a:prstGeom>
-          <a:noFill/>
-          <a:extLst>
-            <a:ext uri="{909E8E84-426E-40DD-AFC4-6F175D3DCCD1}">
-              <a14:hiddenFill xmlns:a14="http://schemas.microsoft.com/office/drawing/2010/main">
-                <a:solidFill>
-                  <a:srgbClr val="FFFFFF"/>
-                </a:solidFill>
-              </a14:hiddenFill>
-            </a:ext>
-          </a:extLst>
-        </p:spPr>
-      </p:pic>
+          <a:p>
+            <a:pPr marL="0" indent="0">
+              <a:buNone/>
+            </a:pPr>
+            <a:endParaRPr lang="ru-RU" dirty="0">
+              <a:ea typeface="Calibri"/>
+              <a:cs typeface="Calibri"/>
+            </a:endParaRPr>
+          </a:p>
+          <a:p>
+            <a:pPr marL="0" indent="0">
+              <a:buNone/>
+            </a:pPr>
+            <a:endParaRPr lang="ru-RU" dirty="0"/>
+          </a:p>
+        </p:txBody>
+      </p:sp>
     </p:spTree>
     <p:extLst>
       <p:ext uri="{BB962C8B-B14F-4D97-AF65-F5344CB8AC3E}">
-        <p14:creationId xmlns:p14="http://schemas.microsoft.com/office/powerpoint/2010/main" val="1972129730"/>
+        <p14:creationId xmlns:p14="http://schemas.microsoft.com/office/powerpoint/2010/main" val="4206636005"/>
       </p:ext>
     </p:extLst>
   </p:cSld>
@@ -4553,24 +4546,26 @@
           </a:xfrm>
         </p:spPr>
         <p:txBody>
-          <a:bodyPr>
-            <a:noAutofit/>
-          </a:bodyPr>
+          <a:bodyPr/>
           <a:lstStyle/>
           <a:p>
-            <a:pPr marL="742950" indent="-742950">
-              <a:buAutoNum type="arabicPeriod"/>
-            </a:pPr>
+            <a:r>
+              <a:rPr lang="ru-RU" dirty="0">
+                <a:ea typeface="+mj-lt"/>
+                <a:cs typeface="+mj-lt"/>
+              </a:rPr>
+              <a:t>2. </a:t>
+            </a:r>
             <a:r>
               <a:rPr lang="ru-RU" dirty="0">
                 <a:latin typeface="Calibri"/>
-                <a:ea typeface="Calibri"/>
-                <a:cs typeface="Calibri"/>
-              </a:rPr>
-              <a:t>Эффективное создание материалов</a:t>
-            </a:r>
-            <a:endParaRPr lang="ru-RU">
-              <a:ea typeface="Calibri"/>
+                <a:ea typeface="+mj-lt"/>
+                <a:cs typeface="Calibri"/>
+              </a:rPr>
+              <a:t>Интересное обучение</a:t>
+            </a:r>
+            <a:endParaRPr lang="ru-RU" dirty="0">
+              <a:latin typeface="Calibri"/>
               <a:cs typeface="Calibri"/>
             </a:endParaRPr>
           </a:p>
@@ -4588,7 +4583,7 @@
         </p:nvSpPr>
         <p:spPr>
           <a:xfrm>
-            <a:off x="549757" y="2126074"/>
+            <a:off x="549757" y="1901556"/>
             <a:ext cx="8229600" cy="2609131"/>
           </a:xfrm>
         </p:spPr>
@@ -4602,11 +4597,438 @@
               <a:buNone/>
             </a:pPr>
             <a:r>
-              <a:rPr lang="ru-RU" dirty="0">
-                <a:ea typeface="Calibri"/>
-                <a:cs typeface="Calibri"/>
-              </a:rPr>
-              <a:t>Современные инструменты для организации и структурирования информации, интегрированные шаблоны и готовые модули, позволяют вам создавать индивидуальные интеграционные и обучающие материалы всего в несколько шагов. Вам больше не нужно тратить часы на ручную разработку материалов.</a:t>
+              <a:rPr lang="de-DE" dirty="0" err="1">
+                <a:ea typeface="Calibri"/>
+                <a:cs typeface="Calibri"/>
+              </a:rPr>
+              <a:t>Наш</a:t>
+            </a:r>
+            <a:r>
+              <a:rPr lang="de-DE" dirty="0">
+                <a:ea typeface="Calibri"/>
+                <a:cs typeface="Calibri"/>
+              </a:rPr>
+              <a:t> </a:t>
+            </a:r>
+            <a:r>
+              <a:rPr lang="de-DE" dirty="0" err="1">
+                <a:ea typeface="Calibri"/>
+                <a:cs typeface="Calibri"/>
+              </a:rPr>
+              <a:t>продукт</a:t>
+            </a:r>
+            <a:r>
+              <a:rPr lang="de-DE" dirty="0">
+                <a:ea typeface="Calibri"/>
+                <a:cs typeface="Calibri"/>
+              </a:rPr>
+              <a:t> </a:t>
+            </a:r>
+            <a:r>
+              <a:rPr lang="de-DE" dirty="0" err="1">
+                <a:ea typeface="Calibri"/>
+                <a:cs typeface="Calibri"/>
+              </a:rPr>
+              <a:t>предоставляет</a:t>
+            </a:r>
+            <a:r>
+              <a:rPr lang="de-DE" dirty="0">
+                <a:ea typeface="Calibri"/>
+                <a:cs typeface="Calibri"/>
+              </a:rPr>
+              <a:t> </a:t>
+            </a:r>
+            <a:r>
+              <a:rPr lang="de-DE" dirty="0" err="1">
+                <a:ea typeface="Calibri"/>
+                <a:cs typeface="Calibri"/>
+              </a:rPr>
+              <a:t>широкий</a:t>
+            </a:r>
+            <a:r>
+              <a:rPr lang="de-DE" dirty="0">
+                <a:ea typeface="Calibri"/>
+                <a:cs typeface="Calibri"/>
+              </a:rPr>
+              <a:t> </a:t>
+            </a:r>
+            <a:r>
+              <a:rPr lang="de-DE" dirty="0" err="1">
+                <a:ea typeface="Calibri"/>
+                <a:cs typeface="Calibri"/>
+              </a:rPr>
+              <a:t>спектр</a:t>
+            </a:r>
+            <a:r>
+              <a:rPr lang="de-DE" dirty="0">
+                <a:ea typeface="Calibri"/>
+                <a:cs typeface="Calibri"/>
+              </a:rPr>
+              <a:t> </a:t>
+            </a:r>
+            <a:r>
+              <a:rPr lang="de-DE" dirty="0" err="1">
+                <a:ea typeface="Calibri"/>
+                <a:cs typeface="Calibri"/>
+              </a:rPr>
+              <a:t>мультимедийных</a:t>
+            </a:r>
+            <a:r>
+              <a:rPr lang="de-DE" dirty="0">
+                <a:ea typeface="Calibri"/>
+                <a:cs typeface="Calibri"/>
+              </a:rPr>
+              <a:t> </a:t>
+            </a:r>
+            <a:r>
+              <a:rPr lang="de-DE" dirty="0" err="1">
+                <a:ea typeface="Calibri"/>
+                <a:cs typeface="Calibri"/>
+              </a:rPr>
+              <a:t>возможностей</a:t>
+            </a:r>
+            <a:r>
+              <a:rPr lang="de-DE" dirty="0">
+                <a:ea typeface="Calibri"/>
+                <a:cs typeface="Calibri"/>
+              </a:rPr>
+              <a:t> - </a:t>
+            </a:r>
+            <a:r>
+              <a:rPr lang="de-DE" dirty="0" err="1">
+                <a:ea typeface="Calibri"/>
+                <a:cs typeface="Calibri"/>
+              </a:rPr>
+              <a:t>от</a:t>
+            </a:r>
+            <a:r>
+              <a:rPr lang="de-DE" dirty="0">
+                <a:ea typeface="Calibri"/>
+                <a:cs typeface="Calibri"/>
+              </a:rPr>
+              <a:t> </a:t>
+            </a:r>
+            <a:r>
+              <a:rPr lang="de-DE" dirty="0" err="1">
+                <a:ea typeface="Calibri"/>
+                <a:cs typeface="Calibri"/>
+              </a:rPr>
+              <a:t>интерактивных</a:t>
+            </a:r>
+            <a:r>
+              <a:rPr lang="de-DE" dirty="0">
+                <a:ea typeface="Calibri"/>
+                <a:cs typeface="Calibri"/>
+              </a:rPr>
+              <a:t> </a:t>
+            </a:r>
+            <a:r>
+              <a:rPr lang="de-DE" dirty="0" err="1">
+                <a:ea typeface="Calibri"/>
+                <a:cs typeface="Calibri"/>
+              </a:rPr>
+              <a:t>задач</a:t>
+            </a:r>
+            <a:r>
+              <a:rPr lang="de-DE" dirty="0">
+                <a:ea typeface="Calibri"/>
+                <a:cs typeface="Calibri"/>
+              </a:rPr>
+              <a:t> </a:t>
+            </a:r>
+            <a:r>
+              <a:rPr lang="de-DE" dirty="0" err="1">
+                <a:ea typeface="Calibri"/>
+                <a:cs typeface="Calibri"/>
+              </a:rPr>
+              <a:t>до</a:t>
+            </a:r>
+            <a:r>
+              <a:rPr lang="de-DE" dirty="0">
+                <a:ea typeface="Calibri"/>
+                <a:cs typeface="Calibri"/>
+              </a:rPr>
+              <a:t> </a:t>
+            </a:r>
+            <a:r>
+              <a:rPr lang="de-DE" dirty="0" err="1">
+                <a:ea typeface="Calibri"/>
+                <a:cs typeface="Calibri"/>
+              </a:rPr>
+              <a:t>видеолекций</a:t>
+            </a:r>
+            <a:r>
+              <a:rPr lang="de-DE" dirty="0">
+                <a:ea typeface="Calibri"/>
+                <a:cs typeface="Calibri"/>
+              </a:rPr>
+              <a:t> и </a:t>
+            </a:r>
+            <a:r>
+              <a:rPr lang="de-DE" dirty="0" err="1">
+                <a:ea typeface="Calibri"/>
+                <a:cs typeface="Calibri"/>
+              </a:rPr>
+              <a:t>виртуальных</a:t>
+            </a:r>
+            <a:r>
+              <a:rPr lang="de-DE" dirty="0">
+                <a:ea typeface="Calibri"/>
+                <a:cs typeface="Calibri"/>
+              </a:rPr>
+              <a:t> </a:t>
+            </a:r>
+            <a:r>
+              <a:rPr lang="de-DE" dirty="0" err="1">
+                <a:ea typeface="Calibri"/>
+                <a:cs typeface="Calibri"/>
+              </a:rPr>
+              <a:t>практикумов</a:t>
+            </a:r>
+            <a:r>
+              <a:rPr lang="de-DE" dirty="0">
+                <a:ea typeface="Calibri"/>
+                <a:cs typeface="Calibri"/>
+              </a:rPr>
+              <a:t>. </a:t>
+            </a:r>
+            <a:r>
+              <a:rPr lang="de-DE" dirty="0" err="1">
+                <a:ea typeface="Calibri"/>
+                <a:cs typeface="Calibri"/>
+              </a:rPr>
+              <a:t>Это</a:t>
+            </a:r>
+            <a:r>
+              <a:rPr lang="de-DE" dirty="0">
+                <a:ea typeface="Calibri"/>
+                <a:cs typeface="Calibri"/>
+              </a:rPr>
+              <a:t> </a:t>
+            </a:r>
+            <a:r>
+              <a:rPr lang="de-DE" dirty="0" err="1">
+                <a:ea typeface="Calibri"/>
+                <a:cs typeface="Calibri"/>
+              </a:rPr>
+              <a:t>позволяет</a:t>
+            </a:r>
+            <a:r>
+              <a:rPr lang="de-DE" dirty="0">
+                <a:ea typeface="Calibri"/>
+                <a:cs typeface="Calibri"/>
+              </a:rPr>
+              <a:t> </a:t>
+            </a:r>
+            <a:r>
+              <a:rPr lang="de-DE" dirty="0" err="1">
+                <a:ea typeface="Calibri"/>
+                <a:cs typeface="Calibri"/>
+              </a:rPr>
+              <a:t>сделать</a:t>
+            </a:r>
+            <a:r>
+              <a:rPr lang="de-DE" dirty="0">
+                <a:ea typeface="Calibri"/>
+                <a:cs typeface="Calibri"/>
+              </a:rPr>
+              <a:t> </a:t>
+            </a:r>
+            <a:r>
+              <a:rPr lang="de-DE" dirty="0" err="1">
+                <a:ea typeface="Calibri"/>
+                <a:cs typeface="Calibri"/>
+              </a:rPr>
+              <a:t>обучение</a:t>
+            </a:r>
+            <a:r>
+              <a:rPr lang="de-DE" dirty="0">
+                <a:ea typeface="Calibri"/>
+                <a:cs typeface="Calibri"/>
+              </a:rPr>
+              <a:t> </a:t>
+            </a:r>
+            <a:r>
+              <a:rPr lang="de-DE" dirty="0" err="1">
+                <a:ea typeface="Calibri"/>
+                <a:cs typeface="Calibri"/>
+              </a:rPr>
+              <a:t>не</a:t>
+            </a:r>
+            <a:r>
+              <a:rPr lang="de-DE" dirty="0">
+                <a:ea typeface="Calibri"/>
+                <a:cs typeface="Calibri"/>
+              </a:rPr>
+              <a:t> </a:t>
+            </a:r>
+            <a:r>
+              <a:rPr lang="de-DE" dirty="0" err="1">
+                <a:ea typeface="Calibri"/>
+                <a:cs typeface="Calibri"/>
+              </a:rPr>
+              <a:t>только</a:t>
+            </a:r>
+            <a:r>
+              <a:rPr lang="de-DE" dirty="0">
+                <a:ea typeface="Calibri"/>
+                <a:cs typeface="Calibri"/>
+              </a:rPr>
+              <a:t> </a:t>
+            </a:r>
+            <a:r>
+              <a:rPr lang="de-DE" dirty="0" err="1">
+                <a:ea typeface="Calibri"/>
+                <a:cs typeface="Calibri"/>
+              </a:rPr>
+              <a:t>информативным</a:t>
+            </a:r>
+            <a:r>
+              <a:rPr lang="de-DE" dirty="0">
+                <a:ea typeface="Calibri"/>
+                <a:cs typeface="Calibri"/>
+              </a:rPr>
+              <a:t>, </a:t>
+            </a:r>
+            <a:r>
+              <a:rPr lang="de-DE" dirty="0" err="1">
+                <a:ea typeface="Calibri"/>
+                <a:cs typeface="Calibri"/>
+              </a:rPr>
+              <a:t>но</a:t>
+            </a:r>
+            <a:r>
+              <a:rPr lang="de-DE" dirty="0">
+                <a:ea typeface="Calibri"/>
+                <a:cs typeface="Calibri"/>
+              </a:rPr>
+              <a:t> и </a:t>
+            </a:r>
+            <a:r>
+              <a:rPr lang="de-DE" dirty="0" err="1">
+                <a:ea typeface="Calibri"/>
+                <a:cs typeface="Calibri"/>
+              </a:rPr>
+              <a:t>увлекательным</a:t>
+            </a:r>
+            <a:r>
+              <a:rPr lang="de-DE" dirty="0">
+                <a:ea typeface="Calibri"/>
+                <a:cs typeface="Calibri"/>
+              </a:rPr>
+              <a:t>, </a:t>
+            </a:r>
+            <a:r>
+              <a:rPr lang="de-DE" dirty="0" err="1">
+                <a:ea typeface="Calibri"/>
+                <a:cs typeface="Calibri"/>
+              </a:rPr>
+              <a:t>что</a:t>
+            </a:r>
+            <a:r>
+              <a:rPr lang="de-DE" dirty="0">
+                <a:ea typeface="Calibri"/>
+                <a:cs typeface="Calibri"/>
+              </a:rPr>
+              <a:t> </a:t>
+            </a:r>
+            <a:r>
+              <a:rPr lang="de-DE" dirty="0" err="1">
+                <a:ea typeface="Calibri"/>
+                <a:cs typeface="Calibri"/>
+              </a:rPr>
+              <a:t>привлекает</a:t>
+            </a:r>
+            <a:r>
+              <a:rPr lang="de-DE" dirty="0">
+                <a:ea typeface="Calibri"/>
+                <a:cs typeface="Calibri"/>
+              </a:rPr>
+              <a:t> </a:t>
+            </a:r>
+            <a:r>
+              <a:rPr lang="de-DE" dirty="0" err="1">
+                <a:ea typeface="Calibri"/>
+                <a:cs typeface="Calibri"/>
+              </a:rPr>
+              <a:t>внимание</a:t>
+            </a:r>
+            <a:r>
+              <a:rPr lang="de-DE" dirty="0">
+                <a:ea typeface="Calibri"/>
+                <a:cs typeface="Calibri"/>
+              </a:rPr>
+              <a:t> </a:t>
+            </a:r>
+            <a:r>
+              <a:rPr lang="de-DE" dirty="0" err="1">
+                <a:ea typeface="Calibri"/>
+                <a:cs typeface="Calibri"/>
+              </a:rPr>
+              <a:t>вашей</a:t>
+            </a:r>
+            <a:r>
+              <a:rPr lang="de-DE" dirty="0">
+                <a:ea typeface="Calibri"/>
+                <a:cs typeface="Calibri"/>
+              </a:rPr>
+              <a:t> </a:t>
+            </a:r>
+            <a:r>
+              <a:rPr lang="de-DE" dirty="0" err="1">
+                <a:ea typeface="Calibri"/>
+                <a:cs typeface="Calibri"/>
+              </a:rPr>
+              <a:t>аудитории</a:t>
+            </a:r>
+            <a:r>
+              <a:rPr lang="de-DE" dirty="0">
+                <a:ea typeface="Calibri"/>
+                <a:cs typeface="Calibri"/>
+              </a:rPr>
+              <a:t> и </a:t>
+            </a:r>
+            <a:r>
+              <a:rPr lang="de-DE" dirty="0" err="1">
+                <a:ea typeface="Calibri"/>
+                <a:cs typeface="Calibri"/>
+              </a:rPr>
+              <a:t>повышает</a:t>
+            </a:r>
+            <a:r>
+              <a:rPr lang="de-DE" dirty="0">
+                <a:ea typeface="Calibri"/>
+                <a:cs typeface="Calibri"/>
+              </a:rPr>
+              <a:t> </a:t>
+            </a:r>
+            <a:r>
+              <a:rPr lang="de-DE" dirty="0" err="1">
+                <a:ea typeface="Calibri"/>
+                <a:cs typeface="Calibri"/>
+              </a:rPr>
+              <a:t>их</a:t>
+            </a:r>
+            <a:r>
+              <a:rPr lang="de-DE" dirty="0">
+                <a:ea typeface="Calibri"/>
+                <a:cs typeface="Calibri"/>
+              </a:rPr>
+              <a:t> </a:t>
+            </a:r>
+            <a:r>
+              <a:rPr lang="de-DE" dirty="0" err="1">
+                <a:ea typeface="Calibri"/>
+                <a:cs typeface="Calibri"/>
+              </a:rPr>
+              <a:t>мотивацию</a:t>
+            </a:r>
+            <a:r>
+              <a:rPr lang="de-DE" dirty="0">
+                <a:ea typeface="Calibri"/>
+                <a:cs typeface="Calibri"/>
+              </a:rPr>
+              <a:t>.</a:t>
             </a:r>
             <a:endParaRPr lang="ru-RU" dirty="0"/>
           </a:p>
@@ -4614,16 +5036,10 @@
             <a:pPr marL="0" indent="0">
               <a:buNone/>
             </a:pPr>
-            <a:endParaRPr lang="ru-RU" dirty="0">
-              <a:ea typeface="Calibri"/>
-              <a:cs typeface="Calibri"/>
-            </a:endParaRPr>
-          </a:p>
-          <a:p>
-            <a:pPr marL="0" indent="0">
-              <a:buNone/>
-            </a:pPr>
-            <a:endParaRPr lang="ru-RU" dirty="0"/>
+            <a:endParaRPr lang="de-DE" dirty="0">
+              <a:ea typeface="Calibri"/>
+              <a:cs typeface="Calibri"/>
+            </a:endParaRPr>
           </a:p>
         </p:txBody>
       </p:sp>
@@ -4854,12 +5270,14 @@
         </p:nvSpPr>
         <p:spPr>
           <a:xfrm>
-            <a:off x="467544" y="476672"/>
+            <a:off x="457339" y="813449"/>
             <a:ext cx="8229600" cy="1143000"/>
           </a:xfrm>
         </p:spPr>
         <p:txBody>
-          <a:bodyPr/>
+          <a:bodyPr vert="horz" lIns="91440" tIns="45720" rIns="91440" bIns="45720" rtlCol="0" anchor="ctr">
+            <a:noAutofit/>
+          </a:bodyPr>
           <a:lstStyle/>
           <a:p>
             <a:r>
@@ -4867,7 +5285,7 @@
                 <a:ea typeface="+mj-lt"/>
                 <a:cs typeface="+mj-lt"/>
               </a:rPr>
-              <a:t>2. </a:t>
+              <a:t>3. </a:t>
             </a:r>
             <a:r>
               <a:rPr lang="ru-RU" dirty="0">
@@ -4875,13 +5293,19 @@
                 <a:ea typeface="+mj-lt"/>
                 <a:cs typeface="Calibri"/>
               </a:rPr>
-              <a:t>Интересное обучение</a:t>
+              <a:t>Улучшенное управление</a:t>
             </a:r>
             <a:endParaRPr lang="ru-RU" dirty="0">
               <a:latin typeface="Calibri"/>
               <a:cs typeface="Calibri"/>
             </a:endParaRPr>
           </a:p>
+          <a:p>
+            <a:endParaRPr lang="ru-RU" dirty="0">
+              <a:ea typeface="Calibri"/>
+              <a:cs typeface="Calibri"/>
+            </a:endParaRPr>
+          </a:p>
         </p:txBody>
       </p:sp>
       <p:sp>
@@ -4896,13 +5320,13 @@
         </p:nvSpPr>
         <p:spPr>
           <a:xfrm>
-            <a:off x="549757" y="1901556"/>
-            <a:ext cx="8229600" cy="2609131"/>
+            <a:off x="406882" y="2126074"/>
+            <a:ext cx="8331653" cy="3905211"/>
           </a:xfrm>
         </p:spPr>
         <p:txBody>
           <a:bodyPr vert="horz" lIns="91440" tIns="45720" rIns="91440" bIns="45720" rtlCol="0" anchor="t">
-            <a:noAutofit/>
+            <a:normAutofit lnSpcReduction="10000"/>
           </a:bodyPr>
           <a:lstStyle/>
           <a:p>
@@ -4928,7 +5352,7 @@
                 <a:ea typeface="Calibri"/>
                 <a:cs typeface="Calibri"/>
               </a:rPr>
-              <a:t>продукт</a:t>
+              <a:t>инструмент</a:t>
             </a:r>
             <a:r>
               <a:rPr lang="de-DE" dirty="0">
@@ -4956,7 +5380,7 @@
                 <a:ea typeface="Calibri"/>
                 <a:cs typeface="Calibri"/>
               </a:rPr>
-              <a:t>широкий</a:t>
+              <a:t>вам</a:t>
             </a:r>
             <a:r>
               <a:rPr lang="de-DE" dirty="0">
@@ -4970,7 +5394,7 @@
                 <a:ea typeface="Calibri"/>
                 <a:cs typeface="Calibri"/>
               </a:rPr>
-              <a:t>спектр</a:t>
+              <a:t>полный</a:t>
             </a:r>
             <a:r>
               <a:rPr lang="de-DE" dirty="0">
@@ -4984,7 +5408,7 @@
                 <a:ea typeface="Calibri"/>
                 <a:cs typeface="Calibri"/>
               </a:rPr>
-              <a:t>мультимедийных</a:t>
+              <a:t>контроль</a:t>
             </a:r>
             <a:r>
               <a:rPr lang="de-DE" dirty="0">
@@ -4998,21 +5422,21 @@
                 <a:ea typeface="Calibri"/>
                 <a:cs typeface="Calibri"/>
               </a:rPr>
-              <a:t>возможностей</a:t>
+              <a:t>над</a:t>
             </a:r>
             <a:r>
               <a:rPr lang="de-DE" dirty="0">
                 <a:ea typeface="Calibri"/>
                 <a:cs typeface="Calibri"/>
               </a:rPr>
-              <a:t> - </a:t>
+              <a:t> </a:t>
             </a:r>
             <a:r>
               <a:rPr lang="de-DE" dirty="0" err="1">
                 <a:ea typeface="Calibri"/>
                 <a:cs typeface="Calibri"/>
               </a:rPr>
-              <a:t>от</a:t>
+              <a:t>обучающими</a:t>
             </a:r>
             <a:r>
               <a:rPr lang="de-DE" dirty="0">
@@ -5026,13 +5450,27 @@
                 <a:ea typeface="Calibri"/>
                 <a:cs typeface="Calibri"/>
               </a:rPr>
-              <a:t>интерактивных</a:t>
+              <a:t>материалами</a:t>
             </a:r>
             <a:r>
               <a:rPr lang="de-DE" dirty="0">
                 <a:ea typeface="Calibri"/>
                 <a:cs typeface="Calibri"/>
               </a:rPr>
+              <a:t>. </a:t>
+            </a:r>
+            <a:r>
+              <a:rPr lang="de-DE" dirty="0" err="1">
+                <a:ea typeface="Calibri"/>
+                <a:cs typeface="Calibri"/>
+              </a:rPr>
+              <a:t>Вы</a:t>
+            </a:r>
+            <a:r>
+              <a:rPr lang="de-DE" dirty="0">
+                <a:ea typeface="Calibri"/>
+                <a:cs typeface="Calibri"/>
+              </a:rPr>
               <a:t> </a:t>
             </a:r>
             <a:r>
@@ -5040,7 +5478,7 @@
                 <a:ea typeface="Calibri"/>
                 <a:cs typeface="Calibri"/>
               </a:rPr>
-              <a:t>задач</a:t>
+              <a:t>можете</a:t>
             </a:r>
             <a:r>
               <a:rPr lang="de-DE" dirty="0">
@@ -5054,13 +5492,41 @@
                 <a:ea typeface="Calibri"/>
                 <a:cs typeface="Calibri"/>
               </a:rPr>
-              <a:t>до</a:t>
+              <a:t>отслеживать</a:t>
             </a:r>
             <a:r>
               <a:rPr lang="de-DE" dirty="0">
                 <a:ea typeface="Calibri"/>
                 <a:cs typeface="Calibri"/>
               </a:rPr>
+              <a:t>, </a:t>
+            </a:r>
+            <a:r>
+              <a:rPr lang="de-DE" dirty="0" err="1">
+                <a:ea typeface="Calibri"/>
+                <a:cs typeface="Calibri"/>
+              </a:rPr>
+              <a:t>кто</a:t>
+            </a:r>
+            <a:r>
+              <a:rPr lang="de-DE" dirty="0">
+                <a:ea typeface="Calibri"/>
+                <a:cs typeface="Calibri"/>
+              </a:rPr>
+              <a:t> и </a:t>
+            </a:r>
+            <a:r>
+              <a:rPr lang="de-DE" dirty="0" err="1">
+                <a:ea typeface="Calibri"/>
+                <a:cs typeface="Calibri"/>
+              </a:rPr>
+              <a:t>когда</a:t>
+            </a:r>
+            <a:r>
+              <a:rPr lang="de-DE" dirty="0">
+                <a:ea typeface="Calibri"/>
+                <a:cs typeface="Calibri"/>
+              </a:rPr>
               <a:t> </a:t>
             </a:r>
             <a:r>
@@ -5068,13 +5534,223 @@
                 <a:ea typeface="Calibri"/>
                 <a:cs typeface="Calibri"/>
               </a:rPr>
-              <a:t>видеолекций</a:t>
+              <a:t>получил</a:t>
             </a:r>
             <a:r>
               <a:rPr lang="de-DE" dirty="0">
                 <a:ea typeface="Calibri"/>
                 <a:cs typeface="Calibri"/>
               </a:rPr>
+              <a:t> </a:t>
+            </a:r>
+            <a:r>
+              <a:rPr lang="de-DE" dirty="0" err="1">
+                <a:ea typeface="Calibri"/>
+                <a:cs typeface="Calibri"/>
+              </a:rPr>
+              <a:t>доступ</a:t>
+            </a:r>
+            <a:r>
+              <a:rPr lang="de-DE" dirty="0">
+                <a:ea typeface="Calibri"/>
+                <a:cs typeface="Calibri"/>
+              </a:rPr>
+              <a:t> к </a:t>
+            </a:r>
+            <a:r>
+              <a:rPr lang="de-DE" dirty="0" err="1">
+                <a:ea typeface="Calibri"/>
+                <a:cs typeface="Calibri"/>
+              </a:rPr>
+              <a:t>материалам</a:t>
+            </a:r>
+            <a:r>
+              <a:rPr lang="de-DE" dirty="0">
+                <a:ea typeface="Calibri"/>
+                <a:cs typeface="Calibri"/>
+              </a:rPr>
+              <a:t>, </a:t>
+            </a:r>
+            <a:r>
+              <a:rPr lang="de-DE" dirty="0" err="1">
+                <a:ea typeface="Calibri"/>
+                <a:cs typeface="Calibri"/>
+              </a:rPr>
+              <a:t>собирать</a:t>
+            </a:r>
+            <a:r>
+              <a:rPr lang="de-DE" dirty="0">
+                <a:ea typeface="Calibri"/>
+                <a:cs typeface="Calibri"/>
+              </a:rPr>
+              <a:t> </a:t>
+            </a:r>
+            <a:r>
+              <a:rPr lang="de-DE" dirty="0" err="1">
+                <a:ea typeface="Calibri"/>
+                <a:cs typeface="Calibri"/>
+              </a:rPr>
+              <a:t>обратную</a:t>
+            </a:r>
+            <a:r>
+              <a:rPr lang="de-DE" dirty="0">
+                <a:ea typeface="Calibri"/>
+                <a:cs typeface="Calibri"/>
+              </a:rPr>
+              <a:t> </a:t>
+            </a:r>
+            <a:r>
+              <a:rPr lang="de-DE" dirty="0" err="1">
+                <a:ea typeface="Calibri"/>
+                <a:cs typeface="Calibri"/>
+              </a:rPr>
+              <a:t>связь</a:t>
+            </a:r>
+            <a:r>
+              <a:rPr lang="de-DE" dirty="0">
+                <a:ea typeface="Calibri"/>
+                <a:cs typeface="Calibri"/>
+              </a:rPr>
+              <a:t>, а </a:t>
+            </a:r>
+            <a:r>
+              <a:rPr lang="de-DE" dirty="0" err="1">
+                <a:ea typeface="Calibri"/>
+                <a:cs typeface="Calibri"/>
+              </a:rPr>
+              <a:t>также</a:t>
+            </a:r>
+            <a:r>
+              <a:rPr lang="de-DE" dirty="0">
+                <a:ea typeface="Calibri"/>
+                <a:cs typeface="Calibri"/>
+              </a:rPr>
+              <a:t> </a:t>
+            </a:r>
+            <a:r>
+              <a:rPr lang="de-DE" dirty="0" err="1">
+                <a:ea typeface="Calibri"/>
+                <a:cs typeface="Calibri"/>
+              </a:rPr>
+              <a:t>анализировать</a:t>
+            </a:r>
+            <a:r>
+              <a:rPr lang="de-DE" dirty="0">
+                <a:ea typeface="Calibri"/>
+                <a:cs typeface="Calibri"/>
+              </a:rPr>
+              <a:t> </a:t>
+            </a:r>
+            <a:r>
+              <a:rPr lang="de-DE" dirty="0" err="1">
+                <a:ea typeface="Calibri"/>
+                <a:cs typeface="Calibri"/>
+              </a:rPr>
+              <a:t>результаты</a:t>
+            </a:r>
+            <a:r>
+              <a:rPr lang="de-DE" dirty="0">
+                <a:ea typeface="Calibri"/>
+                <a:cs typeface="Calibri"/>
+              </a:rPr>
+              <a:t> </a:t>
+            </a:r>
+            <a:r>
+              <a:rPr lang="de-DE" dirty="0" err="1">
+                <a:ea typeface="Calibri"/>
+                <a:cs typeface="Calibri"/>
+              </a:rPr>
+              <a:t>обучения</a:t>
+            </a:r>
+            <a:r>
+              <a:rPr lang="de-DE" dirty="0">
+                <a:ea typeface="Calibri"/>
+                <a:cs typeface="Calibri"/>
+              </a:rPr>
+              <a:t>. </a:t>
+            </a:r>
+            <a:r>
+              <a:rPr lang="de-DE" dirty="0" err="1">
+                <a:ea typeface="Calibri"/>
+                <a:cs typeface="Calibri"/>
+              </a:rPr>
+              <a:t>Это</a:t>
+            </a:r>
+            <a:r>
+              <a:rPr lang="de-DE" dirty="0">
+                <a:ea typeface="Calibri"/>
+                <a:cs typeface="Calibri"/>
+              </a:rPr>
+              <a:t> </a:t>
+            </a:r>
+            <a:r>
+              <a:rPr lang="de-DE" dirty="0" err="1">
+                <a:ea typeface="Calibri"/>
+                <a:cs typeface="Calibri"/>
+              </a:rPr>
+              <a:t>дает</a:t>
+            </a:r>
+            <a:r>
+              <a:rPr lang="de-DE" dirty="0">
+                <a:ea typeface="Calibri"/>
+                <a:cs typeface="Calibri"/>
+              </a:rPr>
+              <a:t> </a:t>
+            </a:r>
+            <a:r>
+              <a:rPr lang="de-DE" dirty="0" err="1">
+                <a:ea typeface="Calibri"/>
+                <a:cs typeface="Calibri"/>
+              </a:rPr>
+              <a:t>вам</a:t>
+            </a:r>
+            <a:r>
+              <a:rPr lang="de-DE" dirty="0">
+                <a:ea typeface="Calibri"/>
+                <a:cs typeface="Calibri"/>
+              </a:rPr>
+              <a:t> </a:t>
+            </a:r>
+            <a:r>
+              <a:rPr lang="de-DE" dirty="0" err="1">
+                <a:ea typeface="Calibri"/>
+                <a:cs typeface="Calibri"/>
+              </a:rPr>
+              <a:t>возможность</a:t>
+            </a:r>
+            <a:r>
+              <a:rPr lang="de-DE" dirty="0">
+                <a:ea typeface="Calibri"/>
+                <a:cs typeface="Calibri"/>
+              </a:rPr>
+              <a:t> </a:t>
+            </a:r>
+            <a:r>
+              <a:rPr lang="de-DE" dirty="0" err="1">
+                <a:ea typeface="Calibri"/>
+                <a:cs typeface="Calibri"/>
+              </a:rPr>
+              <a:t>легко</a:t>
+            </a:r>
+            <a:r>
+              <a:rPr lang="de-DE" dirty="0">
+                <a:ea typeface="Calibri"/>
+                <a:cs typeface="Calibri"/>
+              </a:rPr>
+              <a:t> </a:t>
+            </a:r>
+            <a:r>
+              <a:rPr lang="de-DE" dirty="0" err="1">
+                <a:ea typeface="Calibri"/>
+                <a:cs typeface="Calibri"/>
+              </a:rPr>
+              <a:t>адаптировать</a:t>
+            </a:r>
+            <a:r>
+              <a:rPr lang="de-DE" dirty="0">
+                <a:ea typeface="Calibri"/>
+                <a:cs typeface="Calibri"/>
+              </a:rPr>
               <a:t> и </a:t>
             </a:r>
             <a:r>
@@ -5082,7 +5758,7 @@
                 <a:ea typeface="Calibri"/>
                 <a:cs typeface="Calibri"/>
               </a:rPr>
-              <a:t>виртуальных</a:t>
+              <a:t>улучшать</a:t>
             </a:r>
             <a:r>
               <a:rPr lang="de-DE" dirty="0">
@@ -5096,27 +5772,55 @@
                 <a:ea typeface="Calibri"/>
                 <a:cs typeface="Calibri"/>
               </a:rPr>
-              <a:t>практикумов</a:t>
+              <a:t>учебные</a:t>
             </a:r>
             <a:r>
               <a:rPr lang="de-DE" dirty="0">
                 <a:ea typeface="Calibri"/>
                 <a:cs typeface="Calibri"/>
               </a:rPr>
-              <a:t>. </a:t>
+              <a:t> </a:t>
             </a:r>
             <a:r>
               <a:rPr lang="de-DE" dirty="0" err="1">
                 <a:ea typeface="Calibri"/>
                 <a:cs typeface="Calibri"/>
               </a:rPr>
-              <a:t>Это</a:t>
+              <a:t>программы</a:t>
             </a:r>
             <a:r>
               <a:rPr lang="de-DE" dirty="0">
                 <a:ea typeface="Calibri"/>
                 <a:cs typeface="Calibri"/>
               </a:rPr>
+              <a:t> и </a:t>
+            </a:r>
+            <a:r>
+              <a:rPr lang="de-DE" dirty="0" err="1">
+                <a:ea typeface="Calibri"/>
+                <a:cs typeface="Calibri"/>
+              </a:rPr>
+              <a:t>материалы</a:t>
+            </a:r>
+            <a:r>
+              <a:rPr lang="de-DE" dirty="0">
+                <a:ea typeface="Calibri"/>
+                <a:cs typeface="Calibri"/>
+              </a:rPr>
+              <a:t> в </a:t>
+            </a:r>
+            <a:r>
+              <a:rPr lang="de-DE" dirty="0" err="1">
+                <a:ea typeface="Calibri"/>
+                <a:cs typeface="Calibri"/>
+              </a:rPr>
+              <a:t>реальном</a:t>
+            </a:r>
+            <a:r>
+              <a:rPr lang="de-DE" dirty="0">
+                <a:ea typeface="Calibri"/>
+                <a:cs typeface="Calibri"/>
+              </a:rPr>
               <a:t> </a:t>
             </a:r>
             <a:r>
@@ -5124,217 +5828,7 @@
                 <a:ea typeface="Calibri"/>
                 <a:cs typeface="Calibri"/>
               </a:rPr>
-              <a:t>позволяет</a:t>
-            </a:r>
-            <a:r>
-              <a:rPr lang="de-DE" dirty="0">
-                <a:ea typeface="Calibri"/>
-                <a:cs typeface="Calibri"/>
-              </a:rPr>
-              <a:t> </a:t>
-            </a:r>
-            <a:r>
-              <a:rPr lang="de-DE" dirty="0" err="1">
-                <a:ea typeface="Calibri"/>
-                <a:cs typeface="Calibri"/>
-              </a:rPr>
-              <a:t>сделать</a:t>
-            </a:r>
-            <a:r>
-              <a:rPr lang="de-DE" dirty="0">
-                <a:ea typeface="Calibri"/>
-                <a:cs typeface="Calibri"/>
-              </a:rPr>
-              <a:t> </a:t>
-            </a:r>
-            <a:r>
-              <a:rPr lang="de-DE" dirty="0" err="1">
-                <a:ea typeface="Calibri"/>
-                <a:cs typeface="Calibri"/>
-              </a:rPr>
-              <a:t>обучение</a:t>
-            </a:r>
-            <a:r>
-              <a:rPr lang="de-DE" dirty="0">
-                <a:ea typeface="Calibri"/>
-                <a:cs typeface="Calibri"/>
-              </a:rPr>
-              <a:t> </a:t>
-            </a:r>
-            <a:r>
-              <a:rPr lang="de-DE" dirty="0" err="1">
-                <a:ea typeface="Calibri"/>
-                <a:cs typeface="Calibri"/>
-              </a:rPr>
-              <a:t>не</a:t>
-            </a:r>
-            <a:r>
-              <a:rPr lang="de-DE" dirty="0">
-                <a:ea typeface="Calibri"/>
-                <a:cs typeface="Calibri"/>
-              </a:rPr>
-              <a:t> </a:t>
-            </a:r>
-            <a:r>
-              <a:rPr lang="de-DE" dirty="0" err="1">
-                <a:ea typeface="Calibri"/>
-                <a:cs typeface="Calibri"/>
-              </a:rPr>
-              <a:t>только</a:t>
-            </a:r>
-            <a:r>
-              <a:rPr lang="de-DE" dirty="0">
-                <a:ea typeface="Calibri"/>
-                <a:cs typeface="Calibri"/>
-              </a:rPr>
-              <a:t> </a:t>
-            </a:r>
-            <a:r>
-              <a:rPr lang="de-DE" dirty="0" err="1">
-                <a:ea typeface="Calibri"/>
-                <a:cs typeface="Calibri"/>
-              </a:rPr>
-              <a:t>информативным</a:t>
-            </a:r>
-            <a:r>
-              <a:rPr lang="de-DE" dirty="0">
-                <a:ea typeface="Calibri"/>
-                <a:cs typeface="Calibri"/>
-              </a:rPr>
-              <a:t>, </a:t>
-            </a:r>
-            <a:r>
-              <a:rPr lang="de-DE" dirty="0" err="1">
-                <a:ea typeface="Calibri"/>
-                <a:cs typeface="Calibri"/>
-              </a:rPr>
-              <a:t>но</a:t>
-            </a:r>
-            <a:r>
-              <a:rPr lang="de-DE" dirty="0">
-                <a:ea typeface="Calibri"/>
-                <a:cs typeface="Calibri"/>
-              </a:rPr>
-              <a:t> и </a:t>
-            </a:r>
-            <a:r>
-              <a:rPr lang="de-DE" dirty="0" err="1">
-                <a:ea typeface="Calibri"/>
-                <a:cs typeface="Calibri"/>
-              </a:rPr>
-              <a:t>увлекательным</a:t>
-            </a:r>
-            <a:r>
-              <a:rPr lang="de-DE" dirty="0">
-                <a:ea typeface="Calibri"/>
-                <a:cs typeface="Calibri"/>
-              </a:rPr>
-              <a:t>, </a:t>
-            </a:r>
-            <a:r>
-              <a:rPr lang="de-DE" dirty="0" err="1">
-                <a:ea typeface="Calibri"/>
-                <a:cs typeface="Calibri"/>
-              </a:rPr>
-              <a:t>что</a:t>
-            </a:r>
-            <a:r>
-              <a:rPr lang="de-DE" dirty="0">
-                <a:ea typeface="Calibri"/>
-                <a:cs typeface="Calibri"/>
-              </a:rPr>
-              <a:t> </a:t>
-            </a:r>
-            <a:r>
-              <a:rPr lang="de-DE" dirty="0" err="1">
-                <a:ea typeface="Calibri"/>
-                <a:cs typeface="Calibri"/>
-              </a:rPr>
-              <a:t>привлекает</a:t>
-            </a:r>
-            <a:r>
-              <a:rPr lang="de-DE" dirty="0">
-                <a:ea typeface="Calibri"/>
-                <a:cs typeface="Calibri"/>
-              </a:rPr>
-              <a:t> </a:t>
-            </a:r>
-            <a:r>
-              <a:rPr lang="de-DE" dirty="0" err="1">
-                <a:ea typeface="Calibri"/>
-                <a:cs typeface="Calibri"/>
-              </a:rPr>
-              <a:t>внимание</a:t>
-            </a:r>
-            <a:r>
-              <a:rPr lang="de-DE" dirty="0">
-                <a:ea typeface="Calibri"/>
-                <a:cs typeface="Calibri"/>
-              </a:rPr>
-              <a:t> </a:t>
-            </a:r>
-            <a:r>
-              <a:rPr lang="de-DE" dirty="0" err="1">
-                <a:ea typeface="Calibri"/>
-                <a:cs typeface="Calibri"/>
-              </a:rPr>
-              <a:t>вашей</a:t>
-            </a:r>
-            <a:r>
-              <a:rPr lang="de-DE" dirty="0">
-                <a:ea typeface="Calibri"/>
-                <a:cs typeface="Calibri"/>
-              </a:rPr>
-              <a:t> </a:t>
-            </a:r>
-            <a:r>
-              <a:rPr lang="de-DE" dirty="0" err="1">
-                <a:ea typeface="Calibri"/>
-                <a:cs typeface="Calibri"/>
-              </a:rPr>
-              <a:t>аудитории</a:t>
-            </a:r>
-            <a:r>
-              <a:rPr lang="de-DE" dirty="0">
-                <a:ea typeface="Calibri"/>
-                <a:cs typeface="Calibri"/>
-              </a:rPr>
-              <a:t> и </a:t>
-            </a:r>
-            <a:r>
-              <a:rPr lang="de-DE" dirty="0" err="1">
-                <a:ea typeface="Calibri"/>
-                <a:cs typeface="Calibri"/>
-              </a:rPr>
-              <a:t>повышает</a:t>
-            </a:r>
-            <a:r>
-              <a:rPr lang="de-DE" dirty="0">
-                <a:ea typeface="Calibri"/>
-                <a:cs typeface="Calibri"/>
-              </a:rPr>
-              <a:t> </a:t>
-            </a:r>
-            <a:r>
-              <a:rPr lang="de-DE" dirty="0" err="1">
-                <a:ea typeface="Calibri"/>
-                <a:cs typeface="Calibri"/>
-              </a:rPr>
-              <a:t>их</a:t>
-            </a:r>
-            <a:r>
-              <a:rPr lang="de-DE" dirty="0">
-                <a:ea typeface="Calibri"/>
-                <a:cs typeface="Calibri"/>
-              </a:rPr>
-              <a:t> </a:t>
-            </a:r>
-            <a:r>
-              <a:rPr lang="de-DE" dirty="0" err="1">
-                <a:ea typeface="Calibri"/>
-                <a:cs typeface="Calibri"/>
-              </a:rPr>
-              <a:t>мотивацию</a:t>
+              <a:t>времени</a:t>
             </a:r>
             <a:r>
               <a:rPr lang="de-DE" dirty="0">
@@ -5398,7 +5892,7 @@
         </p:nvSpPr>
         <p:spPr>
           <a:xfrm>
-            <a:off x="457339" y="813449"/>
+            <a:off x="273643" y="517494"/>
             <a:ext cx="8229600" cy="1143000"/>
           </a:xfrm>
         </p:spPr>
@@ -5408,12 +5902,24 @@
           </a:bodyPr>
           <a:lstStyle/>
           <a:p>
-            <a:r>
+            <a:br>
               <a:rPr lang="ru-RU" dirty="0">
                 <a:ea typeface="+mj-lt"/>
                 <a:cs typeface="+mj-lt"/>
               </a:rPr>
-              <a:t>3. </a:t>
+            </a:br>
+            <a:br>
+              <a:rPr lang="ru-RU" dirty="0">
+                <a:ea typeface="+mj-lt"/>
+                <a:cs typeface="+mj-lt"/>
+              </a:rPr>
+            </a:br>
+            <a:r>
+              <a:rPr lang="ru-RU" dirty="0">
+                <a:ea typeface="+mj-lt"/>
+                <a:cs typeface="+mj-lt"/>
+              </a:rPr>
+              <a:t>4. </a:t>
             </a:r>
             <a:r>
               <a:rPr lang="ru-RU" dirty="0">
@@ -5421,7 +5927,7 @@
                 <a:ea typeface="+mj-lt"/>
                 <a:cs typeface="Calibri"/>
               </a:rPr>
-              <a:t>Улучшенное управление</a:t>
+              <a:t>Экономию времени</a:t>
             </a:r>
             <a:endParaRPr lang="ru-RU" dirty="0">
               <a:latin typeface="Calibri"/>
@@ -5434,6 +5940,12 @@
               <a:cs typeface="Calibri"/>
             </a:endParaRPr>
           </a:p>
+          <a:p>
+            <a:endParaRPr lang="ru-RU" dirty="0">
+              <a:ea typeface="Calibri"/>
+              <a:cs typeface="Calibri"/>
+            </a:endParaRPr>
+          </a:p>
         </p:txBody>
       </p:sp>
       <p:sp>
@@ -5448,13 +5960,13 @@
         </p:nvSpPr>
         <p:spPr>
           <a:xfrm>
-            <a:off x="406882" y="2126074"/>
-            <a:ext cx="8331653" cy="3905211"/>
+            <a:off x="508936" y="1962788"/>
+            <a:ext cx="8229600" cy="2609131"/>
           </a:xfrm>
         </p:spPr>
         <p:txBody>
           <a:bodyPr vert="horz" lIns="91440" tIns="45720" rIns="91440" bIns="45720" rtlCol="0" anchor="t">
-            <a:normAutofit lnSpcReduction="10000"/>
+            <a:noAutofit/>
           </a:bodyPr>
           <a:lstStyle/>
           <a:p>
@@ -5463,6 +5975,87 @@
             </a:pPr>
             <a:r>
               <a:rPr lang="de-DE" dirty="0" err="1">
+                <a:latin typeface="Calibri"/>
+                <a:ea typeface="Calibri"/>
+                <a:cs typeface="Calibri"/>
+              </a:rPr>
+              <a:t>Мы</a:t>
+            </a:r>
+            <a:r>
+              <a:rPr lang="de-DE" dirty="0">
+                <a:latin typeface="Calibri"/>
+                <a:ea typeface="Calibri"/>
+                <a:cs typeface="Calibri"/>
+              </a:rPr>
+              <a:t> </a:t>
+            </a:r>
+            <a:r>
+              <a:rPr lang="de-DE" dirty="0" err="1">
+                <a:latin typeface="Calibri"/>
+                <a:ea typeface="Calibri"/>
+                <a:cs typeface="Calibri"/>
+              </a:rPr>
+              <a:t>понимаем</a:t>
+            </a:r>
+            <a:r>
+              <a:rPr lang="de-DE" dirty="0">
+                <a:latin typeface="Calibri"/>
+                <a:ea typeface="Calibri"/>
+                <a:cs typeface="Calibri"/>
+              </a:rPr>
+              <a:t> </a:t>
+            </a:r>
+            <a:r>
+              <a:rPr lang="de-DE" dirty="0" err="1">
+                <a:latin typeface="Calibri"/>
+                <a:ea typeface="Calibri"/>
+                <a:cs typeface="Calibri"/>
+              </a:rPr>
+              <a:t>ценность</a:t>
+            </a:r>
+            <a:r>
+              <a:rPr lang="de-DE" dirty="0">
+                <a:latin typeface="Calibri"/>
+                <a:ea typeface="Calibri"/>
+                <a:cs typeface="Calibri"/>
+              </a:rPr>
+              <a:t> </a:t>
+            </a:r>
+            <a:r>
+              <a:rPr lang="de-DE" dirty="0" err="1">
+                <a:latin typeface="Calibri"/>
+                <a:ea typeface="Calibri"/>
+                <a:cs typeface="Calibri"/>
+              </a:rPr>
+              <a:t>вашего</a:t>
+            </a:r>
+            <a:r>
+              <a:rPr lang="de-DE" dirty="0">
+                <a:latin typeface="Calibri"/>
+                <a:ea typeface="Calibri"/>
+                <a:cs typeface="Calibri"/>
+              </a:rPr>
+              <a:t> </a:t>
+            </a:r>
+            <a:r>
+              <a:rPr lang="de-DE" dirty="0" err="1">
+                <a:latin typeface="Calibri"/>
+                <a:ea typeface="Calibri"/>
+                <a:cs typeface="Calibri"/>
+              </a:rPr>
+              <a:t>времени</a:t>
+            </a:r>
+            <a:r>
+              <a:rPr lang="de-DE" dirty="0">
+                <a:latin typeface="Calibri"/>
+                <a:ea typeface="Calibri"/>
+                <a:cs typeface="Calibri"/>
+              </a:rPr>
+              <a:t>. </a:t>
+            </a:r>
+            <a:r>
+              <a:rPr lang="de-DE" dirty="0" err="1">
+                <a:latin typeface="Calibri"/>
                 <a:ea typeface="Calibri"/>
                 <a:cs typeface="Calibri"/>
               </a:rPr>
@@ -5470,6 +6063,7 @@
             </a:r>
             <a:r>
               <a:rPr lang="de-DE" dirty="0">
+                <a:latin typeface="Calibri"/>
                 <a:ea typeface="Calibri"/>
                 <a:cs typeface="Calibri"/>
               </a:rPr>
@@ -5477,6 +6071,7 @@
             </a:r>
             <a:r>
               <a:rPr lang="de-DE" dirty="0" err="1">
+                <a:latin typeface="Calibri"/>
                 <a:ea typeface="Calibri"/>
                 <a:cs typeface="Calibri"/>
               </a:rPr>
@@ -5484,6 +6079,7 @@
             </a:r>
             <a:r>
               <a:rPr lang="de-DE" dirty="0">
+                <a:latin typeface="Calibri"/>
                 <a:ea typeface="Calibri"/>
                 <a:cs typeface="Calibri"/>
               </a:rPr>
@@ -5491,13 +6087,15 @@
             </a:r>
             <a:r>
               <a:rPr lang="de-DE" dirty="0" err="1">
-                <a:ea typeface="Calibri"/>
-                <a:cs typeface="Calibri"/>
-              </a:rPr>
-              <a:t>предоставляет</a:t>
+                <a:latin typeface="Calibri"/>
+                <a:ea typeface="Calibri"/>
+                <a:cs typeface="Calibri"/>
+              </a:rPr>
+              <a:t>помогает</a:t>
             </a:r>
             <a:r>
               <a:rPr lang="de-DE" dirty="0">
+                <a:latin typeface="Calibri"/>
                 <a:ea typeface="Calibri"/>
                 <a:cs typeface="Calibri"/>
               </a:rPr>
@@ -5505,6 +6103,7 @@
             </a:r>
             <a:r>
               <a:rPr lang="de-DE" dirty="0" err="1">
+                <a:latin typeface="Calibri"/>
                 <a:ea typeface="Calibri"/>
                 <a:cs typeface="Calibri"/>
               </a:rPr>
@@ -5512,6 +6111,7 @@
             </a:r>
             <a:r>
               <a:rPr lang="de-DE" dirty="0">
+                <a:latin typeface="Calibri"/>
                 <a:ea typeface="Calibri"/>
                 <a:cs typeface="Calibri"/>
               </a:rPr>
@@ -5519,13 +6119,15 @@
             </a:r>
             <a:r>
               <a:rPr lang="de-DE" dirty="0" err="1">
-                <a:ea typeface="Calibri"/>
-                <a:cs typeface="Calibri"/>
-              </a:rPr>
-              <a:t>полный</a:t>
+                <a:latin typeface="Calibri"/>
+                <a:ea typeface="Calibri"/>
+                <a:cs typeface="Calibri"/>
+              </a:rPr>
+              <a:t>сэкономить</a:t>
             </a:r>
             <a:r>
               <a:rPr lang="de-DE" dirty="0">
+                <a:latin typeface="Calibri"/>
                 <a:ea typeface="Calibri"/>
                 <a:cs typeface="Calibri"/>
               </a:rPr>
@@ -5533,13 +6135,31 @@
             </a:r>
             <a:r>
               <a:rPr lang="de-DE" dirty="0" err="1">
-                <a:ea typeface="Calibri"/>
-                <a:cs typeface="Calibri"/>
-              </a:rPr>
-              <a:t>контроль</a:t>
+                <a:latin typeface="Calibri"/>
+                <a:ea typeface="Calibri"/>
+                <a:cs typeface="Calibri"/>
+              </a:rPr>
+              <a:t>время</a:t>
             </a:r>
             <a:r>
               <a:rPr lang="de-DE" dirty="0">
+                <a:latin typeface="Calibri"/>
+                <a:ea typeface="Calibri"/>
+                <a:cs typeface="Calibri"/>
+              </a:rPr>
+              <a:t>, </a:t>
+            </a:r>
+            <a:r>
+              <a:rPr lang="de-DE" dirty="0" err="1">
+                <a:latin typeface="Calibri"/>
+                <a:ea typeface="Calibri"/>
+                <a:cs typeface="Calibri"/>
+              </a:rPr>
+              <a:t>которое</a:t>
+            </a:r>
+            <a:r>
+              <a:rPr lang="de-DE" dirty="0">
+                <a:latin typeface="Calibri"/>
                 <a:ea typeface="Calibri"/>
                 <a:cs typeface="Calibri"/>
               </a:rPr>
@@ -5547,13 +6167,15 @@
             </a:r>
             <a:r>
               <a:rPr lang="de-DE" dirty="0" err="1">
-                <a:ea typeface="Calibri"/>
-                <a:cs typeface="Calibri"/>
-              </a:rPr>
-              <a:t>над</a:t>
+                <a:latin typeface="Calibri"/>
+                <a:ea typeface="Calibri"/>
+                <a:cs typeface="Calibri"/>
+              </a:rPr>
+              <a:t>вы</a:t>
             </a:r>
             <a:r>
               <a:rPr lang="de-DE" dirty="0">
+                <a:latin typeface="Calibri"/>
                 <a:ea typeface="Calibri"/>
                 <a:cs typeface="Calibri"/>
               </a:rPr>
@@ -5561,13 +6183,15 @@
             </a:r>
             <a:r>
               <a:rPr lang="de-DE" dirty="0" err="1">
-                <a:ea typeface="Calibri"/>
-                <a:cs typeface="Calibri"/>
-              </a:rPr>
-              <a:t>обучающими</a:t>
+                <a:latin typeface="Calibri"/>
+                <a:ea typeface="Calibri"/>
+                <a:cs typeface="Calibri"/>
+              </a:rPr>
+              <a:t>можете</a:t>
             </a:r>
             <a:r>
               <a:rPr lang="de-DE" dirty="0">
+                <a:latin typeface="Calibri"/>
                 <a:ea typeface="Calibri"/>
                 <a:cs typeface="Calibri"/>
               </a:rPr>
@@ -5575,6 +6199,215 @@
             </a:r>
             <a:r>
               <a:rPr lang="de-DE" dirty="0" err="1">
+                <a:latin typeface="Calibri"/>
+                <a:ea typeface="Calibri"/>
+                <a:cs typeface="Calibri"/>
+              </a:rPr>
+              <a:t>вложить</a:t>
+            </a:r>
+            <a:r>
+              <a:rPr lang="de-DE" dirty="0">
+                <a:latin typeface="Calibri"/>
+                <a:ea typeface="Calibri"/>
+                <a:cs typeface="Calibri"/>
+              </a:rPr>
+              <a:t> в </a:t>
+            </a:r>
+            <a:r>
+              <a:rPr lang="de-DE" dirty="0" err="1">
+                <a:latin typeface="Calibri"/>
+                <a:ea typeface="Calibri"/>
+                <a:cs typeface="Calibri"/>
+              </a:rPr>
+              <a:t>развитие</a:t>
+            </a:r>
+            <a:r>
+              <a:rPr lang="de-DE" dirty="0">
+                <a:latin typeface="Calibri"/>
+                <a:ea typeface="Calibri"/>
+                <a:cs typeface="Calibri"/>
+              </a:rPr>
+              <a:t> </a:t>
+            </a:r>
+            <a:r>
+              <a:rPr lang="de-DE" dirty="0" err="1">
+                <a:latin typeface="Calibri"/>
+                <a:ea typeface="Calibri"/>
+                <a:cs typeface="Calibri"/>
+              </a:rPr>
+              <a:t>стратегически</a:t>
+            </a:r>
+            <a:r>
+              <a:rPr lang="de-DE" dirty="0">
+                <a:latin typeface="Calibri"/>
+                <a:ea typeface="Calibri"/>
+                <a:cs typeface="Calibri"/>
+              </a:rPr>
+              <a:t> </a:t>
+            </a:r>
+            <a:r>
+              <a:rPr lang="de-DE" dirty="0" err="1">
+                <a:latin typeface="Calibri"/>
+                <a:ea typeface="Calibri"/>
+                <a:cs typeface="Calibri"/>
+              </a:rPr>
+              <a:t>важных</a:t>
+            </a:r>
+            <a:r>
+              <a:rPr lang="de-DE" dirty="0">
+                <a:latin typeface="Calibri"/>
+                <a:ea typeface="Calibri"/>
+                <a:cs typeface="Calibri"/>
+              </a:rPr>
+              <a:t> </a:t>
+            </a:r>
+            <a:r>
+              <a:rPr lang="de-DE" dirty="0" err="1">
+                <a:latin typeface="Calibri"/>
+                <a:ea typeface="Calibri"/>
+                <a:cs typeface="Calibri"/>
+              </a:rPr>
+              <a:t>аспектов</a:t>
+            </a:r>
+            <a:r>
+              <a:rPr lang="de-DE" dirty="0">
+                <a:latin typeface="Calibri"/>
+                <a:ea typeface="Calibri"/>
+                <a:cs typeface="Calibri"/>
+              </a:rPr>
+              <a:t> </a:t>
+            </a:r>
+            <a:r>
+              <a:rPr lang="de-DE" dirty="0" err="1">
+                <a:latin typeface="Calibri"/>
+                <a:ea typeface="Calibri"/>
+                <a:cs typeface="Calibri"/>
+              </a:rPr>
+              <a:t>вашей</a:t>
+            </a:r>
+            <a:r>
+              <a:rPr lang="de-DE" dirty="0">
+                <a:latin typeface="Calibri"/>
+                <a:ea typeface="Calibri"/>
+                <a:cs typeface="Calibri"/>
+              </a:rPr>
+              <a:t> </a:t>
+            </a:r>
+            <a:r>
+              <a:rPr lang="de-DE" dirty="0" err="1">
+                <a:latin typeface="Calibri"/>
+                <a:ea typeface="Calibri"/>
+                <a:cs typeface="Calibri"/>
+              </a:rPr>
+              <a:t>работы</a:t>
+            </a:r>
+            <a:r>
+              <a:rPr lang="de-DE" dirty="0">
+                <a:latin typeface="Calibri"/>
+                <a:ea typeface="Calibri"/>
+                <a:cs typeface="Calibri"/>
+              </a:rPr>
+              <a:t>. </a:t>
+            </a:r>
+            <a:r>
+              <a:rPr lang="de-DE" dirty="0" err="1">
+                <a:latin typeface="Calibri"/>
+                <a:ea typeface="Calibri"/>
+                <a:cs typeface="Calibri"/>
+              </a:rPr>
+              <a:t>Сокращение</a:t>
+            </a:r>
+            <a:r>
+              <a:rPr lang="de-DE" dirty="0">
+                <a:latin typeface="Calibri"/>
+                <a:ea typeface="Calibri"/>
+                <a:cs typeface="Calibri"/>
+              </a:rPr>
+              <a:t> </a:t>
+            </a:r>
+            <a:r>
+              <a:rPr lang="de-DE" dirty="0" err="1">
+                <a:latin typeface="Calibri"/>
+                <a:ea typeface="Calibri"/>
+                <a:cs typeface="Calibri"/>
+              </a:rPr>
+              <a:t>времени</a:t>
+            </a:r>
+            <a:r>
+              <a:rPr lang="de-DE" dirty="0">
+                <a:latin typeface="Calibri"/>
+                <a:ea typeface="Calibri"/>
+                <a:cs typeface="Calibri"/>
+              </a:rPr>
+              <a:t>, </a:t>
+            </a:r>
+            <a:r>
+              <a:rPr lang="de-DE" dirty="0" err="1">
+                <a:latin typeface="Calibri"/>
+                <a:ea typeface="Calibri"/>
+                <a:cs typeface="Calibri"/>
+              </a:rPr>
+              <a:t>затрачиваемого</a:t>
+            </a:r>
+            <a:r>
+              <a:rPr lang="de-DE" dirty="0">
+                <a:latin typeface="Calibri"/>
+                <a:ea typeface="Calibri"/>
+                <a:cs typeface="Calibri"/>
+              </a:rPr>
+              <a:t> </a:t>
+            </a:r>
+            <a:r>
+              <a:rPr lang="de-DE" dirty="0" err="1">
+                <a:latin typeface="Calibri"/>
+                <a:ea typeface="Calibri"/>
+                <a:cs typeface="Calibri"/>
+              </a:rPr>
+              <a:t>на</a:t>
+            </a:r>
+            <a:r>
+              <a:rPr lang="de-DE" dirty="0">
+                <a:latin typeface="Calibri"/>
+                <a:ea typeface="Calibri"/>
+                <a:cs typeface="Calibri"/>
+              </a:rPr>
+              <a:t> </a:t>
+            </a:r>
+            <a:r>
+              <a:rPr lang="de-DE" dirty="0" err="1">
+                <a:latin typeface="Calibri"/>
+                <a:ea typeface="Calibri"/>
+                <a:cs typeface="Calibri"/>
+              </a:rPr>
+              <a:t>создание</a:t>
+            </a:r>
+            <a:r>
+              <a:rPr lang="de-DE" dirty="0">
+                <a:latin typeface="Calibri"/>
+                <a:ea typeface="Calibri"/>
+                <a:cs typeface="Calibri"/>
+              </a:rPr>
+              <a:t> и </a:t>
+            </a:r>
+            <a:r>
+              <a:rPr lang="de-DE" dirty="0" err="1">
+                <a:latin typeface="Calibri"/>
+                <a:ea typeface="Calibri"/>
+                <a:cs typeface="Calibri"/>
+              </a:rPr>
+              <a:t>управление</a:t>
+            </a:r>
+            <a:r>
+              <a:rPr lang="de-DE" dirty="0">
+                <a:latin typeface="Calibri"/>
+                <a:ea typeface="Calibri"/>
+                <a:cs typeface="Calibri"/>
+              </a:rPr>
+              <a:t> </a:t>
+            </a:r>
+            <a:r>
+              <a:rPr lang="de-DE" dirty="0" err="1">
+                <a:latin typeface="Calibri"/>
                 <a:ea typeface="Calibri"/>
                 <a:cs typeface="Calibri"/>
               </a:rPr>
@@ -5582,20 +6415,23 @@
             </a:r>
             <a:r>
               <a:rPr lang="de-DE" dirty="0">
-                <a:ea typeface="Calibri"/>
-                <a:cs typeface="Calibri"/>
-              </a:rPr>
-              <a:t>. </a:t>
+                <a:latin typeface="Calibri"/>
+                <a:ea typeface="Calibri"/>
+                <a:cs typeface="Calibri"/>
+              </a:rPr>
+              <a:t>, </a:t>
             </a:r>
             <a:r>
               <a:rPr lang="de-DE" dirty="0" err="1">
-                <a:ea typeface="Calibri"/>
-                <a:cs typeface="Calibri"/>
-              </a:rPr>
-              <a:t>Вы</a:t>
+                <a:latin typeface="Calibri"/>
+                <a:ea typeface="Calibri"/>
+                <a:cs typeface="Calibri"/>
+              </a:rPr>
+              <a:t>позволяет</a:t>
             </a:r>
             <a:r>
               <a:rPr lang="de-DE" dirty="0">
+                <a:latin typeface="Calibri"/>
                 <a:ea typeface="Calibri"/>
                 <a:cs typeface="Calibri"/>
               </a:rPr>
@@ -5603,13 +6439,15 @@
             </a:r>
             <a:r>
               <a:rPr lang="de-DE" dirty="0" err="1">
-                <a:ea typeface="Calibri"/>
-                <a:cs typeface="Calibri"/>
-              </a:rPr>
-              <a:t>можете</a:t>
+                <a:latin typeface="Calibri"/>
+                <a:ea typeface="Calibri"/>
+                <a:cs typeface="Calibri"/>
+              </a:rPr>
+              <a:t>вам</a:t>
             </a:r>
             <a:r>
               <a:rPr lang="de-DE" dirty="0">
+                <a:latin typeface="Calibri"/>
                 <a:ea typeface="Calibri"/>
                 <a:cs typeface="Calibri"/>
               </a:rPr>
@@ -5617,27 +6455,47 @@
             </a:r>
             <a:r>
               <a:rPr lang="de-DE" dirty="0" err="1">
-                <a:ea typeface="Calibri"/>
-                <a:cs typeface="Calibri"/>
-              </a:rPr>
-              <a:t>отслеживать</a:t>
+                <a:latin typeface="Calibri"/>
+                <a:ea typeface="Calibri"/>
+                <a:cs typeface="Calibri"/>
+              </a:rPr>
+              <a:t>быть</a:t>
             </a:r>
             <a:r>
               <a:rPr lang="de-DE" dirty="0">
-                <a:ea typeface="Calibri"/>
-                <a:cs typeface="Calibri"/>
-              </a:rPr>
-              <a:t>, </a:t>
+                <a:latin typeface="Calibri"/>
+                <a:ea typeface="Calibri"/>
+                <a:cs typeface="Calibri"/>
+              </a:rPr>
+              <a:t> </a:t>
             </a:r>
             <a:r>
               <a:rPr lang="de-DE" dirty="0" err="1">
-                <a:ea typeface="Calibri"/>
-                <a:cs typeface="Calibri"/>
-              </a:rPr>
-              <a:t>кто</a:t>
+                <a:latin typeface="Calibri"/>
+                <a:ea typeface="Calibri"/>
+                <a:cs typeface="Calibri"/>
+              </a:rPr>
+              <a:t>более</a:t>
             </a:r>
             <a:r>
               <a:rPr lang="de-DE" dirty="0">
+                <a:latin typeface="Calibri"/>
+                <a:ea typeface="Calibri"/>
+                <a:cs typeface="Calibri"/>
+              </a:rPr>
+              <a:t> </a:t>
+            </a:r>
+            <a:r>
+              <a:rPr lang="de-DE" dirty="0" err="1">
+                <a:latin typeface="Calibri"/>
+                <a:ea typeface="Calibri"/>
+                <a:cs typeface="Calibri"/>
+              </a:rPr>
+              <a:t>продуктивными</a:t>
+            </a:r>
+            <a:r>
+              <a:rPr lang="de-DE" dirty="0">
+                <a:latin typeface="Calibri"/>
                 <a:ea typeface="Calibri"/>
                 <a:cs typeface="Calibri"/>
               </a:rPr>
@@ -5645,343 +6503,28 @@
             </a:r>
             <a:r>
               <a:rPr lang="de-DE" dirty="0" err="1">
-                <a:ea typeface="Calibri"/>
-                <a:cs typeface="Calibri"/>
-              </a:rPr>
-              <a:t>когда</a:t>
+                <a:latin typeface="Calibri"/>
+                <a:ea typeface="Calibri"/>
+                <a:cs typeface="Calibri"/>
+              </a:rPr>
+              <a:t>результативными</a:t>
             </a:r>
             <a:r>
               <a:rPr lang="de-DE" dirty="0">
-                <a:ea typeface="Calibri"/>
-                <a:cs typeface="Calibri"/>
-              </a:rPr>
-              <a:t> </a:t>
-            </a:r>
-            <a:r>
-              <a:rPr lang="de-DE" dirty="0" err="1">
-                <a:ea typeface="Calibri"/>
-                <a:cs typeface="Calibri"/>
-              </a:rPr>
-              <a:t>получил</a:t>
-            </a:r>
-            <a:r>
-              <a:rPr lang="de-DE" dirty="0">
-                <a:ea typeface="Calibri"/>
-                <a:cs typeface="Calibri"/>
-              </a:rPr>
-              <a:t> </a:t>
-            </a:r>
-            <a:r>
-              <a:rPr lang="de-DE" dirty="0" err="1">
-                <a:ea typeface="Calibri"/>
-                <a:cs typeface="Calibri"/>
-              </a:rPr>
-              <a:t>доступ</a:t>
-            </a:r>
-            <a:r>
-              <a:rPr lang="de-DE" dirty="0">
-                <a:ea typeface="Calibri"/>
-                <a:cs typeface="Calibri"/>
-              </a:rPr>
-              <a:t> к </a:t>
-            </a:r>
-            <a:r>
-              <a:rPr lang="de-DE" dirty="0" err="1">
-                <a:ea typeface="Calibri"/>
-                <a:cs typeface="Calibri"/>
-              </a:rPr>
-              <a:t>материалам</a:t>
-            </a:r>
-            <a:r>
-              <a:rPr lang="de-DE" dirty="0">
-                <a:ea typeface="Calibri"/>
-                <a:cs typeface="Calibri"/>
-              </a:rPr>
-              <a:t>, </a:t>
-            </a:r>
-            <a:r>
-              <a:rPr lang="de-DE" dirty="0" err="1">
-                <a:ea typeface="Calibri"/>
-                <a:cs typeface="Calibri"/>
-              </a:rPr>
-              <a:t>собирать</a:t>
-            </a:r>
-            <a:r>
-              <a:rPr lang="de-DE" dirty="0">
-                <a:ea typeface="Calibri"/>
-                <a:cs typeface="Calibri"/>
-              </a:rPr>
-              <a:t> </a:t>
-            </a:r>
-            <a:r>
-              <a:rPr lang="de-DE" dirty="0" err="1">
-                <a:ea typeface="Calibri"/>
-                <a:cs typeface="Calibri"/>
-              </a:rPr>
-              <a:t>обратную</a:t>
-            </a:r>
-            <a:r>
-              <a:rPr lang="de-DE" dirty="0">
-                <a:ea typeface="Calibri"/>
-                <a:cs typeface="Calibri"/>
-              </a:rPr>
-              <a:t> </a:t>
-            </a:r>
-            <a:r>
-              <a:rPr lang="de-DE" dirty="0" err="1">
-                <a:ea typeface="Calibri"/>
-                <a:cs typeface="Calibri"/>
-              </a:rPr>
-              <a:t>связь</a:t>
-            </a:r>
-            <a:r>
-              <a:rPr lang="de-DE" dirty="0">
-                <a:ea typeface="Calibri"/>
-                <a:cs typeface="Calibri"/>
-              </a:rPr>
-              <a:t>, а </a:t>
-            </a:r>
-            <a:r>
-              <a:rPr lang="de-DE" dirty="0" err="1">
-                <a:ea typeface="Calibri"/>
-                <a:cs typeface="Calibri"/>
-              </a:rPr>
-              <a:t>также</a:t>
-            </a:r>
-            <a:r>
-              <a:rPr lang="de-DE" dirty="0">
-                <a:ea typeface="Calibri"/>
-                <a:cs typeface="Calibri"/>
-              </a:rPr>
-              <a:t> </a:t>
-            </a:r>
-            <a:r>
-              <a:rPr lang="de-DE" dirty="0" err="1">
-                <a:ea typeface="Calibri"/>
-                <a:cs typeface="Calibri"/>
-              </a:rPr>
-              <a:t>анализировать</a:t>
-            </a:r>
-            <a:r>
-              <a:rPr lang="de-DE" dirty="0">
-                <a:ea typeface="Calibri"/>
-                <a:cs typeface="Calibri"/>
-              </a:rPr>
-              <a:t> </a:t>
-            </a:r>
-            <a:r>
-              <a:rPr lang="de-DE" dirty="0" err="1">
-                <a:ea typeface="Calibri"/>
-                <a:cs typeface="Calibri"/>
-              </a:rPr>
-              <a:t>результаты</a:t>
-            </a:r>
-            <a:r>
-              <a:rPr lang="de-DE" dirty="0">
-                <a:ea typeface="Calibri"/>
-                <a:cs typeface="Calibri"/>
-              </a:rPr>
-              <a:t> </a:t>
-            </a:r>
-            <a:r>
-              <a:rPr lang="de-DE" dirty="0" err="1">
-                <a:ea typeface="Calibri"/>
-                <a:cs typeface="Calibri"/>
-              </a:rPr>
-              <a:t>обучения</a:t>
-            </a:r>
-            <a:r>
-              <a:rPr lang="de-DE" dirty="0">
-                <a:ea typeface="Calibri"/>
-                <a:cs typeface="Calibri"/>
-              </a:rPr>
-              <a:t>. </a:t>
-            </a:r>
-            <a:r>
-              <a:rPr lang="de-DE" dirty="0" err="1">
-                <a:ea typeface="Calibri"/>
-                <a:cs typeface="Calibri"/>
-              </a:rPr>
-              <a:t>Это</a:t>
-            </a:r>
-            <a:r>
-              <a:rPr lang="de-DE" dirty="0">
-                <a:ea typeface="Calibri"/>
-                <a:cs typeface="Calibri"/>
-              </a:rPr>
-              <a:t> </a:t>
-            </a:r>
-            <a:r>
-              <a:rPr lang="de-DE" dirty="0" err="1">
-                <a:ea typeface="Calibri"/>
-                <a:cs typeface="Calibri"/>
-              </a:rPr>
-              <a:t>дает</a:t>
-            </a:r>
-            <a:r>
-              <a:rPr lang="de-DE" dirty="0">
-                <a:ea typeface="Calibri"/>
-                <a:cs typeface="Calibri"/>
-              </a:rPr>
-              <a:t> </a:t>
-            </a:r>
-            <a:r>
-              <a:rPr lang="de-DE" dirty="0" err="1">
-                <a:ea typeface="Calibri"/>
-                <a:cs typeface="Calibri"/>
-              </a:rPr>
-              <a:t>вам</a:t>
-            </a:r>
-            <a:r>
-              <a:rPr lang="de-DE" dirty="0">
-                <a:ea typeface="Calibri"/>
-                <a:cs typeface="Calibri"/>
-              </a:rPr>
-              <a:t> </a:t>
-            </a:r>
-            <a:r>
-              <a:rPr lang="de-DE" dirty="0" err="1">
-                <a:ea typeface="Calibri"/>
-                <a:cs typeface="Calibri"/>
-              </a:rPr>
-              <a:t>возможность</a:t>
-            </a:r>
-            <a:r>
-              <a:rPr lang="de-DE" dirty="0">
-                <a:ea typeface="Calibri"/>
-                <a:cs typeface="Calibri"/>
-              </a:rPr>
-              <a:t> </a:t>
-            </a:r>
-            <a:r>
-              <a:rPr lang="de-DE" dirty="0" err="1">
-                <a:ea typeface="Calibri"/>
-                <a:cs typeface="Calibri"/>
-              </a:rPr>
-              <a:t>легко</a:t>
-            </a:r>
-            <a:r>
-              <a:rPr lang="de-DE" dirty="0">
-                <a:ea typeface="Calibri"/>
-                <a:cs typeface="Calibri"/>
-              </a:rPr>
-              <a:t> </a:t>
-            </a:r>
-            <a:r>
-              <a:rPr lang="de-DE" dirty="0" err="1">
-                <a:ea typeface="Calibri"/>
-                <a:cs typeface="Calibri"/>
-              </a:rPr>
-              <a:t>адаптировать</a:t>
-            </a:r>
-            <a:r>
-              <a:rPr lang="de-DE" dirty="0">
-                <a:ea typeface="Calibri"/>
-                <a:cs typeface="Calibri"/>
-              </a:rPr>
-              <a:t> и </a:t>
-            </a:r>
-            <a:r>
-              <a:rPr lang="de-DE" dirty="0" err="1">
-                <a:ea typeface="Calibri"/>
-                <a:cs typeface="Calibri"/>
-              </a:rPr>
-              <a:t>улучшать</a:t>
-            </a:r>
-            <a:r>
-              <a:rPr lang="de-DE" dirty="0">
-                <a:ea typeface="Calibri"/>
-                <a:cs typeface="Calibri"/>
-              </a:rPr>
-              <a:t> </a:t>
-            </a:r>
-            <a:r>
-              <a:rPr lang="de-DE" dirty="0" err="1">
-                <a:ea typeface="Calibri"/>
-                <a:cs typeface="Calibri"/>
-              </a:rPr>
-              <a:t>учебные</a:t>
-            </a:r>
-            <a:r>
-              <a:rPr lang="de-DE" dirty="0">
-                <a:ea typeface="Calibri"/>
-                <a:cs typeface="Calibri"/>
-              </a:rPr>
-              <a:t> </a:t>
-            </a:r>
-            <a:r>
-              <a:rPr lang="de-DE" dirty="0" err="1">
-                <a:ea typeface="Calibri"/>
-                <a:cs typeface="Calibri"/>
-              </a:rPr>
-              <a:t>программы</a:t>
-            </a:r>
-            <a:r>
-              <a:rPr lang="de-DE" dirty="0">
-                <a:ea typeface="Calibri"/>
-                <a:cs typeface="Calibri"/>
-              </a:rPr>
-              <a:t> и </a:t>
-            </a:r>
-            <a:r>
-              <a:rPr lang="de-DE" dirty="0" err="1">
-                <a:ea typeface="Calibri"/>
-                <a:cs typeface="Calibri"/>
-              </a:rPr>
-              <a:t>материалы</a:t>
-            </a:r>
-            <a:r>
-              <a:rPr lang="de-DE" dirty="0">
-                <a:ea typeface="Calibri"/>
-                <a:cs typeface="Calibri"/>
-              </a:rPr>
-              <a:t> в </a:t>
-            </a:r>
-            <a:r>
-              <a:rPr lang="de-DE" dirty="0" err="1">
-                <a:ea typeface="Calibri"/>
-                <a:cs typeface="Calibri"/>
-              </a:rPr>
-              <a:t>реальном</a:t>
-            </a:r>
-            <a:r>
-              <a:rPr lang="de-DE" dirty="0">
-                <a:ea typeface="Calibri"/>
-                <a:cs typeface="Calibri"/>
-              </a:rPr>
-              <a:t> </a:t>
-            </a:r>
-            <a:r>
-              <a:rPr lang="de-DE" dirty="0" err="1">
-                <a:ea typeface="Calibri"/>
-                <a:cs typeface="Calibri"/>
-              </a:rPr>
-              <a:t>времени</a:t>
-            </a:r>
-            <a:r>
-              <a:rPr lang="de-DE" dirty="0">
+                <a:latin typeface="Calibri"/>
                 <a:ea typeface="Calibri"/>
                 <a:cs typeface="Calibri"/>
               </a:rPr>
               <a:t>.</a:t>
             </a:r>
             <a:endParaRPr lang="ru-RU" dirty="0"/>
-          </a:p>
-          <a:p>
-            <a:pPr marL="0" indent="0">
-              <a:buNone/>
-            </a:pPr>
-            <a:endParaRPr lang="de-DE" dirty="0">
-              <a:ea typeface="Calibri"/>
-              <a:cs typeface="Calibri"/>
-            </a:endParaRPr>
           </a:p>
         </p:txBody>
       </p:sp>
     </p:spTree>
     <p:extLst>
       <p:ext uri="{BB962C8B-B14F-4D97-AF65-F5344CB8AC3E}">
-        <p14:creationId xmlns:p14="http://schemas.microsoft.com/office/powerpoint/2010/main" val="4206636005"/>
+        <p14:creationId xmlns:p14="http://schemas.microsoft.com/office/powerpoint/2010/main" val="1602148793"/>
       </p:ext>
     </p:extLst>
   </p:cSld>
@@ -6020,639 +6563,237 @@
         </p:nvSpPr>
         <p:spPr>
           <a:xfrm>
-            <a:off x="273643" y="517494"/>
+            <a:off x="539552" y="2564904"/>
             <a:ext cx="8229600" cy="1143000"/>
           </a:xfrm>
         </p:spPr>
         <p:txBody>
-          <a:bodyPr vert="horz" lIns="91440" tIns="45720" rIns="91440" bIns="45720" rtlCol="0" anchor="ctr">
-            <a:noAutofit/>
+          <a:bodyPr>
+            <a:normAutofit/>
           </a:bodyPr>
           <a:lstStyle/>
           <a:p>
-            <a:br>
-              <a:rPr lang="ru-RU" dirty="0">
-                <a:ea typeface="+mj-lt"/>
-                <a:cs typeface="+mj-lt"/>
-              </a:rPr>
-            </a:br>
-            <a:br>
-              <a:rPr lang="ru-RU" dirty="0">
-                <a:ea typeface="+mj-lt"/>
-                <a:cs typeface="+mj-lt"/>
-              </a:rPr>
-            </a:br>
-            <a:r>
-              <a:rPr lang="ru-RU" dirty="0">
-                <a:ea typeface="+mj-lt"/>
-                <a:cs typeface="+mj-lt"/>
-              </a:rPr>
-              <a:t>4. </a:t>
-            </a:r>
-            <a:r>
-              <a:rPr lang="ru-RU" dirty="0">
+            <a:r>
+              <a:rPr lang="ru-RU" sz="4800" b="1" dirty="0">
                 <a:latin typeface="Calibri"/>
-                <a:ea typeface="+mj-lt"/>
-                <a:cs typeface="Calibri"/>
-              </a:rPr>
-              <a:t>Экономию времени</a:t>
-            </a:r>
-            <a:endParaRPr lang="ru-RU" dirty="0">
-              <a:latin typeface="Calibri"/>
-              <a:cs typeface="Calibri"/>
-            </a:endParaRPr>
-          </a:p>
-          <a:p>
-            <a:endParaRPr lang="ru-RU" dirty="0">
-              <a:ea typeface="Calibri"/>
-              <a:cs typeface="Calibri"/>
-            </a:endParaRPr>
-          </a:p>
-          <a:p>
-            <a:endParaRPr lang="ru-RU" dirty="0">
-              <a:ea typeface="Calibri"/>
-              <a:cs typeface="Calibri"/>
-            </a:endParaRPr>
-          </a:p>
-        </p:txBody>
-      </p:sp>
-      <p:sp>
-        <p:nvSpPr>
-          <p:cNvPr id="3" name="Объект 2"/>
-          <p:cNvSpPr>
-            <a:spLocks noGrp="1"/>
-          </p:cNvSpPr>
-          <p:nvPr>
-            <p:ph idx="1"/>
-          </p:nvPr>
-        </p:nvSpPr>
-        <p:spPr>
-          <a:xfrm>
-            <a:off x="508936" y="1962788"/>
-            <a:ext cx="8229600" cy="2609131"/>
-          </a:xfrm>
-        </p:spPr>
-        <p:txBody>
-          <a:bodyPr vert="horz" lIns="91440" tIns="45720" rIns="91440" bIns="45720" rtlCol="0" anchor="t">
-            <a:noAutofit/>
-          </a:bodyPr>
-          <a:lstStyle/>
-          <a:p>
-            <a:pPr marL="0" indent="0">
-              <a:buNone/>
-            </a:pPr>
-            <a:r>
-              <a:rPr lang="de-DE" dirty="0" err="1">
-                <a:latin typeface="Calibri"/>
-                <a:ea typeface="Calibri"/>
-                <a:cs typeface="Calibri"/>
-              </a:rPr>
-              <a:t>Мы</a:t>
-            </a:r>
-            <a:r>
-              <a:rPr lang="de-DE" dirty="0">
-                <a:latin typeface="Calibri"/>
-                <a:ea typeface="Calibri"/>
-                <a:cs typeface="Calibri"/>
-              </a:rPr>
-              <a:t> </a:t>
-            </a:r>
-            <a:r>
-              <a:rPr lang="de-DE" dirty="0" err="1">
-                <a:latin typeface="Calibri"/>
-                <a:ea typeface="Calibri"/>
-                <a:cs typeface="Calibri"/>
-              </a:rPr>
-              <a:t>понимаем</a:t>
-            </a:r>
-            <a:r>
-              <a:rPr lang="de-DE" dirty="0">
-                <a:latin typeface="Calibri"/>
-                <a:ea typeface="Calibri"/>
-                <a:cs typeface="Calibri"/>
-              </a:rPr>
-              <a:t> </a:t>
-            </a:r>
-            <a:r>
-              <a:rPr lang="de-DE" dirty="0" err="1">
-                <a:latin typeface="Calibri"/>
-                <a:ea typeface="Calibri"/>
-                <a:cs typeface="Calibri"/>
-              </a:rPr>
-              <a:t>ценность</a:t>
-            </a:r>
-            <a:r>
-              <a:rPr lang="de-DE" dirty="0">
-                <a:latin typeface="Calibri"/>
-                <a:ea typeface="Calibri"/>
-                <a:cs typeface="Calibri"/>
-              </a:rPr>
-              <a:t> </a:t>
-            </a:r>
-            <a:r>
-              <a:rPr lang="de-DE" dirty="0" err="1">
-                <a:latin typeface="Calibri"/>
-                <a:ea typeface="Calibri"/>
-                <a:cs typeface="Calibri"/>
-              </a:rPr>
-              <a:t>вашего</a:t>
-            </a:r>
-            <a:r>
-              <a:rPr lang="de-DE" dirty="0">
-                <a:latin typeface="Calibri"/>
-                <a:ea typeface="Calibri"/>
-                <a:cs typeface="Calibri"/>
-              </a:rPr>
-              <a:t> </a:t>
-            </a:r>
-            <a:r>
-              <a:rPr lang="de-DE" dirty="0" err="1">
-                <a:latin typeface="Calibri"/>
-                <a:ea typeface="Calibri"/>
-                <a:cs typeface="Calibri"/>
-              </a:rPr>
-              <a:t>времени</a:t>
-            </a:r>
-            <a:r>
-              <a:rPr lang="de-DE" dirty="0">
-                <a:latin typeface="Calibri"/>
-                <a:ea typeface="Calibri"/>
-                <a:cs typeface="Calibri"/>
-              </a:rPr>
-              <a:t>. </a:t>
-            </a:r>
-            <a:r>
-              <a:rPr lang="de-DE" dirty="0" err="1">
-                <a:latin typeface="Calibri"/>
-                <a:ea typeface="Calibri"/>
-                <a:cs typeface="Calibri"/>
-              </a:rPr>
-              <a:t>Наш</a:t>
-            </a:r>
-            <a:r>
-              <a:rPr lang="de-DE" dirty="0">
-                <a:latin typeface="Calibri"/>
-                <a:ea typeface="Calibri"/>
-                <a:cs typeface="Calibri"/>
-              </a:rPr>
-              <a:t> </a:t>
-            </a:r>
-            <a:r>
-              <a:rPr lang="de-DE" dirty="0" err="1">
-                <a:latin typeface="Calibri"/>
-                <a:ea typeface="Calibri"/>
-                <a:cs typeface="Calibri"/>
-              </a:rPr>
-              <a:t>инструмент</a:t>
-            </a:r>
-            <a:r>
-              <a:rPr lang="de-DE" dirty="0">
-                <a:latin typeface="Calibri"/>
-                <a:ea typeface="Calibri"/>
-                <a:cs typeface="Calibri"/>
-              </a:rPr>
-              <a:t> </a:t>
-            </a:r>
-            <a:r>
-              <a:rPr lang="de-DE" dirty="0" err="1">
-                <a:latin typeface="Calibri"/>
-                <a:ea typeface="Calibri"/>
-                <a:cs typeface="Calibri"/>
-              </a:rPr>
-              <a:t>помогает</a:t>
-            </a:r>
-            <a:r>
-              <a:rPr lang="de-DE" dirty="0">
-                <a:latin typeface="Calibri"/>
-                <a:ea typeface="Calibri"/>
-                <a:cs typeface="Calibri"/>
-              </a:rPr>
-              <a:t> </a:t>
-            </a:r>
-            <a:r>
-              <a:rPr lang="de-DE" dirty="0" err="1">
-                <a:latin typeface="Calibri"/>
-                <a:ea typeface="Calibri"/>
-                <a:cs typeface="Calibri"/>
-              </a:rPr>
-              <a:t>вам</a:t>
-            </a:r>
-            <a:r>
-              <a:rPr lang="de-DE" dirty="0">
-                <a:latin typeface="Calibri"/>
-                <a:ea typeface="Calibri"/>
-                <a:cs typeface="Calibri"/>
-              </a:rPr>
-              <a:t> </a:t>
-            </a:r>
-            <a:r>
-              <a:rPr lang="de-DE" dirty="0" err="1">
-                <a:latin typeface="Calibri"/>
-                <a:ea typeface="Calibri"/>
-                <a:cs typeface="Calibri"/>
-              </a:rPr>
-              <a:t>сэкономить</a:t>
-            </a:r>
-            <a:r>
-              <a:rPr lang="de-DE" dirty="0">
-                <a:latin typeface="Calibri"/>
-                <a:ea typeface="Calibri"/>
-                <a:cs typeface="Calibri"/>
-              </a:rPr>
-              <a:t> </a:t>
-            </a:r>
-            <a:r>
-              <a:rPr lang="de-DE" dirty="0" err="1">
-                <a:latin typeface="Calibri"/>
-                <a:ea typeface="Calibri"/>
-                <a:cs typeface="Calibri"/>
-              </a:rPr>
-              <a:t>время</a:t>
-            </a:r>
-            <a:r>
-              <a:rPr lang="de-DE" dirty="0">
-                <a:latin typeface="Calibri"/>
-                <a:ea typeface="Calibri"/>
-                <a:cs typeface="Calibri"/>
-              </a:rPr>
-              <a:t>, </a:t>
-            </a:r>
-            <a:r>
-              <a:rPr lang="de-DE" dirty="0" err="1">
-                <a:latin typeface="Calibri"/>
-                <a:ea typeface="Calibri"/>
-                <a:cs typeface="Calibri"/>
-              </a:rPr>
-              <a:t>которое</a:t>
-            </a:r>
-            <a:r>
-              <a:rPr lang="de-DE" dirty="0">
-                <a:latin typeface="Calibri"/>
-                <a:ea typeface="Calibri"/>
-                <a:cs typeface="Calibri"/>
-              </a:rPr>
-              <a:t> </a:t>
-            </a:r>
-            <a:r>
-              <a:rPr lang="de-DE" dirty="0" err="1">
-                <a:latin typeface="Calibri"/>
-                <a:ea typeface="Calibri"/>
-                <a:cs typeface="Calibri"/>
-              </a:rPr>
-              <a:t>вы</a:t>
-            </a:r>
-            <a:r>
-              <a:rPr lang="de-DE" dirty="0">
-                <a:latin typeface="Calibri"/>
-                <a:ea typeface="Calibri"/>
-                <a:cs typeface="Calibri"/>
-              </a:rPr>
-              <a:t> </a:t>
-            </a:r>
-            <a:r>
-              <a:rPr lang="de-DE" dirty="0" err="1">
-                <a:latin typeface="Calibri"/>
-                <a:ea typeface="Calibri"/>
-                <a:cs typeface="Calibri"/>
-              </a:rPr>
-              <a:t>можете</a:t>
-            </a:r>
-            <a:r>
-              <a:rPr lang="de-DE" dirty="0">
-                <a:latin typeface="Calibri"/>
-                <a:ea typeface="Calibri"/>
-                <a:cs typeface="Calibri"/>
-              </a:rPr>
-              <a:t> </a:t>
-            </a:r>
-            <a:r>
-              <a:rPr lang="de-DE" dirty="0" err="1">
-                <a:latin typeface="Calibri"/>
-                <a:ea typeface="Calibri"/>
-                <a:cs typeface="Calibri"/>
-              </a:rPr>
-              <a:t>вложить</a:t>
-            </a:r>
-            <a:r>
-              <a:rPr lang="de-DE" dirty="0">
-                <a:latin typeface="Calibri"/>
-                <a:ea typeface="Calibri"/>
-                <a:cs typeface="Calibri"/>
-              </a:rPr>
-              <a:t> в </a:t>
-            </a:r>
-            <a:r>
-              <a:rPr lang="de-DE" dirty="0" err="1">
-                <a:latin typeface="Calibri"/>
-                <a:ea typeface="Calibri"/>
-                <a:cs typeface="Calibri"/>
-              </a:rPr>
-              <a:t>развитие</a:t>
-            </a:r>
-            <a:r>
-              <a:rPr lang="de-DE" dirty="0">
-                <a:latin typeface="Calibri"/>
-                <a:ea typeface="Calibri"/>
-                <a:cs typeface="Calibri"/>
-              </a:rPr>
-              <a:t> </a:t>
-            </a:r>
-            <a:r>
-              <a:rPr lang="de-DE" dirty="0" err="1">
-                <a:latin typeface="Calibri"/>
-                <a:ea typeface="Calibri"/>
-                <a:cs typeface="Calibri"/>
-              </a:rPr>
-              <a:t>стратегически</a:t>
-            </a:r>
-            <a:r>
-              <a:rPr lang="de-DE" dirty="0">
-                <a:latin typeface="Calibri"/>
-                <a:ea typeface="Calibri"/>
-                <a:cs typeface="Calibri"/>
-              </a:rPr>
-              <a:t> </a:t>
-            </a:r>
-            <a:r>
-              <a:rPr lang="de-DE" dirty="0" err="1">
-                <a:latin typeface="Calibri"/>
-                <a:ea typeface="Calibri"/>
-                <a:cs typeface="Calibri"/>
-              </a:rPr>
-              <a:t>важных</a:t>
-            </a:r>
-            <a:r>
-              <a:rPr lang="de-DE" dirty="0">
-                <a:latin typeface="Calibri"/>
-                <a:ea typeface="Calibri"/>
-                <a:cs typeface="Calibri"/>
-              </a:rPr>
-              <a:t> </a:t>
-            </a:r>
-            <a:r>
-              <a:rPr lang="de-DE" dirty="0" err="1">
-                <a:latin typeface="Calibri"/>
-                <a:ea typeface="Calibri"/>
-                <a:cs typeface="Calibri"/>
-              </a:rPr>
-              <a:t>аспектов</a:t>
-            </a:r>
-            <a:r>
-              <a:rPr lang="de-DE" dirty="0">
-                <a:latin typeface="Calibri"/>
-                <a:ea typeface="Calibri"/>
-                <a:cs typeface="Calibri"/>
-              </a:rPr>
-              <a:t> </a:t>
-            </a:r>
-            <a:r>
-              <a:rPr lang="de-DE" dirty="0" err="1">
-                <a:latin typeface="Calibri"/>
-                <a:ea typeface="Calibri"/>
-                <a:cs typeface="Calibri"/>
-              </a:rPr>
-              <a:t>вашей</a:t>
-            </a:r>
-            <a:r>
-              <a:rPr lang="de-DE" dirty="0">
-                <a:latin typeface="Calibri"/>
-                <a:ea typeface="Calibri"/>
-                <a:cs typeface="Calibri"/>
-              </a:rPr>
-              <a:t> </a:t>
-            </a:r>
-            <a:r>
-              <a:rPr lang="de-DE" dirty="0" err="1">
-                <a:latin typeface="Calibri"/>
-                <a:ea typeface="Calibri"/>
-                <a:cs typeface="Calibri"/>
-              </a:rPr>
-              <a:t>работы</a:t>
-            </a:r>
-            <a:r>
-              <a:rPr lang="de-DE" dirty="0">
-                <a:latin typeface="Calibri"/>
-                <a:ea typeface="Calibri"/>
-                <a:cs typeface="Calibri"/>
-              </a:rPr>
-              <a:t>. </a:t>
-            </a:r>
-            <a:r>
-              <a:rPr lang="de-DE" dirty="0" err="1">
-                <a:latin typeface="Calibri"/>
-                <a:ea typeface="Calibri"/>
-                <a:cs typeface="Calibri"/>
-              </a:rPr>
-              <a:t>Сокращение</a:t>
-            </a:r>
-            <a:r>
-              <a:rPr lang="de-DE" dirty="0">
-                <a:latin typeface="Calibri"/>
-                <a:ea typeface="Calibri"/>
-                <a:cs typeface="Calibri"/>
-              </a:rPr>
-              <a:t> </a:t>
-            </a:r>
-            <a:r>
-              <a:rPr lang="de-DE" dirty="0" err="1">
-                <a:latin typeface="Calibri"/>
-                <a:ea typeface="Calibri"/>
-                <a:cs typeface="Calibri"/>
-              </a:rPr>
-              <a:t>времени</a:t>
-            </a:r>
-            <a:r>
-              <a:rPr lang="de-DE" dirty="0">
-                <a:latin typeface="Calibri"/>
-                <a:ea typeface="Calibri"/>
-                <a:cs typeface="Calibri"/>
-              </a:rPr>
-              <a:t>, </a:t>
-            </a:r>
-            <a:r>
-              <a:rPr lang="de-DE" dirty="0" err="1">
-                <a:latin typeface="Calibri"/>
-                <a:ea typeface="Calibri"/>
-                <a:cs typeface="Calibri"/>
-              </a:rPr>
-              <a:t>затрачиваемого</a:t>
-            </a:r>
-            <a:r>
-              <a:rPr lang="de-DE" dirty="0">
-                <a:latin typeface="Calibri"/>
-                <a:ea typeface="Calibri"/>
-                <a:cs typeface="Calibri"/>
-              </a:rPr>
-              <a:t> </a:t>
-            </a:r>
-            <a:r>
-              <a:rPr lang="de-DE" dirty="0" err="1">
-                <a:latin typeface="Calibri"/>
-                <a:ea typeface="Calibri"/>
-                <a:cs typeface="Calibri"/>
-              </a:rPr>
-              <a:t>на</a:t>
-            </a:r>
-            <a:r>
-              <a:rPr lang="de-DE" dirty="0">
-                <a:latin typeface="Calibri"/>
-                <a:ea typeface="Calibri"/>
-                <a:cs typeface="Calibri"/>
-              </a:rPr>
-              <a:t> </a:t>
-            </a:r>
-            <a:r>
-              <a:rPr lang="de-DE" dirty="0" err="1">
-                <a:latin typeface="Calibri"/>
-                <a:ea typeface="Calibri"/>
-                <a:cs typeface="Calibri"/>
-              </a:rPr>
-              <a:t>создание</a:t>
-            </a:r>
-            <a:r>
-              <a:rPr lang="de-DE" dirty="0">
-                <a:latin typeface="Calibri"/>
-                <a:ea typeface="Calibri"/>
-                <a:cs typeface="Calibri"/>
-              </a:rPr>
-              <a:t> и </a:t>
-            </a:r>
-            <a:r>
-              <a:rPr lang="de-DE" dirty="0" err="1">
-                <a:latin typeface="Calibri"/>
-                <a:ea typeface="Calibri"/>
-                <a:cs typeface="Calibri"/>
-              </a:rPr>
-              <a:t>управление</a:t>
-            </a:r>
-            <a:r>
-              <a:rPr lang="de-DE" dirty="0">
-                <a:latin typeface="Calibri"/>
-                <a:ea typeface="Calibri"/>
-                <a:cs typeface="Calibri"/>
-              </a:rPr>
-              <a:t> </a:t>
-            </a:r>
-            <a:r>
-              <a:rPr lang="de-DE" dirty="0" err="1">
-                <a:latin typeface="Calibri"/>
-                <a:ea typeface="Calibri"/>
-                <a:cs typeface="Calibri"/>
-              </a:rPr>
-              <a:t>материалами</a:t>
-            </a:r>
-            <a:r>
-              <a:rPr lang="de-DE" dirty="0">
-                <a:latin typeface="Calibri"/>
-                <a:ea typeface="Calibri"/>
-                <a:cs typeface="Calibri"/>
-              </a:rPr>
-              <a:t>, </a:t>
-            </a:r>
-            <a:r>
-              <a:rPr lang="de-DE" dirty="0" err="1">
-                <a:latin typeface="Calibri"/>
-                <a:ea typeface="Calibri"/>
-                <a:cs typeface="Calibri"/>
-              </a:rPr>
-              <a:t>позволяет</a:t>
-            </a:r>
-            <a:r>
-              <a:rPr lang="de-DE" dirty="0">
-                <a:latin typeface="Calibri"/>
-                <a:ea typeface="Calibri"/>
-                <a:cs typeface="Calibri"/>
-              </a:rPr>
-              <a:t> </a:t>
-            </a:r>
-            <a:r>
-              <a:rPr lang="de-DE" dirty="0" err="1">
-                <a:latin typeface="Calibri"/>
-                <a:ea typeface="Calibri"/>
-                <a:cs typeface="Calibri"/>
-              </a:rPr>
-              <a:t>вам</a:t>
-            </a:r>
-            <a:r>
-              <a:rPr lang="de-DE" dirty="0">
-                <a:latin typeface="Calibri"/>
-                <a:ea typeface="Calibri"/>
-                <a:cs typeface="Calibri"/>
-              </a:rPr>
-              <a:t> </a:t>
-            </a:r>
-            <a:r>
-              <a:rPr lang="de-DE" dirty="0" err="1">
-                <a:latin typeface="Calibri"/>
-                <a:ea typeface="Calibri"/>
-                <a:cs typeface="Calibri"/>
-              </a:rPr>
-              <a:t>быть</a:t>
-            </a:r>
-            <a:r>
-              <a:rPr lang="de-DE" dirty="0">
-                <a:latin typeface="Calibri"/>
-                <a:ea typeface="Calibri"/>
-                <a:cs typeface="Calibri"/>
-              </a:rPr>
-              <a:t> </a:t>
-            </a:r>
-            <a:r>
-              <a:rPr lang="de-DE" dirty="0" err="1">
-                <a:latin typeface="Calibri"/>
-                <a:ea typeface="Calibri"/>
-                <a:cs typeface="Calibri"/>
-              </a:rPr>
-              <a:t>более</a:t>
-            </a:r>
-            <a:r>
-              <a:rPr lang="de-DE" dirty="0">
-                <a:latin typeface="Calibri"/>
-                <a:ea typeface="Calibri"/>
-                <a:cs typeface="Calibri"/>
-              </a:rPr>
-              <a:t> </a:t>
-            </a:r>
-            <a:r>
-              <a:rPr lang="de-DE" dirty="0" err="1">
-                <a:latin typeface="Calibri"/>
-                <a:ea typeface="Calibri"/>
-                <a:cs typeface="Calibri"/>
-              </a:rPr>
-              <a:t>продуктивными</a:t>
-            </a:r>
-            <a:r>
-              <a:rPr lang="de-DE" dirty="0">
-                <a:latin typeface="Calibri"/>
-                <a:ea typeface="Calibri"/>
-                <a:cs typeface="Calibri"/>
-              </a:rPr>
-              <a:t> и </a:t>
-            </a:r>
-            <a:r>
-              <a:rPr lang="de-DE" dirty="0" err="1">
-                <a:latin typeface="Calibri"/>
-                <a:ea typeface="Calibri"/>
-                <a:cs typeface="Calibri"/>
-              </a:rPr>
-              <a:t>результативными</a:t>
-            </a:r>
-            <a:r>
-              <a:rPr lang="de-DE" dirty="0">
-                <a:latin typeface="Calibri"/>
-                <a:ea typeface="Calibri"/>
-                <a:cs typeface="Calibri"/>
-              </a:rPr>
-              <a:t>.</a:t>
+                <a:ea typeface="Calibri"/>
+                <a:cs typeface="Calibri"/>
+              </a:rPr>
+              <a:t>Цель проекта</a:t>
             </a:r>
             <a:endParaRPr lang="ru-RU" dirty="0"/>
           </a:p>
         </p:txBody>
       </p:sp>
+      <p:pic>
+        <p:nvPicPr>
+          <p:cNvPr id="8194" name="Picture 2" descr="D:\OneDrive\Рабочий стол\icons8-аналитика-64.png"/>
+          <p:cNvPicPr>
+            <a:picLocks noChangeAspect="1" noChangeArrowheads="1"/>
+          </p:cNvPicPr>
+          <p:nvPr/>
+        </p:nvPicPr>
+        <p:blipFill>
+          <a:blip r:embed="rId2">
+            <a:extLst>
+              <a:ext uri="{28A0092B-C50C-407E-A947-70E740481C1C}">
+                <a14:useLocalDpi xmlns:a14="http://schemas.microsoft.com/office/drawing/2010/main" val="0"/>
+              </a:ext>
+            </a:extLst>
+          </a:blip>
+          <a:srcRect/>
+          <a:stretch>
+            <a:fillRect/>
+          </a:stretch>
+        </p:blipFill>
+        <p:spPr bwMode="auto">
+          <a:xfrm>
+            <a:off x="7380312" y="4941168"/>
+            <a:ext cx="1159711" cy="1159711"/>
+          </a:xfrm>
+          <a:prstGeom prst="rect">
+            <a:avLst/>
+          </a:prstGeom>
+          <a:noFill/>
+          <a:extLst>
+            <a:ext uri="{909E8E84-426E-40DD-AFC4-6F175D3DCCD1}">
+              <a14:hiddenFill xmlns:a14="http://schemas.microsoft.com/office/drawing/2010/main">
+                <a:solidFill>
+                  <a:srgbClr val="FFFFFF"/>
+                </a:solidFill>
+              </a14:hiddenFill>
+            </a:ext>
+          </a:extLst>
+        </p:spPr>
+      </p:pic>
+      <p:pic>
+        <p:nvPicPr>
+          <p:cNvPr id="8195" name="Picture 3" descr="D:\OneDrive\Рабочий стол\icons8-аналитика-48.png"/>
+          <p:cNvPicPr>
+            <a:picLocks noChangeAspect="1" noChangeArrowheads="1"/>
+          </p:cNvPicPr>
+          <p:nvPr/>
+        </p:nvPicPr>
+        <p:blipFill>
+          <a:blip r:embed="rId3">
+            <a:extLst>
+              <a:ext uri="{28A0092B-C50C-407E-A947-70E740481C1C}">
+                <a14:useLocalDpi xmlns:a14="http://schemas.microsoft.com/office/drawing/2010/main" val="0"/>
+              </a:ext>
+            </a:extLst>
+          </a:blip>
+          <a:srcRect/>
+          <a:stretch>
+            <a:fillRect/>
+          </a:stretch>
+        </p:blipFill>
+        <p:spPr bwMode="auto">
+          <a:xfrm>
+            <a:off x="814657" y="4738105"/>
+            <a:ext cx="1728192" cy="1728192"/>
+          </a:xfrm>
+          <a:prstGeom prst="rect">
+            <a:avLst/>
+          </a:prstGeom>
+          <a:noFill/>
+          <a:extLst>
+            <a:ext uri="{909E8E84-426E-40DD-AFC4-6F175D3DCCD1}">
+              <a14:hiddenFill xmlns:a14="http://schemas.microsoft.com/office/drawing/2010/main">
+                <a:solidFill>
+                  <a:srgbClr val="FFFFFF"/>
+                </a:solidFill>
+              </a14:hiddenFill>
+            </a:ext>
+          </a:extLst>
+        </p:spPr>
+      </p:pic>
+      <p:pic>
+        <p:nvPicPr>
+          <p:cNvPr id="8196" name="Picture 4" descr="D:\OneDrive\Рабочий стол\icons8-опрос-100.png"/>
+          <p:cNvPicPr>
+            <a:picLocks noChangeAspect="1" noChangeArrowheads="1"/>
+          </p:cNvPicPr>
+          <p:nvPr/>
+        </p:nvPicPr>
+        <p:blipFill>
+          <a:blip r:embed="rId4">
+            <a:extLst>
+              <a:ext uri="{28A0092B-C50C-407E-A947-70E740481C1C}">
+                <a14:useLocalDpi xmlns:a14="http://schemas.microsoft.com/office/drawing/2010/main" val="0"/>
+              </a:ext>
+            </a:extLst>
+          </a:blip>
+          <a:srcRect/>
+          <a:stretch>
+            <a:fillRect/>
+          </a:stretch>
+        </p:blipFill>
+        <p:spPr bwMode="auto">
+          <a:xfrm>
+            <a:off x="6697664" y="404664"/>
+            <a:ext cx="1794222" cy="1794222"/>
+          </a:xfrm>
+          <a:prstGeom prst="rect">
+            <a:avLst/>
+          </a:prstGeom>
+          <a:noFill/>
+          <a:extLst>
+            <a:ext uri="{909E8E84-426E-40DD-AFC4-6F175D3DCCD1}">
+              <a14:hiddenFill xmlns:a14="http://schemas.microsoft.com/office/drawing/2010/main">
+                <a:solidFill>
+                  <a:srgbClr val="FFFFFF"/>
+                </a:solidFill>
+              </a14:hiddenFill>
+            </a:ext>
+          </a:extLst>
+        </p:spPr>
+      </p:pic>
+      <p:pic>
+        <p:nvPicPr>
+          <p:cNvPr id="8197" name="Picture 5" descr="D:\OneDrive\Рабочий стол\icons8-аналитика-48 (1).png"/>
+          <p:cNvPicPr>
+            <a:picLocks noChangeAspect="1" noChangeArrowheads="1"/>
+          </p:cNvPicPr>
+          <p:nvPr/>
+        </p:nvPicPr>
+        <p:blipFill>
+          <a:blip r:embed="rId5">
+            <a:extLst>
+              <a:ext uri="{28A0092B-C50C-407E-A947-70E740481C1C}">
+                <a14:useLocalDpi xmlns:a14="http://schemas.microsoft.com/office/drawing/2010/main" val="0"/>
+              </a:ext>
+            </a:extLst>
+          </a:blip>
+          <a:srcRect/>
+          <a:stretch>
+            <a:fillRect/>
+          </a:stretch>
+        </p:blipFill>
+        <p:spPr bwMode="auto">
+          <a:xfrm>
+            <a:off x="3925512" y="3853232"/>
+            <a:ext cx="1293465" cy="1293465"/>
+          </a:xfrm>
+          <a:prstGeom prst="rect">
+            <a:avLst/>
+          </a:prstGeom>
+          <a:noFill/>
+          <a:extLst>
+            <a:ext uri="{909E8E84-426E-40DD-AFC4-6F175D3DCCD1}">
+              <a14:hiddenFill xmlns:a14="http://schemas.microsoft.com/office/drawing/2010/main">
+                <a:solidFill>
+                  <a:srgbClr val="FFFFFF"/>
+                </a:solidFill>
+              </a14:hiddenFill>
+            </a:ext>
+          </a:extLst>
+        </p:spPr>
+      </p:pic>
+      <p:pic>
+        <p:nvPicPr>
+          <p:cNvPr id="8198" name="Picture 6" descr="D:\OneDrive\Рабочий стол\icons8-аналитика-50.png"/>
+          <p:cNvPicPr>
+            <a:picLocks noChangeAspect="1" noChangeArrowheads="1"/>
+          </p:cNvPicPr>
+          <p:nvPr/>
+        </p:nvPicPr>
+        <p:blipFill>
+          <a:blip r:embed="rId6">
+            <a:extLst>
+              <a:ext uri="{28A0092B-C50C-407E-A947-70E740481C1C}">
+                <a14:useLocalDpi xmlns:a14="http://schemas.microsoft.com/office/drawing/2010/main" val="0"/>
+              </a:ext>
+            </a:extLst>
+          </a:blip>
+          <a:srcRect/>
+          <a:stretch>
+            <a:fillRect/>
+          </a:stretch>
+        </p:blipFill>
+        <p:spPr bwMode="auto">
+          <a:xfrm>
+            <a:off x="683568" y="548680"/>
+            <a:ext cx="1097433" cy="1097433"/>
+          </a:xfrm>
+          <a:prstGeom prst="rect">
+            <a:avLst/>
+          </a:prstGeom>
+          <a:noFill/>
+          <a:extLst>
+            <a:ext uri="{909E8E84-426E-40DD-AFC4-6F175D3DCCD1}">
+              <a14:hiddenFill xmlns:a14="http://schemas.microsoft.com/office/drawing/2010/main">
+                <a:solidFill>
+                  <a:srgbClr val="FFFFFF"/>
+                </a:solidFill>
+              </a14:hiddenFill>
+            </a:ext>
+          </a:extLst>
+        </p:spPr>
+      </p:pic>
     </p:spTree>
     <p:extLst>
       <p:ext uri="{BB962C8B-B14F-4D97-AF65-F5344CB8AC3E}">
-        <p14:creationId xmlns:p14="http://schemas.microsoft.com/office/powerpoint/2010/main" val="1602148793"/>
+        <p14:creationId xmlns:p14="http://schemas.microsoft.com/office/powerpoint/2010/main" val="2567848760"/>
       </p:ext>
     </p:extLst>
   </p:cSld>
@@ -6681,275 +6822,6 @@
       </p:grpSpPr>
       <p:sp>
         <p:nvSpPr>
-          <p:cNvPr id="2" name="Заголовок 1"/>
-          <p:cNvSpPr>
-            <a:spLocks noGrp="1"/>
-          </p:cNvSpPr>
-          <p:nvPr>
-            <p:ph type="title"/>
-          </p:nvPr>
-        </p:nvSpPr>
-        <p:spPr>
-          <a:xfrm>
-            <a:off x="539552" y="2564904"/>
-            <a:ext cx="8229600" cy="1143000"/>
-          </a:xfrm>
-        </p:spPr>
-        <p:txBody>
-          <a:bodyPr>
-            <a:normAutofit/>
-          </a:bodyPr>
-          <a:lstStyle/>
-          <a:p>
-            <a:r>
-              <a:rPr lang="ru-RU" sz="4800" b="1" dirty="0">
-                <a:latin typeface="Calibri"/>
-                <a:ea typeface="Calibri"/>
-                <a:cs typeface="Calibri"/>
-              </a:rPr>
-              <a:t>Цель проекта</a:t>
-            </a:r>
-            <a:endParaRPr lang="ru-RU" dirty="0"/>
-          </a:p>
-        </p:txBody>
-      </p:sp>
-      <p:pic>
-        <p:nvPicPr>
-          <p:cNvPr id="8194" name="Picture 2" descr="D:\OneDrive\Рабочий стол\icons8-аналитика-64.png"/>
-          <p:cNvPicPr>
-            <a:picLocks noChangeAspect="1" noChangeArrowheads="1"/>
-          </p:cNvPicPr>
-          <p:nvPr/>
-        </p:nvPicPr>
-        <p:blipFill>
-          <a:blip r:embed="rId2">
-            <a:extLst>
-              <a:ext uri="{28A0092B-C50C-407E-A947-70E740481C1C}">
-                <a14:useLocalDpi xmlns:a14="http://schemas.microsoft.com/office/drawing/2010/main" val="0"/>
-              </a:ext>
-            </a:extLst>
-          </a:blip>
-          <a:srcRect/>
-          <a:stretch>
-            <a:fillRect/>
-          </a:stretch>
-        </p:blipFill>
-        <p:spPr bwMode="auto">
-          <a:xfrm>
-            <a:off x="7380312" y="4941168"/>
-            <a:ext cx="1159711" cy="1159711"/>
-          </a:xfrm>
-          <a:prstGeom prst="rect">
-            <a:avLst/>
-          </a:prstGeom>
-          <a:noFill/>
-          <a:extLst>
-            <a:ext uri="{909E8E84-426E-40DD-AFC4-6F175D3DCCD1}">
-              <a14:hiddenFill xmlns:a14="http://schemas.microsoft.com/office/drawing/2010/main">
-                <a:solidFill>
-                  <a:srgbClr val="FFFFFF"/>
-                </a:solidFill>
-              </a14:hiddenFill>
-            </a:ext>
-          </a:extLst>
-        </p:spPr>
-      </p:pic>
-      <p:pic>
-        <p:nvPicPr>
-          <p:cNvPr id="8195" name="Picture 3" descr="D:\OneDrive\Рабочий стол\icons8-аналитика-48.png"/>
-          <p:cNvPicPr>
-            <a:picLocks noChangeAspect="1" noChangeArrowheads="1"/>
-          </p:cNvPicPr>
-          <p:nvPr/>
-        </p:nvPicPr>
-        <p:blipFill>
-          <a:blip r:embed="rId3">
-            <a:extLst>
-              <a:ext uri="{28A0092B-C50C-407E-A947-70E740481C1C}">
-                <a14:useLocalDpi xmlns:a14="http://schemas.microsoft.com/office/drawing/2010/main" val="0"/>
-              </a:ext>
-            </a:extLst>
-          </a:blip>
-          <a:srcRect/>
-          <a:stretch>
-            <a:fillRect/>
-          </a:stretch>
-        </p:blipFill>
-        <p:spPr bwMode="auto">
-          <a:xfrm>
-            <a:off x="814657" y="4738105"/>
-            <a:ext cx="1728192" cy="1728192"/>
-          </a:xfrm>
-          <a:prstGeom prst="rect">
-            <a:avLst/>
-          </a:prstGeom>
-          <a:noFill/>
-          <a:extLst>
-            <a:ext uri="{909E8E84-426E-40DD-AFC4-6F175D3DCCD1}">
-              <a14:hiddenFill xmlns:a14="http://schemas.microsoft.com/office/drawing/2010/main">
-                <a:solidFill>
-                  <a:srgbClr val="FFFFFF"/>
-                </a:solidFill>
-              </a14:hiddenFill>
-            </a:ext>
-          </a:extLst>
-        </p:spPr>
-      </p:pic>
-      <p:pic>
-        <p:nvPicPr>
-          <p:cNvPr id="8196" name="Picture 4" descr="D:\OneDrive\Рабочий стол\icons8-опрос-100.png"/>
-          <p:cNvPicPr>
-            <a:picLocks noChangeAspect="1" noChangeArrowheads="1"/>
-          </p:cNvPicPr>
-          <p:nvPr/>
-        </p:nvPicPr>
-        <p:blipFill>
-          <a:blip r:embed="rId4">
-            <a:extLst>
-              <a:ext uri="{28A0092B-C50C-407E-A947-70E740481C1C}">
-                <a14:useLocalDpi xmlns:a14="http://schemas.microsoft.com/office/drawing/2010/main" val="0"/>
-              </a:ext>
-            </a:extLst>
-          </a:blip>
-          <a:srcRect/>
-          <a:stretch>
-            <a:fillRect/>
-          </a:stretch>
-        </p:blipFill>
-        <p:spPr bwMode="auto">
-          <a:xfrm>
-            <a:off x="6697664" y="404664"/>
-            <a:ext cx="1794222" cy="1794222"/>
-          </a:xfrm>
-          <a:prstGeom prst="rect">
-            <a:avLst/>
-          </a:prstGeom>
-          <a:noFill/>
-          <a:extLst>
-            <a:ext uri="{909E8E84-426E-40DD-AFC4-6F175D3DCCD1}">
-              <a14:hiddenFill xmlns:a14="http://schemas.microsoft.com/office/drawing/2010/main">
-                <a:solidFill>
-                  <a:srgbClr val="FFFFFF"/>
-                </a:solidFill>
-              </a14:hiddenFill>
-            </a:ext>
-          </a:extLst>
-        </p:spPr>
-      </p:pic>
-      <p:pic>
-        <p:nvPicPr>
-          <p:cNvPr id="8197" name="Picture 5" descr="D:\OneDrive\Рабочий стол\icons8-аналитика-48 (1).png"/>
-          <p:cNvPicPr>
-            <a:picLocks noChangeAspect="1" noChangeArrowheads="1"/>
-          </p:cNvPicPr>
-          <p:nvPr/>
-        </p:nvPicPr>
-        <p:blipFill>
-          <a:blip r:embed="rId5">
-            <a:extLst>
-              <a:ext uri="{28A0092B-C50C-407E-A947-70E740481C1C}">
-                <a14:useLocalDpi xmlns:a14="http://schemas.microsoft.com/office/drawing/2010/main" val="0"/>
-              </a:ext>
-            </a:extLst>
-          </a:blip>
-          <a:srcRect/>
-          <a:stretch>
-            <a:fillRect/>
-          </a:stretch>
-        </p:blipFill>
-        <p:spPr bwMode="auto">
-          <a:xfrm>
-            <a:off x="3925512" y="3853232"/>
-            <a:ext cx="1293465" cy="1293465"/>
-          </a:xfrm>
-          <a:prstGeom prst="rect">
-            <a:avLst/>
-          </a:prstGeom>
-          <a:noFill/>
-          <a:extLst>
-            <a:ext uri="{909E8E84-426E-40DD-AFC4-6F175D3DCCD1}">
-              <a14:hiddenFill xmlns:a14="http://schemas.microsoft.com/office/drawing/2010/main">
-                <a:solidFill>
-                  <a:srgbClr val="FFFFFF"/>
-                </a:solidFill>
-              </a14:hiddenFill>
-            </a:ext>
-          </a:extLst>
-        </p:spPr>
-      </p:pic>
-      <p:pic>
-        <p:nvPicPr>
-          <p:cNvPr id="8198" name="Picture 6" descr="D:\OneDrive\Рабочий стол\icons8-аналитика-50.png"/>
-          <p:cNvPicPr>
-            <a:picLocks noChangeAspect="1" noChangeArrowheads="1"/>
-          </p:cNvPicPr>
-          <p:nvPr/>
-        </p:nvPicPr>
-        <p:blipFill>
-          <a:blip r:embed="rId6">
-            <a:extLst>
-              <a:ext uri="{28A0092B-C50C-407E-A947-70E740481C1C}">
-                <a14:useLocalDpi xmlns:a14="http://schemas.microsoft.com/office/drawing/2010/main" val="0"/>
-              </a:ext>
-            </a:extLst>
-          </a:blip>
-          <a:srcRect/>
-          <a:stretch>
-            <a:fillRect/>
-          </a:stretch>
-        </p:blipFill>
-        <p:spPr bwMode="auto">
-          <a:xfrm>
-            <a:off x="683568" y="548680"/>
-            <a:ext cx="1097433" cy="1097433"/>
-          </a:xfrm>
-          <a:prstGeom prst="rect">
-            <a:avLst/>
-          </a:prstGeom>
-          <a:noFill/>
-          <a:extLst>
-            <a:ext uri="{909E8E84-426E-40DD-AFC4-6F175D3DCCD1}">
-              <a14:hiddenFill xmlns:a14="http://schemas.microsoft.com/office/drawing/2010/main">
-                <a:solidFill>
-                  <a:srgbClr val="FFFFFF"/>
-                </a:solidFill>
-              </a14:hiddenFill>
-            </a:ext>
-          </a:extLst>
-        </p:spPr>
-      </p:pic>
-    </p:spTree>
-    <p:extLst>
-      <p:ext uri="{BB962C8B-B14F-4D97-AF65-F5344CB8AC3E}">
-        <p14:creationId xmlns:p14="http://schemas.microsoft.com/office/powerpoint/2010/main" val="2567848760"/>
-      </p:ext>
-    </p:extLst>
-  </p:cSld>
-  <p:clrMapOvr>
-    <a:masterClrMapping/>
-  </p:clrMapOvr>
-</p:sld>
-</file>
-
-<file path=ppt/slides/slide24.xml><?xml version="1.0" encoding="utf-8"?>
-<p:sld xmlns:a="http://schemas.openxmlformats.org/drawingml/2006/main" xmlns:r="http://schemas.openxmlformats.org/officeDocument/2006/relationships" xmlns:p="http://schemas.openxmlformats.org/presentationml/2006/main">
-  <p:cSld>
-    <p:spTree>
-      <p:nvGrpSpPr>
-        <p:cNvPr id="1" name=""/>
-        <p:cNvGrpSpPr/>
-        <p:nvPr/>
-      </p:nvGrpSpPr>
-      <p:grpSpPr>
-        <a:xfrm>
-          <a:off x="0" y="0"/>
-          <a:ext cx="0" cy="0"/>
-          <a:chOff x="0" y="0"/>
-          <a:chExt cx="0" cy="0"/>
-        </a:xfrm>
-      </p:grpSpPr>
-      <p:sp>
-        <p:nvSpPr>
           <p:cNvPr id="3" name="Объект 2"/>
           <p:cNvSpPr>
             <a:spLocks noGrp="1"/>
@@ -7011,7 +6883,7 @@
 </p:sld>
 </file>
 
-<file path=ppt/slides/slide25.xml><?xml version="1.0" encoding="utf-8"?>
+<file path=ppt/slides/slide24.xml><?xml version="1.0" encoding="utf-8"?>
 <p:sld xmlns:a="http://schemas.openxmlformats.org/drawingml/2006/main" xmlns:r="http://schemas.openxmlformats.org/officeDocument/2006/relationships" xmlns:p="http://schemas.openxmlformats.org/presentationml/2006/main">
   <p:cSld>
     <p:bg>
@@ -7302,6 +7174,169 @@
     <p:extLst>
       <p:ext uri="{BB962C8B-B14F-4D97-AF65-F5344CB8AC3E}">
         <p14:creationId xmlns:p14="http://schemas.microsoft.com/office/powerpoint/2010/main" val="3097855462"/>
+      </p:ext>
+    </p:extLst>
+  </p:cSld>
+  <p:clrMapOvr>
+    <a:masterClrMapping/>
+  </p:clrMapOvr>
+</p:sld>
+</file>
+
+<file path=ppt/slides/slide25.xml><?xml version="1.0" encoding="utf-8"?>
+<p:sld xmlns:a="http://schemas.openxmlformats.org/drawingml/2006/main" xmlns:r="http://schemas.openxmlformats.org/officeDocument/2006/relationships" xmlns:p="http://schemas.openxmlformats.org/presentationml/2006/main">
+  <p:cSld>
+    <p:spTree>
+      <p:nvGrpSpPr>
+        <p:cNvPr id="1" name=""/>
+        <p:cNvGrpSpPr/>
+        <p:nvPr/>
+      </p:nvGrpSpPr>
+      <p:grpSpPr>
+        <a:xfrm>
+          <a:off x="0" y="0"/>
+          <a:ext cx="0" cy="0"/>
+          <a:chOff x="0" y="0"/>
+          <a:chExt cx="0" cy="0"/>
+        </a:xfrm>
+      </p:grpSpPr>
+      <p:sp>
+        <p:nvSpPr>
+          <p:cNvPr id="2" name="Заголовок 1"/>
+          <p:cNvSpPr>
+            <a:spLocks noGrp="1"/>
+          </p:cNvSpPr>
+          <p:nvPr>
+            <p:ph type="title"/>
+          </p:nvPr>
+        </p:nvSpPr>
+        <p:spPr>
+          <a:xfrm>
+            <a:off x="457200" y="509361"/>
+            <a:ext cx="8229600" cy="1143000"/>
+          </a:xfrm>
+        </p:spPr>
+        <p:txBody>
+          <a:bodyPr>
+            <a:normAutofit fontScale="90000"/>
+          </a:bodyPr>
+          <a:lstStyle/>
+          <a:p>
+            <a:br>
+              <a:rPr lang="ru-RU" dirty="0">
+                <a:ea typeface="+mj-lt"/>
+                <a:cs typeface="+mj-lt"/>
+              </a:rPr>
+            </a:br>
+            <a:r>
+              <a:rPr lang="ru-RU" dirty="0">
+                <a:ea typeface="+mj-lt"/>
+                <a:cs typeface="+mj-lt"/>
+              </a:rPr>
+              <a:t>1. </a:t>
+            </a:r>
+            <a:r>
+              <a:rPr lang="ru-RU" dirty="0">
+                <a:latin typeface="Calibri"/>
+                <a:ea typeface="+mj-lt"/>
+                <a:cs typeface="Calibri"/>
+              </a:rPr>
+              <a:t>Простота использования</a:t>
+            </a:r>
+            <a:endParaRPr lang="ru-RU" dirty="0">
+              <a:latin typeface="Calibri"/>
+              <a:cs typeface="Calibri"/>
+            </a:endParaRPr>
+          </a:p>
+          <a:p>
+            <a:pPr lvl="0"/>
+            <a:endParaRPr lang="ru-RU" dirty="0">
+              <a:ea typeface="Calibri"/>
+              <a:cs typeface="Calibri"/>
+            </a:endParaRPr>
+          </a:p>
+        </p:txBody>
+      </p:sp>
+      <p:sp>
+        <p:nvSpPr>
+          <p:cNvPr id="3" name="Объект 2"/>
+          <p:cNvSpPr>
+            <a:spLocks noGrp="1"/>
+          </p:cNvSpPr>
+          <p:nvPr>
+            <p:ph idx="1"/>
+          </p:nvPr>
+        </p:nvSpPr>
+        <p:spPr>
+          <a:xfrm>
+            <a:off x="457909" y="2234339"/>
+            <a:ext cx="8229600" cy="3066597"/>
+          </a:xfrm>
+        </p:spPr>
+        <p:txBody>
+          <a:bodyPr vert="horz" lIns="91440" tIns="45720" rIns="91440" bIns="45720" rtlCol="0" anchor="t">
+            <a:normAutofit/>
+          </a:bodyPr>
+          <a:lstStyle/>
+          <a:p>
+            <a:pPr marL="457200" indent="-457200"/>
+            <a:r>
+              <a:rPr lang="ru-RU" sz="2800" b="1" dirty="0">
+                <a:ea typeface="Calibri"/>
+                <a:cs typeface="Calibri"/>
+              </a:rPr>
+              <a:t>Гипотеза 1:</a:t>
+            </a:r>
+            <a:r>
+              <a:rPr lang="ru-RU" sz="2800" dirty="0">
+                <a:ea typeface="Calibri"/>
+                <a:cs typeface="Calibri"/>
+              </a:rPr>
+              <a:t> Удобный интерфейс и интуитивное управление уменьшат время, необходимое для освоения системы.</a:t>
+            </a:r>
+            <a:endParaRPr lang="ru-RU" dirty="0">
+              <a:ea typeface="Calibri"/>
+              <a:cs typeface="Calibri"/>
+            </a:endParaRPr>
+          </a:p>
+          <a:p>
+            <a:pPr marL="457200" indent="-457200"/>
+            <a:r>
+              <a:rPr lang="ru-RU" sz="2800" b="1" dirty="0">
+                <a:ea typeface="Calibri"/>
+                <a:cs typeface="Calibri"/>
+              </a:rPr>
+              <a:t>Гипотеза 2:</a:t>
+            </a:r>
+            <a:r>
+              <a:rPr lang="ru-RU" sz="2800" dirty="0">
+                <a:ea typeface="Calibri"/>
+                <a:cs typeface="Calibri"/>
+              </a:rPr>
+              <a:t> Простота использования позволит пользователям без технических навыков создавать обучающие материалы.</a:t>
+            </a:r>
+            <a:endParaRPr lang="ru-RU" dirty="0">
+              <a:ea typeface="Calibri"/>
+              <a:cs typeface="Calibri"/>
+            </a:endParaRPr>
+          </a:p>
+          <a:p>
+            <a:pPr marL="457200" indent="-457200">
+              <a:spcBef>
+                <a:spcPts val="20"/>
+              </a:spcBef>
+            </a:pPr>
+            <a:endParaRPr lang="ru-RU" sz="2800" dirty="0">
+              <a:ea typeface="Calibri"/>
+              <a:cs typeface="Calibri"/>
+            </a:endParaRPr>
+          </a:p>
+        </p:txBody>
+      </p:sp>
+    </p:spTree>
+    <p:extLst>
+      <p:ext uri="{BB962C8B-B14F-4D97-AF65-F5344CB8AC3E}">
+        <p14:creationId xmlns:p14="http://schemas.microsoft.com/office/powerpoint/2010/main" val="844051177"/>
       </p:ext>
     </p:extLst>
   </p:cSld>
@@ -7340,13 +7375,13 @@
         </p:nvSpPr>
         <p:spPr>
           <a:xfrm>
-            <a:off x="457200" y="509361"/>
+            <a:off x="457200" y="713468"/>
             <a:ext cx="8229600" cy="1143000"/>
           </a:xfrm>
         </p:spPr>
         <p:txBody>
-          <a:bodyPr>
-            <a:normAutofit fontScale="90000"/>
+          <a:bodyPr vert="horz" lIns="91440" tIns="45720" rIns="91440" bIns="45720" rtlCol="0" anchor="ctr">
+            <a:noAutofit/>
           </a:bodyPr>
           <a:lstStyle/>
           <a:p>
@@ -7361,7 +7396,7 @@
                 <a:ea typeface="+mj-lt"/>
                 <a:cs typeface="+mj-lt"/>
               </a:rPr>
-              <a:t>1. </a:t>
+              <a:t>2. </a:t>
             </a:r>
             <a:r>
               <a:rPr lang="ru-RU" dirty="0">
@@ -7369,9 +7404,17 @@
                 <a:ea typeface="+mj-lt"/>
                 <a:cs typeface="Calibri"/>
               </a:rPr>
-              <a:t>Простота использования</a:t>
-            </a:r>
-            <a:endParaRPr lang="ru-RU" dirty="0">
+              <a:t>Гибкость и </a:t>
+            </a:r>
+            <a:r>
+              <a:rPr lang="ru-RU" dirty="0" err="1">
+                <a:latin typeface="Calibri"/>
+                <a:ea typeface="+mj-lt"/>
+                <a:cs typeface="Calibri"/>
+              </a:rPr>
+              <a:t>настраиваемость</a:t>
+            </a:r>
+            <a:endParaRPr lang="ru-RU" dirty="0" err="1">
               <a:latin typeface="Calibri"/>
               <a:cs typeface="Calibri"/>
             </a:endParaRPr>
@@ -7397,8 +7440,8 @@
         </p:nvSpPr>
         <p:spPr>
           <a:xfrm>
-            <a:off x="457909" y="2234339"/>
-            <a:ext cx="8229600" cy="3066597"/>
+            <a:off x="539552" y="2060848"/>
+            <a:ext cx="8229600" cy="3750356"/>
           </a:xfrm>
         </p:spPr>
         <p:txBody>
@@ -7413,14 +7456,14 @@
                 <a:ea typeface="Calibri"/>
                 <a:cs typeface="Calibri"/>
               </a:rPr>
-              <a:t>Гипотеза 1:</a:t>
+              <a:t>Гипотеза 3:</a:t>
             </a:r>
             <a:r>
               <a:rPr lang="ru-RU" sz="2800" dirty="0">
                 <a:ea typeface="Calibri"/>
                 <a:cs typeface="Calibri"/>
               </a:rPr>
-              <a:t> Удобный интерфейс и интуитивное управление уменьшат время, необходимое для освоения системы.</a:t>
+              <a:t> Возможность настройки и персонализации обучающих материалов позволит удовлетворить разнообразные потребности пользователей.</a:t>
             </a:r>
             <a:endParaRPr lang="ru-RU" dirty="0">
               <a:ea typeface="Calibri"/>
@@ -7434,14 +7477,14 @@
                 <a:ea typeface="Calibri"/>
                 <a:cs typeface="Calibri"/>
               </a:rPr>
-              <a:t>Гипотеза 2:</a:t>
+              <a:t>Гипотеза 4:</a:t>
             </a:r>
             <a:r>
               <a:rPr lang="ru-RU" sz="2800" dirty="0">
                 <a:ea typeface="Calibri"/>
                 <a:cs typeface="Calibri"/>
               </a:rPr>
-              <a:t> Простота использования позволит пользователям без технических навыков создавать обучающие материалы.</a:t>
+              <a:t> Гибкие инструменты для создания различных типов материалов (текст, видео, интерактивные задачи) обеспечат адаптацию к разным сценариям обучения.</a:t>
             </a:r>
             <a:endParaRPr lang="ru-RU" dirty="0">
               <a:ea typeface="Calibri"/>
@@ -7464,7 +7507,7 @@
     </p:spTree>
     <p:extLst>
       <p:ext uri="{BB962C8B-B14F-4D97-AF65-F5344CB8AC3E}">
-        <p14:creationId xmlns:p14="http://schemas.microsoft.com/office/powerpoint/2010/main" val="844051177"/>
+        <p14:creationId xmlns:p14="http://schemas.microsoft.com/office/powerpoint/2010/main" val="3434322960"/>
       </p:ext>
     </p:extLst>
   </p:cSld>
@@ -7503,7 +7546,7 @@
         </p:nvSpPr>
         <p:spPr>
           <a:xfrm>
-            <a:off x="457200" y="713468"/>
+            <a:off x="457200" y="682852"/>
             <a:ext cx="8229600" cy="1143000"/>
           </a:xfrm>
         </p:spPr>
@@ -7524,7 +7567,7 @@
                 <a:ea typeface="+mj-lt"/>
                 <a:cs typeface="+mj-lt"/>
               </a:rPr>
-              <a:t>2. </a:t>
+              <a:t>3. </a:t>
             </a:r>
             <a:r>
               <a:rPr lang="ru-RU" dirty="0">
@@ -7532,23 +7575,15 @@
                 <a:ea typeface="+mj-lt"/>
                 <a:cs typeface="Calibri"/>
               </a:rPr>
-              <a:t>Гибкость и </a:t>
-            </a:r>
-            <a:r>
-              <a:rPr lang="ru-RU" dirty="0" err="1">
-                <a:latin typeface="Calibri"/>
-                <a:ea typeface="+mj-lt"/>
-                <a:cs typeface="Calibri"/>
-              </a:rPr>
-              <a:t>настраиваемость</a:t>
-            </a:r>
-            <a:endParaRPr lang="ru-RU" dirty="0" err="1">
+              <a:t>Интерактивность</a:t>
+            </a:r>
+            <a:endParaRPr lang="ru-RU" dirty="0">
               <a:latin typeface="Calibri"/>
-              <a:cs typeface="Calibri"/>
-            </a:endParaRPr>
-          </a:p>
-          <a:p>
-            <a:pPr lvl="0"/>
+              <a:ea typeface="Calibri"/>
+              <a:cs typeface="Calibri"/>
+            </a:endParaRPr>
+          </a:p>
+          <a:p>
             <a:endParaRPr lang="ru-RU" dirty="0">
               <a:ea typeface="Calibri"/>
               <a:cs typeface="Calibri"/>
@@ -7569,7 +7604,7 @@
         <p:spPr>
           <a:xfrm>
             <a:off x="539552" y="2060848"/>
-            <a:ext cx="8229600" cy="3750356"/>
+            <a:ext cx="8229600" cy="4525963"/>
           </a:xfrm>
         </p:spPr>
         <p:txBody>
@@ -7580,44 +7615,36 @@
           <a:p>
             <a:pPr marL="457200" indent="-457200"/>
             <a:r>
-              <a:rPr lang="ru-RU" sz="2800" b="1" dirty="0">
-                <a:ea typeface="Calibri"/>
-                <a:cs typeface="Calibri"/>
-              </a:rPr>
-              <a:t>Гипотеза 3:</a:t>
-            </a:r>
-            <a:r>
-              <a:rPr lang="ru-RU" sz="2800" dirty="0">
-                <a:ea typeface="Calibri"/>
-                <a:cs typeface="Calibri"/>
-              </a:rPr>
-              <a:t> Возможность настройки и персонализации обучающих материалов позволит удовлетворить разнообразные потребности пользователей.</a:t>
-            </a:r>
-            <a:endParaRPr lang="ru-RU" dirty="0">
-              <a:ea typeface="Calibri"/>
-              <a:cs typeface="Calibri"/>
-            </a:endParaRPr>
+              <a:rPr lang="ru-RU" b="1" dirty="0">
+                <a:ea typeface="Calibri"/>
+                <a:cs typeface="Calibri"/>
+              </a:rPr>
+              <a:t>Гипотеза 5:</a:t>
+            </a:r>
+            <a:r>
+              <a:rPr lang="ru-RU" dirty="0">
+                <a:ea typeface="Calibri"/>
+                <a:cs typeface="Calibri"/>
+              </a:rPr>
+              <a:t> Интерактивные элементы и задачи увеличат вовлеченность обучаемых и повысят качество обучения.</a:t>
+            </a:r>
           </a:p>
           <a:p>
             <a:pPr marL="457200" indent="-457200"/>
             <a:r>
-              <a:rPr lang="ru-RU" sz="2800" b="1" dirty="0">
-                <a:ea typeface="Calibri"/>
-                <a:cs typeface="Calibri"/>
-              </a:rPr>
-              <a:t>Гипотеза 4:</a:t>
-            </a:r>
-            <a:r>
-              <a:rPr lang="ru-RU" sz="2800" dirty="0">
-                <a:ea typeface="Calibri"/>
-                <a:cs typeface="Calibri"/>
-              </a:rPr>
-              <a:t> Гибкие инструменты для создания различных типов материалов (текст, видео, интерактивные задачи) обеспечат адаптацию к разным сценариям обучения.</a:t>
-            </a:r>
-            <a:endParaRPr lang="ru-RU" dirty="0">
-              <a:ea typeface="Calibri"/>
-              <a:cs typeface="Calibri"/>
-            </a:endParaRPr>
+              <a:rPr lang="ru-RU" b="1" dirty="0">
+                <a:ea typeface="Calibri"/>
+                <a:cs typeface="Calibri"/>
+              </a:rPr>
+              <a:t>Гипотеза 6:</a:t>
+            </a:r>
+            <a:r>
+              <a:rPr lang="ru-RU" dirty="0">
+                <a:ea typeface="Calibri"/>
+                <a:cs typeface="Calibri"/>
+              </a:rPr>
+              <a:t> Возможность мгновенной обратной связи в обучающих материалах способствует более эффективному обучению.</a:t>
+            </a:r>
           </a:p>
           <a:p>
             <a:pPr marL="457200" indent="-457200">
@@ -7625,7 +7652,7 @@
                 <a:spcPts val="20"/>
               </a:spcBef>
             </a:pPr>
-            <a:endParaRPr lang="ru-RU" sz="2800" dirty="0">
+            <a:endParaRPr lang="ru-RU" dirty="0">
               <a:ea typeface="Calibri"/>
               <a:cs typeface="Calibri"/>
             </a:endParaRPr>
@@ -7635,7 +7662,7 @@
     </p:spTree>
     <p:extLst>
       <p:ext uri="{BB962C8B-B14F-4D97-AF65-F5344CB8AC3E}">
-        <p14:creationId xmlns:p14="http://schemas.microsoft.com/office/powerpoint/2010/main" val="3434322960"/>
+        <p14:creationId xmlns:p14="http://schemas.microsoft.com/office/powerpoint/2010/main" val="3527291145"/>
       </p:ext>
     </p:extLst>
   </p:cSld>
@@ -7674,7 +7701,7 @@
         </p:nvSpPr>
         <p:spPr>
           <a:xfrm>
-            <a:off x="457200" y="682852"/>
+            <a:off x="457200" y="642031"/>
             <a:ext cx="8229600" cy="1143000"/>
           </a:xfrm>
         </p:spPr>
@@ -7684,6 +7711,13 @@
           </a:bodyPr>
           <a:lstStyle/>
           <a:p>
+            <a:r>
+              <a:rPr lang="ru-RU" dirty="0">
+                <a:ea typeface="+mj-lt"/>
+                <a:cs typeface="+mj-lt"/>
+              </a:rPr>
+              <a:t> </a:t>
+            </a:r>
             <a:br>
               <a:rPr lang="ru-RU" dirty="0">
                 <a:ea typeface="+mj-lt"/>
@@ -7695,7 +7729,7 @@
                 <a:ea typeface="+mj-lt"/>
                 <a:cs typeface="+mj-lt"/>
               </a:rPr>
-              <a:t>3. </a:t>
+              <a:t>4. </a:t>
             </a:r>
             <a:r>
               <a:rPr lang="ru-RU" dirty="0">
@@ -7703,7 +7737,7 @@
                 <a:ea typeface="+mj-lt"/>
                 <a:cs typeface="Calibri"/>
               </a:rPr>
-              <a:t>Интерактивность</a:t>
+              <a:t>Управление и аналитика</a:t>
             </a:r>
             <a:endParaRPr lang="ru-RU" dirty="0">
               <a:latin typeface="Calibri"/>
@@ -7741,44 +7775,55 @@
           </a:bodyPr>
           <a:lstStyle/>
           <a:p>
-            <a:pPr marL="457200" indent="-457200"/>
             <a:r>
               <a:rPr lang="ru-RU" b="1" dirty="0">
                 <a:ea typeface="Calibri"/>
                 <a:cs typeface="Calibri"/>
               </a:rPr>
-              <a:t>Гипотеза 5:</a:t>
+              <a:t>Гипотеза 7: </a:t>
             </a:r>
             <a:r>
               <a:rPr lang="ru-RU" dirty="0">
                 <a:ea typeface="Calibri"/>
                 <a:cs typeface="Calibri"/>
               </a:rPr>
-              <a:t> Интерактивные элементы и задачи увеличат вовлеченность обучаемых и повысят качество обучения.</a:t>
-            </a:r>
-          </a:p>
-          <a:p>
-            <a:pPr marL="457200" indent="-457200"/>
+              <a:t>Отслеживание процесса обучения и сбор обратной связи позволит пользователям анализировать результаты и вносить улучшения.</a:t>
+            </a:r>
+          </a:p>
+          <a:p>
             <a:r>
               <a:rPr lang="ru-RU" b="1" dirty="0">
                 <a:ea typeface="Calibri"/>
                 <a:cs typeface="Calibri"/>
               </a:rPr>
-              <a:t>Гипотеза 6:</a:t>
+              <a:t>Гипотеза 8:</a:t>
             </a:r>
             <a:r>
               <a:rPr lang="ru-RU" dirty="0">
                 <a:ea typeface="Calibri"/>
                 <a:cs typeface="Calibri"/>
               </a:rPr>
-              <a:t> Возможность мгновенной обратной связи в обучающих материалах способствует более эффективному обучению.</a:t>
-            </a:r>
-          </a:p>
-          <a:p>
-            <a:pPr marL="457200" indent="-457200">
+              <a:t> Аналитические инструменты помогут пользователям выявить области для улучшения и оптимизации обучающих программ.</a:t>
+            </a:r>
+          </a:p>
+          <a:p>
+            <a:pPr>
               <a:spcBef>
                 <a:spcPts val="20"/>
               </a:spcBef>
+              <a:buNone/>
+            </a:pPr>
+            <a:endParaRPr lang="ru-RU" dirty="0">
+              <a:ea typeface="Calibri"/>
+              <a:cs typeface="Calibri"/>
+            </a:endParaRPr>
+          </a:p>
+          <a:p>
+            <a:pPr>
+              <a:spcBef>
+                <a:spcPts val="20"/>
+              </a:spcBef>
+              <a:buNone/>
             </a:pPr>
             <a:endParaRPr lang="ru-RU" dirty="0">
               <a:ea typeface="Calibri"/>
@@ -7790,7 +7835,7 @@
     </p:spTree>
     <p:extLst>
       <p:ext uri="{BB962C8B-B14F-4D97-AF65-F5344CB8AC3E}">
-        <p14:creationId xmlns:p14="http://schemas.microsoft.com/office/powerpoint/2010/main" val="3527291145"/>
+        <p14:creationId xmlns:p14="http://schemas.microsoft.com/office/powerpoint/2010/main" val="1038060107"/>
       </p:ext>
     </p:extLst>
   </p:cSld>
@@ -7857,7 +7902,7 @@
                 <a:ea typeface="+mj-lt"/>
                 <a:cs typeface="+mj-lt"/>
               </a:rPr>
-              <a:t>4. </a:t>
+              <a:t>5. </a:t>
             </a:r>
             <a:r>
               <a:rPr lang="ru-RU" dirty="0">
@@ -7865,7 +7910,7 @@
                 <a:ea typeface="+mj-lt"/>
                 <a:cs typeface="Calibri"/>
               </a:rPr>
-              <a:t>Управление и аналитика</a:t>
+              <a:t>Сокращение времени на создание материалов</a:t>
             </a:r>
             <a:endParaRPr lang="ru-RU" dirty="0">
               <a:latin typeface="Calibri"/>
@@ -7908,14 +7953,14 @@
                 <a:ea typeface="Calibri"/>
                 <a:cs typeface="Calibri"/>
               </a:rPr>
-              <a:t>Гипотеза 7: </a:t>
+              <a:t>Гипотеза 9:</a:t>
             </a:r>
             <a:r>
               <a:rPr lang="ru-RU" dirty="0">
                 <a:ea typeface="Calibri"/>
                 <a:cs typeface="Calibri"/>
               </a:rPr>
-              <a:t>Отслеживание процесса обучения и сбор обратной связи позволит пользователям анализировать результаты и вносить улучшения.</a:t>
+              <a:t> Использование системы сократит время, затрачиваемое на разработку обучающих материалов, и увеличит производительность.</a:t>
             </a:r>
           </a:p>
           <a:p>
@@ -7924,35 +7969,18 @@
                 <a:ea typeface="Calibri"/>
                 <a:cs typeface="Calibri"/>
               </a:rPr>
-              <a:t>Гипотеза 8:</a:t>
+              <a:t>Гипотеза 10: </a:t>
             </a:r>
             <a:r>
               <a:rPr lang="ru-RU" dirty="0">
                 <a:ea typeface="Calibri"/>
                 <a:cs typeface="Calibri"/>
               </a:rPr>
-              <a:t> Аналитические инструменты помогут пользователям выявить области для улучшения и оптимизации обучающих программ.</a:t>
-            </a:r>
-          </a:p>
-          <a:p>
-            <a:pPr>
-              <a:spcBef>
-                <a:spcPts val="20"/>
-              </a:spcBef>
-              <a:buNone/>
-            </a:pPr>
-            <a:endParaRPr lang="ru-RU" dirty="0">
-              <a:ea typeface="Calibri"/>
-              <a:cs typeface="Calibri"/>
-            </a:endParaRPr>
-          </a:p>
-          <a:p>
-            <a:pPr>
-              <a:spcBef>
-                <a:spcPts val="20"/>
-              </a:spcBef>
-              <a:buNone/>
-            </a:pPr>
+              <a:t>Ускоренный процесс создания материалов позволит пользователям сосредоточиться на более стратегических задачах.</a:t>
+            </a:r>
+            <a:endParaRPr lang="ru-RU" dirty="0"/>
+          </a:p>
+          <a:p>
             <a:endParaRPr lang="ru-RU" dirty="0">
               <a:ea typeface="Calibri"/>
               <a:cs typeface="Calibri"/>
@@ -7963,7 +7991,7 @@
     </p:spTree>
     <p:extLst>
       <p:ext uri="{BB962C8B-B14F-4D97-AF65-F5344CB8AC3E}">
-        <p14:creationId xmlns:p14="http://schemas.microsoft.com/office/powerpoint/2010/main" val="1038060107"/>
+        <p14:creationId xmlns:p14="http://schemas.microsoft.com/office/powerpoint/2010/main" val="1294356240"/>
       </p:ext>
     </p:extLst>
   </p:cSld>
@@ -8153,7 +8181,7 @@
                 <a:ea typeface="+mj-lt"/>
                 <a:cs typeface="+mj-lt"/>
               </a:rPr>
-              <a:t>5. </a:t>
+              <a:t>6. </a:t>
             </a:r>
             <a:r>
               <a:rPr lang="ru-RU" dirty="0">
@@ -8161,7 +8189,7 @@
                 <a:ea typeface="+mj-lt"/>
                 <a:cs typeface="Calibri"/>
               </a:rPr>
-              <a:t>Сокращение времени на создание материалов</a:t>
+              <a:t>Качество обучения и результативность</a:t>
             </a:r>
             <a:endParaRPr lang="ru-RU" dirty="0">
               <a:latin typeface="Calibri"/>
@@ -8189,8 +8217,8 @@
         </p:nvSpPr>
         <p:spPr>
           <a:xfrm>
-            <a:off x="539552" y="2060848"/>
-            <a:ext cx="8229600" cy="4525963"/>
+            <a:off x="570168" y="2397625"/>
+            <a:ext cx="8229600" cy="3740151"/>
           </a:xfrm>
         </p:spPr>
         <p:txBody>
@@ -8204,14 +8232,14 @@
                 <a:ea typeface="Calibri"/>
                 <a:cs typeface="Calibri"/>
               </a:rPr>
-              <a:t>Гипотеза 9:</a:t>
+              <a:t>Гипотеза 11:</a:t>
             </a:r>
             <a:r>
               <a:rPr lang="ru-RU" dirty="0">
                 <a:ea typeface="Calibri"/>
                 <a:cs typeface="Calibri"/>
               </a:rPr>
-              <a:t> Использование системы сократит время, затрачиваемое на разработку обучающих материалов, и увеличит производительность.</a:t>
+              <a:t> Повышение качества и интересности обучения приведет к улучшению результатов обучаемых.</a:t>
             </a:r>
           </a:p>
           <a:p>
@@ -8220,18 +8248,36 @@
                 <a:ea typeface="Calibri"/>
                 <a:cs typeface="Calibri"/>
               </a:rPr>
-              <a:t>Гипотеза 10: </a:t>
+              <a:t>Гипотеза 12: </a:t>
             </a:r>
             <a:r>
               <a:rPr lang="ru-RU" dirty="0">
                 <a:ea typeface="Calibri"/>
                 <a:cs typeface="Calibri"/>
               </a:rPr>
-              <a:t>Ускоренный процесс создания материалов позволит пользователям сосредоточиться на более стратегических задачах.</a:t>
+              <a:t>Система поможет пользователям достичь более высокой эффективности обучения и оценивать его результаты.</a:t>
             </a:r>
             <a:endParaRPr lang="ru-RU" dirty="0"/>
           </a:p>
           <a:p>
+            <a:pPr>
+              <a:spcBef>
+                <a:spcPts val="20"/>
+              </a:spcBef>
+              <a:buNone/>
+            </a:pPr>
+            <a:endParaRPr lang="ru-RU" dirty="0">
+              <a:ea typeface="Calibri"/>
+              <a:cs typeface="Calibri"/>
+            </a:endParaRPr>
+          </a:p>
+          <a:p>
+            <a:pPr>
+              <a:spcBef>
+                <a:spcPts val="20"/>
+              </a:spcBef>
+              <a:buNone/>
+            </a:pPr>
             <a:endParaRPr lang="ru-RU" dirty="0">
               <a:ea typeface="Calibri"/>
               <a:cs typeface="Calibri"/>
@@ -8242,7 +8288,7 @@
     </p:spTree>
     <p:extLst>
       <p:ext uri="{BB962C8B-B14F-4D97-AF65-F5344CB8AC3E}">
-        <p14:creationId xmlns:p14="http://schemas.microsoft.com/office/powerpoint/2010/main" val="1294356240"/>
+        <p14:creationId xmlns:p14="http://schemas.microsoft.com/office/powerpoint/2010/main" val="1000267896"/>
       </p:ext>
     </p:extLst>
   </p:cSld>
@@ -8281,180 +8327,6 @@
         </p:nvSpPr>
         <p:spPr>
           <a:xfrm>
-            <a:off x="457200" y="642031"/>
-            <a:ext cx="8229600" cy="1143000"/>
-          </a:xfrm>
-        </p:spPr>
-        <p:txBody>
-          <a:bodyPr vert="horz" lIns="91440" tIns="45720" rIns="91440" bIns="45720" rtlCol="0" anchor="ctr">
-            <a:noAutofit/>
-          </a:bodyPr>
-          <a:lstStyle/>
-          <a:p>
-            <a:r>
-              <a:rPr lang="ru-RU" dirty="0">
-                <a:ea typeface="+mj-lt"/>
-                <a:cs typeface="+mj-lt"/>
-              </a:rPr>
-              <a:t> </a:t>
-            </a:r>
-            <a:br>
-              <a:rPr lang="ru-RU" dirty="0">
-                <a:ea typeface="+mj-lt"/>
-                <a:cs typeface="+mj-lt"/>
-              </a:rPr>
-            </a:br>
-            <a:r>
-              <a:rPr lang="ru-RU" dirty="0">
-                <a:ea typeface="+mj-lt"/>
-                <a:cs typeface="+mj-lt"/>
-              </a:rPr>
-              <a:t>6. </a:t>
-            </a:r>
-            <a:r>
-              <a:rPr lang="ru-RU" dirty="0">
-                <a:latin typeface="Calibri"/>
-                <a:ea typeface="+mj-lt"/>
-                <a:cs typeface="Calibri"/>
-              </a:rPr>
-              <a:t>Качество обучения и результативность</a:t>
-            </a:r>
-            <a:endParaRPr lang="ru-RU" dirty="0">
-              <a:latin typeface="Calibri"/>
-              <a:ea typeface="Calibri"/>
-              <a:cs typeface="Calibri"/>
-            </a:endParaRPr>
-          </a:p>
-          <a:p>
-            <a:endParaRPr lang="ru-RU" dirty="0">
-              <a:ea typeface="Calibri"/>
-              <a:cs typeface="Calibri"/>
-            </a:endParaRPr>
-          </a:p>
-        </p:txBody>
-      </p:sp>
-      <p:sp>
-        <p:nvSpPr>
-          <p:cNvPr id="3" name="Объект 2"/>
-          <p:cNvSpPr>
-            <a:spLocks noGrp="1"/>
-          </p:cNvSpPr>
-          <p:nvPr>
-            <p:ph idx="1"/>
-          </p:nvPr>
-        </p:nvSpPr>
-        <p:spPr>
-          <a:xfrm>
-            <a:off x="570168" y="2397625"/>
-            <a:ext cx="8229600" cy="3740151"/>
-          </a:xfrm>
-        </p:spPr>
-        <p:txBody>
-          <a:bodyPr vert="horz" lIns="91440" tIns="45720" rIns="91440" bIns="45720" rtlCol="0" anchor="t">
-            <a:normAutofit/>
-          </a:bodyPr>
-          <a:lstStyle/>
-          <a:p>
-            <a:r>
-              <a:rPr lang="ru-RU" b="1" dirty="0">
-                <a:ea typeface="Calibri"/>
-                <a:cs typeface="Calibri"/>
-              </a:rPr>
-              <a:t>Гипотеза 11:</a:t>
-            </a:r>
-            <a:r>
-              <a:rPr lang="ru-RU" dirty="0">
-                <a:ea typeface="Calibri"/>
-                <a:cs typeface="Calibri"/>
-              </a:rPr>
-              <a:t> Повышение качества и интересности обучения приведет к улучшению результатов обучаемых.</a:t>
-            </a:r>
-          </a:p>
-          <a:p>
-            <a:r>
-              <a:rPr lang="ru-RU" b="1" dirty="0">
-                <a:ea typeface="Calibri"/>
-                <a:cs typeface="Calibri"/>
-              </a:rPr>
-              <a:t>Гипотеза 12: </a:t>
-            </a:r>
-            <a:r>
-              <a:rPr lang="ru-RU" dirty="0">
-                <a:ea typeface="Calibri"/>
-                <a:cs typeface="Calibri"/>
-              </a:rPr>
-              <a:t>Система поможет пользователям достичь более высокой эффективности обучения и оценивать его результаты.</a:t>
-            </a:r>
-            <a:endParaRPr lang="ru-RU" dirty="0"/>
-          </a:p>
-          <a:p>
-            <a:pPr>
-              <a:spcBef>
-                <a:spcPts val="20"/>
-              </a:spcBef>
-              <a:buNone/>
-            </a:pPr>
-            <a:endParaRPr lang="ru-RU" dirty="0">
-              <a:ea typeface="Calibri"/>
-              <a:cs typeface="Calibri"/>
-            </a:endParaRPr>
-          </a:p>
-          <a:p>
-            <a:pPr>
-              <a:spcBef>
-                <a:spcPts val="20"/>
-              </a:spcBef>
-              <a:buNone/>
-            </a:pPr>
-            <a:endParaRPr lang="ru-RU" dirty="0">
-              <a:ea typeface="Calibri"/>
-              <a:cs typeface="Calibri"/>
-            </a:endParaRPr>
-          </a:p>
-        </p:txBody>
-      </p:sp>
-    </p:spTree>
-    <p:extLst>
-      <p:ext uri="{BB962C8B-B14F-4D97-AF65-F5344CB8AC3E}">
-        <p14:creationId xmlns:p14="http://schemas.microsoft.com/office/powerpoint/2010/main" val="1000267896"/>
-      </p:ext>
-    </p:extLst>
-  </p:cSld>
-  <p:clrMapOvr>
-    <a:masterClrMapping/>
-  </p:clrMapOvr>
-</p:sld>
-</file>
-
-<file path=ppt/slides/slide32.xml><?xml version="1.0" encoding="utf-8"?>
-<p:sld xmlns:a="http://schemas.openxmlformats.org/drawingml/2006/main" xmlns:r="http://schemas.openxmlformats.org/officeDocument/2006/relationships" xmlns:p="http://schemas.openxmlformats.org/presentationml/2006/main">
-  <p:cSld>
-    <p:spTree>
-      <p:nvGrpSpPr>
-        <p:cNvPr id="1" name=""/>
-        <p:cNvGrpSpPr/>
-        <p:nvPr/>
-      </p:nvGrpSpPr>
-      <p:grpSpPr>
-        <a:xfrm>
-          <a:off x="0" y="0"/>
-          <a:ext cx="0" cy="0"/>
-          <a:chOff x="0" y="0"/>
-          <a:chExt cx="0" cy="0"/>
-        </a:xfrm>
-      </p:grpSpPr>
-      <p:sp>
-        <p:nvSpPr>
-          <p:cNvPr id="2" name="Заголовок 1"/>
-          <p:cNvSpPr>
-            <a:spLocks noGrp="1"/>
-          </p:cNvSpPr>
-          <p:nvPr>
-            <p:ph type="title"/>
-          </p:nvPr>
-        </p:nvSpPr>
-        <p:spPr>
-          <a:xfrm>
             <a:off x="518571" y="1860164"/>
             <a:ext cx="8229600" cy="1143000"/>
           </a:xfrm>
@@ -8541,7 +8413,7 @@
 </p:sld>
 </file>
 
-<file path=ppt/slides/slide33.xml><?xml version="1.0" encoding="utf-8"?>
+<file path=ppt/slides/slide32.xml><?xml version="1.0" encoding="utf-8"?>
 <p:sld xmlns:a="http://schemas.openxmlformats.org/drawingml/2006/main" xmlns:r="http://schemas.openxmlformats.org/officeDocument/2006/relationships" xmlns:p="http://schemas.openxmlformats.org/presentationml/2006/main">
   <p:cSld>
     <p:bg>
@@ -8609,7 +8481,7 @@
 </p:sld>
 </file>
 
-<file path=ppt/slides/slide34.xml><?xml version="1.0" encoding="utf-8"?>
+<file path=ppt/slides/slide33.xml><?xml version="1.0" encoding="utf-8"?>
 <p:sld xmlns:a="http://schemas.openxmlformats.org/drawingml/2006/main" xmlns:r="http://schemas.openxmlformats.org/officeDocument/2006/relationships" xmlns:p="http://schemas.openxmlformats.org/presentationml/2006/main">
   <p:cSld>
     <p:bg>
@@ -8677,7 +8549,7 @@
 </p:sld>
 </file>
 
-<file path=ppt/slides/slide35.xml><?xml version="1.0" encoding="utf-8"?>
+<file path=ppt/slides/slide34.xml><?xml version="1.0" encoding="utf-8"?>
 <p:sld xmlns:a="http://schemas.openxmlformats.org/drawingml/2006/main" xmlns:r="http://schemas.openxmlformats.org/officeDocument/2006/relationships" xmlns:p="http://schemas.openxmlformats.org/presentationml/2006/main">
   <p:cSld>
     <p:spTree>
@@ -8844,6 +8716,183 @@
     <p:extLst>
       <p:ext uri="{BB962C8B-B14F-4D97-AF65-F5344CB8AC3E}">
         <p14:creationId xmlns:p14="http://schemas.microsoft.com/office/powerpoint/2010/main" val="3658784263"/>
+      </p:ext>
+    </p:extLst>
+  </p:cSld>
+  <p:clrMapOvr>
+    <a:masterClrMapping/>
+  </p:clrMapOvr>
+</p:sld>
+</file>
+
+<file path=ppt/slides/slide35.xml><?xml version="1.0" encoding="utf-8"?>
+<p:sld xmlns:a="http://schemas.openxmlformats.org/drawingml/2006/main" xmlns:r="http://schemas.openxmlformats.org/officeDocument/2006/relationships" xmlns:p="http://schemas.openxmlformats.org/presentationml/2006/main">
+  <p:cSld>
+    <p:spTree>
+      <p:nvGrpSpPr>
+        <p:cNvPr id="1" name=""/>
+        <p:cNvGrpSpPr/>
+        <p:nvPr/>
+      </p:nvGrpSpPr>
+      <p:grpSpPr>
+        <a:xfrm>
+          <a:off x="0" y="0"/>
+          <a:ext cx="0" cy="0"/>
+          <a:chOff x="0" y="0"/>
+          <a:chExt cx="0" cy="0"/>
+        </a:xfrm>
+      </p:grpSpPr>
+      <p:sp>
+        <p:nvSpPr>
+          <p:cNvPr id="2" name="Заголовок 1"/>
+          <p:cNvSpPr>
+            <a:spLocks noGrp="1"/>
+          </p:cNvSpPr>
+          <p:nvPr>
+            <p:ph type="title"/>
+          </p:nvPr>
+        </p:nvSpPr>
+        <p:spPr>
+          <a:xfrm>
+            <a:off x="457200" y="713468"/>
+            <a:ext cx="8229600" cy="1143000"/>
+          </a:xfrm>
+        </p:spPr>
+        <p:txBody>
+          <a:bodyPr vert="horz" lIns="91440" tIns="45720" rIns="91440" bIns="45720" rtlCol="0" anchor="ctr">
+            <a:noAutofit/>
+          </a:bodyPr>
+          <a:lstStyle/>
+          <a:p>
+            <a:br>
+              <a:rPr lang="ru-RU" dirty="0">
+                <a:ea typeface="+mj-lt"/>
+                <a:cs typeface="+mj-lt"/>
+              </a:rPr>
+            </a:br>
+            <a:r>
+              <a:rPr lang="ru-RU" dirty="0">
+                <a:ea typeface="+mj-lt"/>
+                <a:cs typeface="+mj-lt"/>
+              </a:rPr>
+              <a:t>1. Сложности освоения нового инструмента</a:t>
+            </a:r>
+          </a:p>
+          <a:p>
+            <a:pPr lvl="0"/>
+            <a:endParaRPr lang="ru-RU" dirty="0">
+              <a:ea typeface="Calibri"/>
+              <a:cs typeface="Calibri"/>
+            </a:endParaRPr>
+          </a:p>
+        </p:txBody>
+      </p:sp>
+      <p:sp>
+        <p:nvSpPr>
+          <p:cNvPr id="3" name="Объект 2"/>
+          <p:cNvSpPr>
+            <a:spLocks noGrp="1"/>
+          </p:cNvSpPr>
+          <p:nvPr>
+            <p:ph idx="1"/>
+          </p:nvPr>
+        </p:nvSpPr>
+        <p:spPr>
+          <a:xfrm>
+            <a:off x="570168" y="2346598"/>
+            <a:ext cx="8229600" cy="3750356"/>
+          </a:xfrm>
+        </p:spPr>
+        <p:txBody>
+          <a:bodyPr vert="horz" lIns="91440" tIns="45720" rIns="91440" bIns="45720" rtlCol="0" anchor="t">
+            <a:normAutofit fontScale="85000" lnSpcReduction="20000"/>
+          </a:bodyPr>
+          <a:lstStyle/>
+          <a:p>
+            <a:pPr marL="0" indent="0">
+              <a:spcBef>
+                <a:spcPts val="20"/>
+              </a:spcBef>
+              <a:buNone/>
+            </a:pPr>
+            <a:r>
+              <a:rPr lang="ru-RU" sz="2800" b="1" dirty="0">
+                <a:ea typeface="Calibri"/>
+                <a:cs typeface="Calibri"/>
+              </a:rPr>
+              <a:t>Детализация:</a:t>
+            </a:r>
+            <a:endParaRPr lang="ru-RU" b="1" dirty="0"/>
+          </a:p>
+          <a:p>
+            <a:pPr marL="0" indent="0">
+              <a:spcBef>
+                <a:spcPts val="20"/>
+              </a:spcBef>
+              <a:buNone/>
+            </a:pPr>
+            <a:endParaRPr lang="ru-RU" sz="2800" dirty="0">
+              <a:ea typeface="Calibri"/>
+              <a:cs typeface="Calibri"/>
+            </a:endParaRPr>
+          </a:p>
+          <a:p>
+            <a:pPr marL="457200" indent="-457200"/>
+            <a:r>
+              <a:rPr lang="ru-RU" sz="2800" dirty="0">
+                <a:ea typeface="Calibri"/>
+                <a:cs typeface="Calibri"/>
+              </a:rPr>
+              <a:t>При переходе на новый продукт или сервис многие пользователи опасаются, что потратят много времени и ресурсов на обучение и адаптацию. Особенно это актуально для компаний, где большое количество сотрудников должны освоить новый инструмент.</a:t>
+            </a:r>
+            <a:endParaRPr lang="ru-RU" dirty="0">
+              <a:ea typeface="Calibri"/>
+              <a:cs typeface="Calibri"/>
+            </a:endParaRPr>
+          </a:p>
+          <a:p>
+            <a:pPr marL="457200" indent="-457200"/>
+            <a:r>
+              <a:rPr lang="ru-RU" sz="2800" dirty="0">
+                <a:ea typeface="Calibri"/>
+                <a:cs typeface="Calibri"/>
+              </a:rPr>
+              <a:t>Переход на новый инструмент может замедлить работу, если освоение окажется сложным или нетривиальным.</a:t>
+            </a:r>
+            <a:endParaRPr lang="ru-RU" dirty="0">
+              <a:ea typeface="Calibri"/>
+              <a:cs typeface="Calibri"/>
+            </a:endParaRPr>
+          </a:p>
+          <a:p>
+            <a:pPr marL="457200" indent="-457200"/>
+            <a:r>
+              <a:rPr lang="ru-RU" sz="2800" dirty="0">
+                <a:ea typeface="Calibri"/>
+                <a:cs typeface="Calibri"/>
+              </a:rPr>
+              <a:t>Отсутствие четких руководств, обучающих материалов или онлайн-курсов усиливает этот страх.</a:t>
+            </a:r>
+            <a:endParaRPr lang="ru-RU" dirty="0">
+              <a:ea typeface="Calibri"/>
+              <a:cs typeface="Calibri"/>
+            </a:endParaRPr>
+          </a:p>
+          <a:p>
+            <a:pPr marL="0" indent="0">
+              <a:buNone/>
+            </a:pPr>
+            <a:endParaRPr lang="ru-RU" sz="2800" dirty="0">
+              <a:ea typeface="Calibri"/>
+              <a:cs typeface="Calibri"/>
+            </a:endParaRPr>
+          </a:p>
+        </p:txBody>
+      </p:sp>
+    </p:spTree>
+    <p:extLst>
+      <p:ext uri="{BB962C8B-B14F-4D97-AF65-F5344CB8AC3E}">
+        <p14:creationId xmlns:p14="http://schemas.microsoft.com/office/powerpoint/2010/main" val="795351082"/>
       </p:ext>
     </p:extLst>
   </p:cSld>
@@ -8903,7 +8952,7 @@
                 <a:ea typeface="+mj-lt"/>
                 <a:cs typeface="+mj-lt"/>
               </a:rPr>
-              <a:t>1. Сложности освоения нового инструмента</a:t>
+              <a:t>2. Несовместимость с уже имеющимися материалами</a:t>
             </a:r>
           </a:p>
           <a:p>
@@ -8950,7 +8999,7 @@
               </a:rPr>
               <a:t>Детализация:</a:t>
             </a:r>
-            <a:endParaRPr lang="ru-RU" b="1" dirty="0"/>
+            <a:endParaRPr lang="ru-RU" dirty="0"/>
           </a:p>
           <a:p>
             <a:pPr marL="0" indent="0">
@@ -8959,7 +9008,7 @@
               </a:spcBef>
               <a:buNone/>
             </a:pPr>
-            <a:endParaRPr lang="ru-RU" sz="2800" dirty="0">
+            <a:endParaRPr lang="ru-RU" sz="2800" b="1" dirty="0">
               <a:ea typeface="Calibri"/>
               <a:cs typeface="Calibri"/>
             </a:endParaRPr>
@@ -8971,7 +9020,27 @@
                 <a:ea typeface="Calibri"/>
                 <a:cs typeface="Calibri"/>
               </a:rPr>
-              <a:t>При переходе на новый продукт или сервис многие пользователи опасаются, что потратят много времени и ресурсов на обучение и адаптацию. Особенно это актуально для компаний, где большое количество сотрудников должны освоить новый инструмент.</a:t>
+              <a:t>Организации и отдельные специалисты могут иметь обширные библиотеки обучающих материалов, разработанных ранее. Переход на новый инструмент может вызвать опасения относительно потери или искажения данных.</a:t>
+            </a:r>
+          </a:p>
+          <a:p>
+            <a:pPr marL="457200" indent="-457200"/>
+            <a:r>
+              <a:rPr lang="ru-RU" sz="2800" dirty="0">
+                <a:ea typeface="Calibri"/>
+                <a:cs typeface="Calibri"/>
+              </a:rPr>
+              <a:t>Возможные проблемы с форматами файлов, структурой данных или мультимедийным контентом.</a:t>
+            </a:r>
+          </a:p>
+          <a:p>
+            <a:pPr marL="457200" indent="-457200"/>
+            <a:r>
+              <a:rPr lang="ru-RU" sz="2800" dirty="0">
+                <a:ea typeface="Calibri"/>
+                <a:cs typeface="Calibri"/>
+              </a:rPr>
+              <a:t>Потеря вложенных ресурсов в создание исходных материалов из-за их несовместимости.</a:t>
             </a:r>
             <a:endParaRPr lang="ru-RU" dirty="0">
               <a:ea typeface="Calibri"/>
@@ -8979,38 +9048,13 @@
             </a:endParaRPr>
           </a:p>
           <a:p>
-            <a:pPr marL="457200" indent="-457200"/>
-            <a:r>
-              <a:rPr lang="ru-RU" sz="2800" dirty="0">
-                <a:ea typeface="Calibri"/>
-                <a:cs typeface="Calibri"/>
-              </a:rPr>
-              <a:t>Переход на новый инструмент может замедлить работу, если освоение окажется сложным или нетривиальным.</a:t>
-            </a:r>
-            <a:endParaRPr lang="ru-RU" dirty="0">
-              <a:ea typeface="Calibri"/>
-              <a:cs typeface="Calibri"/>
-            </a:endParaRPr>
-          </a:p>
-          <a:p>
-            <a:pPr marL="457200" indent="-457200"/>
-            <a:r>
-              <a:rPr lang="ru-RU" sz="2800" dirty="0">
-                <a:ea typeface="Calibri"/>
-                <a:cs typeface="Calibri"/>
-              </a:rPr>
-              <a:t>Отсутствие четких руководств, обучающих материалов или онлайн-курсов усиливает этот страх.</a:t>
-            </a:r>
-            <a:endParaRPr lang="ru-RU" dirty="0">
-              <a:ea typeface="Calibri"/>
-              <a:cs typeface="Calibri"/>
-            </a:endParaRPr>
-          </a:p>
-          <a:p>
             <a:pPr marL="0" indent="0">
+              <a:spcBef>
+                <a:spcPts val="20"/>
+              </a:spcBef>
               <a:buNone/>
             </a:pPr>
-            <a:endParaRPr lang="ru-RU" sz="2800" dirty="0">
+            <a:endParaRPr lang="ru-RU" sz="2800" b="1" dirty="0">
               <a:ea typeface="Calibri"/>
               <a:cs typeface="Calibri"/>
             </a:endParaRPr>
@@ -9020,7 +9064,7 @@
     </p:spTree>
     <p:extLst>
       <p:ext uri="{BB962C8B-B14F-4D97-AF65-F5344CB8AC3E}">
-        <p14:creationId xmlns:p14="http://schemas.microsoft.com/office/powerpoint/2010/main" val="795351082"/>
+        <p14:creationId xmlns:p14="http://schemas.microsoft.com/office/powerpoint/2010/main" val="736314930"/>
       </p:ext>
     </p:extLst>
   </p:cSld>
@@ -9080,7 +9124,7 @@
                 <a:ea typeface="+mj-lt"/>
                 <a:cs typeface="+mj-lt"/>
               </a:rPr>
-              <a:t>2. Несовместимость с уже имеющимися материалами</a:t>
+              <a:t>3. Отсутствие должной поддержки и помощи при проблемах</a:t>
             </a:r>
           </a:p>
           <a:p>
@@ -9148,8 +9192,12 @@
                 <a:ea typeface="Calibri"/>
                 <a:cs typeface="Calibri"/>
               </a:rPr>
-              <a:t>Организации и отдельные специалисты могут иметь обширные библиотеки обучающих материалов, разработанных ранее. Переход на новый инструмент может вызвать опасения относительно потери или искажения данных.</a:t>
-            </a:r>
+              <a:t>Клиенты хотят быть уверены, что в случае возникновения проблем или вопросов они получат своевременную и квалифицированную поддержку.</a:t>
+            </a:r>
+            <a:endParaRPr lang="ru-RU" dirty="0">
+              <a:ea typeface="Calibri"/>
+              <a:cs typeface="Calibri"/>
+            </a:endParaRPr>
           </a:p>
           <a:p>
             <a:pPr marL="457200" indent="-457200"/>
@@ -9158,8 +9206,12 @@
                 <a:ea typeface="Calibri"/>
                 <a:cs typeface="Calibri"/>
               </a:rPr>
-              <a:t>Возможные проблемы с форматами файлов, структурой данных или мультимедийным контентом.</a:t>
-            </a:r>
+              <a:t>Страх перед возможными простоями, если в продукте обнаружатся ошибки или баги, и недостаточная реакция со стороны службы поддержки.</a:t>
+            </a:r>
+            <a:endParaRPr lang="ru-RU">
+              <a:ea typeface="Calibri"/>
+              <a:cs typeface="Calibri"/>
+            </a:endParaRPr>
           </a:p>
           <a:p>
             <a:pPr marL="457200" indent="-457200"/>
@@ -9168,7 +9220,7 @@
                 <a:ea typeface="Calibri"/>
                 <a:cs typeface="Calibri"/>
               </a:rPr>
-              <a:t>Потеря вложенных ресурсов в создание исходных материалов из-за их несовместимости.</a:t>
+              <a:t>Отсутствие четкой документации, форума поддержки пользователей или контактной информации усиливает этот страх.</a:t>
             </a:r>
             <a:endParaRPr lang="ru-RU" dirty="0">
               <a:ea typeface="Calibri"/>
@@ -9192,7 +9244,7 @@
     </p:spTree>
     <p:extLst>
       <p:ext uri="{BB962C8B-B14F-4D97-AF65-F5344CB8AC3E}">
-        <p14:creationId xmlns:p14="http://schemas.microsoft.com/office/powerpoint/2010/main" val="736314930"/>
+        <p14:creationId xmlns:p14="http://schemas.microsoft.com/office/powerpoint/2010/main" val="780223584"/>
       </p:ext>
     </p:extLst>
   </p:cSld>
@@ -9231,148 +9283,144 @@
         </p:nvSpPr>
         <p:spPr>
           <a:xfrm>
-            <a:off x="457200" y="713468"/>
+            <a:off x="457339" y="2564334"/>
             <a:ext cx="8229600" cy="1143000"/>
           </a:xfrm>
         </p:spPr>
         <p:txBody>
-          <a:bodyPr vert="horz" lIns="91440" tIns="45720" rIns="91440" bIns="45720" rtlCol="0" anchor="ctr">
-            <a:noAutofit/>
+          <a:bodyPr>
+            <a:normAutofit fontScale="90000"/>
           </a:bodyPr>
           <a:lstStyle/>
           <a:p>
             <a:br>
-              <a:rPr lang="ru-RU" dirty="0">
-                <a:ea typeface="+mj-lt"/>
-                <a:cs typeface="+mj-lt"/>
+              <a:rPr lang="ru-RU" b="1" dirty="0">
+                <a:ea typeface="Calibri"/>
+                <a:cs typeface="Calibri"/>
               </a:rPr>
             </a:br>
-            <a:r>
-              <a:rPr lang="ru-RU" dirty="0">
-                <a:ea typeface="+mj-lt"/>
-                <a:cs typeface="+mj-lt"/>
-              </a:rPr>
-              <a:t>3. Отсутствие должной поддержки и помощи при проблемах</a:t>
-            </a:r>
-          </a:p>
-          <a:p>
-            <a:pPr lvl="0"/>
-            <a:endParaRPr lang="ru-RU" dirty="0">
-              <a:ea typeface="Calibri"/>
-              <a:cs typeface="Calibri"/>
-            </a:endParaRPr>
-          </a:p>
-        </p:txBody>
-      </p:sp>
-      <p:sp>
-        <p:nvSpPr>
-          <p:cNvPr id="3" name="Объект 2"/>
-          <p:cNvSpPr>
-            <a:spLocks noGrp="1"/>
-          </p:cNvSpPr>
-          <p:nvPr>
-            <p:ph idx="1"/>
-          </p:nvPr>
-        </p:nvSpPr>
+            <a:br>
+              <a:rPr lang="ru-RU" b="1" dirty="0">
+                <a:ea typeface="Calibri"/>
+                <a:cs typeface="Calibri"/>
+              </a:rPr>
+            </a:br>
+            <a:r>
+              <a:rPr lang="ru-RU" b="1" dirty="0">
+                <a:ea typeface="Calibri"/>
+                <a:cs typeface="Calibri"/>
+              </a:rPr>
+              <a:t>ЖЕЛАНИЯ</a:t>
+            </a:r>
+          </a:p>
+          <a:p>
+            <a:endParaRPr lang="ru-RU" b="1" dirty="0">
+              <a:ea typeface="Calibri"/>
+              <a:cs typeface="Calibri"/>
+            </a:endParaRPr>
+          </a:p>
+          <a:p>
+            <a:endParaRPr lang="ru-RU" b="1" dirty="0">
+              <a:ea typeface="Calibri"/>
+              <a:cs typeface="Calibri"/>
+            </a:endParaRPr>
+          </a:p>
+        </p:txBody>
+      </p:sp>
+      <p:pic>
+        <p:nvPicPr>
+          <p:cNvPr id="6" name="Рисунок 5" descr="Изображение выглядит как графическая вставка, мультфильм, рисунок, Мультфильм&#10;&#10;Автоматически созданное описание">
+            <a:extLst>
+              <a:ext uri="{FF2B5EF4-FFF2-40B4-BE49-F238E27FC236}">
+                <a16:creationId xmlns:a16="http://schemas.microsoft.com/office/drawing/2014/main" id="{7A8C3DFD-509B-9CC0-87E3-2F23F4DD73F7}"/>
+              </a:ext>
+            </a:extLst>
+          </p:cNvPr>
+          <p:cNvPicPr>
+            <a:picLocks noChangeAspect="1"/>
+          </p:cNvPicPr>
+          <p:nvPr/>
+        </p:nvPicPr>
+        <p:blipFill>
+          <a:blip r:embed="rId2"/>
+          <a:stretch>
+            <a:fillRect/>
+          </a:stretch>
+        </p:blipFill>
         <p:spPr>
           <a:xfrm>
-            <a:off x="570168" y="2346598"/>
-            <a:ext cx="8229600" cy="3750356"/>
-          </a:xfrm>
-        </p:spPr>
-        <p:txBody>
-          <a:bodyPr vert="horz" lIns="91440" tIns="45720" rIns="91440" bIns="45720" rtlCol="0" anchor="t">
-            <a:normAutofit fontScale="85000" lnSpcReduction="20000"/>
-          </a:bodyPr>
-          <a:lstStyle/>
-          <a:p>
-            <a:pPr marL="0" indent="0">
-              <a:spcBef>
-                <a:spcPts val="20"/>
-              </a:spcBef>
-              <a:buNone/>
-            </a:pPr>
-            <a:r>
-              <a:rPr lang="ru-RU" sz="2800" b="1" dirty="0">
-                <a:ea typeface="Calibri"/>
-                <a:cs typeface="Calibri"/>
-              </a:rPr>
-              <a:t>Детализация:</a:t>
-            </a:r>
-            <a:endParaRPr lang="ru-RU" dirty="0"/>
-          </a:p>
-          <a:p>
-            <a:pPr marL="0" indent="0">
-              <a:spcBef>
-                <a:spcPts val="20"/>
-              </a:spcBef>
-              <a:buNone/>
-            </a:pPr>
-            <a:endParaRPr lang="ru-RU" sz="2800" b="1" dirty="0">
-              <a:ea typeface="Calibri"/>
-              <a:cs typeface="Calibri"/>
-            </a:endParaRPr>
-          </a:p>
-          <a:p>
-            <a:pPr marL="457200" indent="-457200"/>
-            <a:r>
-              <a:rPr lang="ru-RU" sz="2800" dirty="0">
-                <a:ea typeface="Calibri"/>
-                <a:cs typeface="Calibri"/>
-              </a:rPr>
-              <a:t>Клиенты хотят быть уверены, что в случае возникновения проблем или вопросов они получат своевременную и квалифицированную поддержку.</a:t>
-            </a:r>
-            <a:endParaRPr lang="ru-RU" dirty="0">
-              <a:ea typeface="Calibri"/>
-              <a:cs typeface="Calibri"/>
-            </a:endParaRPr>
-          </a:p>
-          <a:p>
-            <a:pPr marL="457200" indent="-457200"/>
-            <a:r>
-              <a:rPr lang="ru-RU" sz="2800" dirty="0">
-                <a:ea typeface="Calibri"/>
-                <a:cs typeface="Calibri"/>
-              </a:rPr>
-              <a:t>Страх перед возможными простоями, если в продукте обнаружатся ошибки или баги, и недостаточная реакция со стороны службы поддержки.</a:t>
-            </a:r>
-            <a:endParaRPr lang="ru-RU">
-              <a:ea typeface="Calibri"/>
-              <a:cs typeface="Calibri"/>
-            </a:endParaRPr>
-          </a:p>
-          <a:p>
-            <a:pPr marL="457200" indent="-457200"/>
-            <a:r>
-              <a:rPr lang="ru-RU" sz="2800" dirty="0">
-                <a:ea typeface="Calibri"/>
-                <a:cs typeface="Calibri"/>
-              </a:rPr>
-              <a:t>Отсутствие четкой документации, форума поддержки пользователей или контактной информации усиливает этот страх.</a:t>
-            </a:r>
-            <a:endParaRPr lang="ru-RU" dirty="0">
-              <a:ea typeface="Calibri"/>
-              <a:cs typeface="Calibri"/>
-            </a:endParaRPr>
-          </a:p>
-          <a:p>
-            <a:pPr marL="0" indent="0">
-              <a:spcBef>
-                <a:spcPts val="20"/>
-              </a:spcBef>
-              <a:buNone/>
-            </a:pPr>
-            <a:endParaRPr lang="ru-RU" sz="2800" b="1" dirty="0">
-              <a:ea typeface="Calibri"/>
-              <a:cs typeface="Calibri"/>
-            </a:endParaRPr>
-          </a:p>
-        </p:txBody>
-      </p:sp>
+            <a:off x="6041826" y="2833517"/>
+            <a:ext cx="2145166" cy="2145167"/>
+          </a:xfrm>
+          <a:prstGeom prst="rect">
+            <a:avLst/>
+          </a:prstGeom>
+        </p:spPr>
+      </p:pic>
+      <p:pic>
+        <p:nvPicPr>
+          <p:cNvPr id="7" name="Рисунок 6" descr="Изображение выглядит как графическая вставка, мультфильм, иллюстрация, дизайн&#10;&#10;Автоматически созданное описание">
+            <a:extLst>
+              <a:ext uri="{FF2B5EF4-FFF2-40B4-BE49-F238E27FC236}">
+                <a16:creationId xmlns:a16="http://schemas.microsoft.com/office/drawing/2014/main" id="{B725B1ED-281A-5980-247F-7810480B937B}"/>
+              </a:ext>
+            </a:extLst>
+          </p:cNvPr>
+          <p:cNvPicPr>
+            <a:picLocks noChangeAspect="1"/>
+          </p:cNvPicPr>
+          <p:nvPr/>
+        </p:nvPicPr>
+        <p:blipFill>
+          <a:blip r:embed="rId3"/>
+          <a:stretch>
+            <a:fillRect/>
+          </a:stretch>
+        </p:blipFill>
+        <p:spPr>
+          <a:xfrm>
+            <a:off x="1346086" y="3772411"/>
+            <a:ext cx="2134960" cy="2145165"/>
+          </a:xfrm>
+          <a:prstGeom prst="rect">
+            <a:avLst/>
+          </a:prstGeom>
+        </p:spPr>
+      </p:pic>
+      <p:pic>
+        <p:nvPicPr>
+          <p:cNvPr id="8" name="Рисунок 7" descr="Изображение выглядит как снимок экрана, дизайн&#10;&#10;Автоматически созданное описание">
+            <a:extLst>
+              <a:ext uri="{FF2B5EF4-FFF2-40B4-BE49-F238E27FC236}">
+                <a16:creationId xmlns:a16="http://schemas.microsoft.com/office/drawing/2014/main" id="{0A3A5353-6A97-7125-B11D-3B1EAF5B6C0B}"/>
+              </a:ext>
+            </a:extLst>
+          </p:cNvPr>
+          <p:cNvPicPr>
+            <a:picLocks noChangeAspect="1"/>
+          </p:cNvPicPr>
+          <p:nvPr/>
+        </p:nvPicPr>
+        <p:blipFill>
+          <a:blip r:embed="rId4"/>
+          <a:stretch>
+            <a:fillRect/>
+          </a:stretch>
+        </p:blipFill>
+        <p:spPr>
+          <a:xfrm>
+            <a:off x="3674184" y="550070"/>
+            <a:ext cx="2012497" cy="2012496"/>
+          </a:xfrm>
+          <a:prstGeom prst="rect">
+            <a:avLst/>
+          </a:prstGeom>
+        </p:spPr>
+      </p:pic>
     </p:spTree>
     <p:extLst>
       <p:ext uri="{BB962C8B-B14F-4D97-AF65-F5344CB8AC3E}">
-        <p14:creationId xmlns:p14="http://schemas.microsoft.com/office/powerpoint/2010/main" val="780223584"/>
+        <p14:creationId xmlns:p14="http://schemas.microsoft.com/office/powerpoint/2010/main" val="766903520"/>
       </p:ext>
     </p:extLst>
   </p:cSld>
@@ -9411,144 +9459,174 @@
         </p:nvSpPr>
         <p:spPr>
           <a:xfrm>
-            <a:off x="457339" y="2564334"/>
+            <a:off x="457200" y="713468"/>
             <a:ext cx="8229600" cy="1143000"/>
           </a:xfrm>
         </p:spPr>
         <p:txBody>
-          <a:bodyPr>
-            <a:normAutofit fontScale="90000"/>
+          <a:bodyPr vert="horz" lIns="91440" tIns="45720" rIns="91440" bIns="45720" rtlCol="0" anchor="ctr">
+            <a:noAutofit/>
           </a:bodyPr>
           <a:lstStyle/>
           <a:p>
             <a:br>
-              <a:rPr lang="ru-RU" b="1" dirty="0">
-                <a:ea typeface="Calibri"/>
-                <a:cs typeface="Calibri"/>
+              <a:rPr lang="ru-RU" dirty="0">
+                <a:ea typeface="+mj-lt"/>
+                <a:cs typeface="+mj-lt"/>
               </a:rPr>
             </a:br>
             <a:br>
-              <a:rPr lang="ru-RU" b="1" dirty="0">
-                <a:ea typeface="Calibri"/>
-                <a:cs typeface="Calibri"/>
+              <a:rPr lang="ru-RU" dirty="0">
+                <a:ea typeface="+mj-lt"/>
+                <a:cs typeface="+mj-lt"/>
               </a:rPr>
             </a:br>
             <a:r>
-              <a:rPr lang="ru-RU" b="1" dirty="0">
-                <a:ea typeface="Calibri"/>
-                <a:cs typeface="Calibri"/>
-              </a:rPr>
-              <a:t>ЖЕЛАНИЯ</a:t>
-            </a:r>
-          </a:p>
-          <a:p>
-            <a:endParaRPr lang="ru-RU" b="1" dirty="0">
-              <a:ea typeface="Calibri"/>
-              <a:cs typeface="Calibri"/>
-            </a:endParaRPr>
-          </a:p>
-          <a:p>
-            <a:endParaRPr lang="ru-RU" b="1" dirty="0">
-              <a:ea typeface="Calibri"/>
-              <a:cs typeface="Calibri"/>
-            </a:endParaRPr>
-          </a:p>
-        </p:txBody>
-      </p:sp>
-      <p:pic>
-        <p:nvPicPr>
-          <p:cNvPr id="6" name="Рисунок 5" descr="Изображение выглядит как графическая вставка, мультфильм, рисунок, Мультфильм&#10;&#10;Автоматически созданное описание">
-            <a:extLst>
-              <a:ext uri="{FF2B5EF4-FFF2-40B4-BE49-F238E27FC236}">
-                <a16:creationId xmlns:a16="http://schemas.microsoft.com/office/drawing/2014/main" id="{7A8C3DFD-509B-9CC0-87E3-2F23F4DD73F7}"/>
-              </a:ext>
-            </a:extLst>
-          </p:cNvPr>
-          <p:cNvPicPr>
-            <a:picLocks noChangeAspect="1"/>
-          </p:cNvPicPr>
-          <p:nvPr/>
-        </p:nvPicPr>
-        <p:blipFill>
-          <a:blip r:embed="rId2"/>
-          <a:stretch>
-            <a:fillRect/>
-          </a:stretch>
-        </p:blipFill>
+              <a:rPr lang="ru-RU" dirty="0">
+                <a:ea typeface="+mj-lt"/>
+                <a:cs typeface="+mj-lt"/>
+              </a:rPr>
+              <a:t>1. </a:t>
+            </a:r>
+            <a:r>
+              <a:rPr lang="ru-RU" dirty="0">
+                <a:latin typeface="Calibri"/>
+                <a:ea typeface="+mj-lt"/>
+                <a:cs typeface="Calibri"/>
+              </a:rPr>
+              <a:t>Сделать процесс обучения более интерактивным и привлекательным</a:t>
+            </a:r>
+          </a:p>
+          <a:p>
+            <a:pPr lvl="0"/>
+            <a:endParaRPr lang="ru-RU" dirty="0">
+              <a:ea typeface="Calibri"/>
+              <a:cs typeface="Calibri"/>
+            </a:endParaRPr>
+          </a:p>
+        </p:txBody>
+      </p:sp>
+      <p:sp>
+        <p:nvSpPr>
+          <p:cNvPr id="3" name="Объект 2"/>
+          <p:cNvSpPr>
+            <a:spLocks noGrp="1"/>
+          </p:cNvSpPr>
+          <p:nvPr>
+            <p:ph idx="1"/>
+          </p:nvPr>
+        </p:nvSpPr>
         <p:spPr>
           <a:xfrm>
-            <a:off x="6041826" y="2833517"/>
-            <a:ext cx="2145166" cy="2145167"/>
-          </a:xfrm>
-          <a:prstGeom prst="rect">
-            <a:avLst/>
-          </a:prstGeom>
-        </p:spPr>
-      </p:pic>
-      <p:pic>
-        <p:nvPicPr>
-          <p:cNvPr id="7" name="Рисунок 6" descr="Изображение выглядит как графическая вставка, мультфильм, иллюстрация, дизайн&#10;&#10;Автоматически созданное описание">
-            <a:extLst>
-              <a:ext uri="{FF2B5EF4-FFF2-40B4-BE49-F238E27FC236}">
-                <a16:creationId xmlns:a16="http://schemas.microsoft.com/office/drawing/2014/main" id="{B725B1ED-281A-5980-247F-7810480B937B}"/>
-              </a:ext>
-            </a:extLst>
-          </p:cNvPr>
-          <p:cNvPicPr>
-            <a:picLocks noChangeAspect="1"/>
-          </p:cNvPicPr>
-          <p:nvPr/>
-        </p:nvPicPr>
-        <p:blipFill>
-          <a:blip r:embed="rId3"/>
-          <a:stretch>
-            <a:fillRect/>
-          </a:stretch>
-        </p:blipFill>
-        <p:spPr>
-          <a:xfrm>
-            <a:off x="1346086" y="3772411"/>
-            <a:ext cx="2134960" cy="2145165"/>
-          </a:xfrm>
-          <a:prstGeom prst="rect">
-            <a:avLst/>
-          </a:prstGeom>
-        </p:spPr>
-      </p:pic>
-      <p:pic>
-        <p:nvPicPr>
-          <p:cNvPr id="8" name="Рисунок 7" descr="Изображение выглядит как снимок экрана, дизайн&#10;&#10;Автоматически созданное описание">
-            <a:extLst>
-              <a:ext uri="{FF2B5EF4-FFF2-40B4-BE49-F238E27FC236}">
-                <a16:creationId xmlns:a16="http://schemas.microsoft.com/office/drawing/2014/main" id="{0A3A5353-6A97-7125-B11D-3B1EAF5B6C0B}"/>
-              </a:ext>
-            </a:extLst>
-          </p:cNvPr>
-          <p:cNvPicPr>
-            <a:picLocks noChangeAspect="1"/>
-          </p:cNvPicPr>
-          <p:nvPr/>
-        </p:nvPicPr>
-        <p:blipFill>
-          <a:blip r:embed="rId4"/>
-          <a:stretch>
-            <a:fillRect/>
-          </a:stretch>
-        </p:blipFill>
-        <p:spPr>
-          <a:xfrm>
-            <a:off x="3674184" y="550070"/>
-            <a:ext cx="2012497" cy="2012496"/>
-          </a:xfrm>
-          <a:prstGeom prst="rect">
-            <a:avLst/>
-          </a:prstGeom>
-        </p:spPr>
-      </p:pic>
+            <a:off x="559963" y="2683375"/>
+            <a:ext cx="8229600" cy="3750356"/>
+          </a:xfrm>
+        </p:spPr>
+        <p:txBody>
+          <a:bodyPr vert="horz" lIns="91440" tIns="45720" rIns="91440" bIns="45720" rtlCol="0" anchor="t">
+            <a:normAutofit fontScale="77500" lnSpcReduction="20000"/>
+          </a:bodyPr>
+          <a:lstStyle/>
+          <a:p>
+            <a:pPr marL="0" indent="0">
+              <a:spcBef>
+                <a:spcPts val="20"/>
+              </a:spcBef>
+              <a:buNone/>
+            </a:pPr>
+            <a:r>
+              <a:rPr lang="ru-RU" sz="2800" b="1" dirty="0">
+                <a:ea typeface="Calibri"/>
+                <a:cs typeface="Calibri"/>
+              </a:rPr>
+              <a:t>Детализация:</a:t>
+            </a:r>
+            <a:endParaRPr lang="ru-RU" dirty="0"/>
+          </a:p>
+          <a:p>
+            <a:pPr marL="0" indent="0">
+              <a:spcBef>
+                <a:spcPts val="20"/>
+              </a:spcBef>
+              <a:buNone/>
+            </a:pPr>
+            <a:endParaRPr lang="ru-RU" sz="2800" b="1" dirty="0">
+              <a:ea typeface="Calibri"/>
+              <a:cs typeface="Calibri"/>
+            </a:endParaRPr>
+          </a:p>
+          <a:p>
+            <a:pPr marL="457200" indent="-457200"/>
+            <a:r>
+              <a:rPr lang="ru-RU" sz="2800">
+                <a:ea typeface="Calibri"/>
+                <a:cs typeface="Calibri"/>
+              </a:rPr>
+              <a:t>В эпоху цифровых технологий и многозадачности аудитория требует обучающие материалы, которые захватывают внимание и вовлекают в процесс.</a:t>
+            </a:r>
+            <a:endParaRPr lang="ru-RU">
+              <a:ea typeface="Calibri"/>
+              <a:cs typeface="Calibri"/>
+            </a:endParaRPr>
+          </a:p>
+          <a:p>
+            <a:pPr marL="457200" indent="-457200"/>
+            <a:r>
+              <a:rPr lang="ru-RU" sz="2800">
+                <a:ea typeface="Calibri"/>
+                <a:cs typeface="Calibri"/>
+              </a:rPr>
+              <a:t>Интерактивные элементы, такие как квизы, опросы, диаграммы и видео, могут сделать процесс обучения более динамичным и эффективным.</a:t>
+            </a:r>
+            <a:endParaRPr lang="ru-RU">
+              <a:ea typeface="Calibri"/>
+              <a:cs typeface="Calibri"/>
+            </a:endParaRPr>
+          </a:p>
+          <a:p>
+            <a:pPr marL="457200" indent="-457200"/>
+            <a:r>
+              <a:rPr lang="ru-RU" sz="2800">
+                <a:ea typeface="Calibri"/>
+                <a:cs typeface="Calibri"/>
+              </a:rPr>
+              <a:t>Подход, ориентированный на пользователя, где обучаемый может выбирать пути и ресурсы для изучения, в зависимости от своих предпочтений и потребностей.</a:t>
+            </a:r>
+            <a:endParaRPr lang="ru-RU">
+              <a:ea typeface="Calibri"/>
+              <a:cs typeface="Calibri"/>
+            </a:endParaRPr>
+          </a:p>
+          <a:p>
+            <a:pPr marL="0" indent="0">
+              <a:spcBef>
+                <a:spcPts val="20"/>
+              </a:spcBef>
+              <a:buNone/>
+            </a:pPr>
+            <a:endParaRPr lang="ru-RU" sz="2800" b="1" dirty="0">
+              <a:ea typeface="Calibri"/>
+              <a:cs typeface="Calibri"/>
+            </a:endParaRPr>
+          </a:p>
+          <a:p>
+            <a:pPr marL="0" indent="0">
+              <a:spcBef>
+                <a:spcPts val="20"/>
+              </a:spcBef>
+              <a:buNone/>
+            </a:pPr>
+            <a:endParaRPr lang="ru-RU" sz="2800" b="1" dirty="0">
+              <a:ea typeface="Calibri"/>
+              <a:cs typeface="Calibri"/>
+            </a:endParaRPr>
+          </a:p>
+        </p:txBody>
+      </p:sp>
     </p:spTree>
     <p:extLst>
       <p:ext uri="{BB962C8B-B14F-4D97-AF65-F5344CB8AC3E}">
-        <p14:creationId xmlns:p14="http://schemas.microsoft.com/office/powerpoint/2010/main" val="766903520"/>
+        <p14:creationId xmlns:p14="http://schemas.microsoft.com/office/powerpoint/2010/main" val="2414267801"/>
       </p:ext>
     </p:extLst>
   </p:cSld>
@@ -9726,18 +9804,12 @@
                 <a:cs typeface="+mj-lt"/>
               </a:rPr>
             </a:br>
-            <a:br>
+            <a:r>
               <a:rPr lang="ru-RU" dirty="0">
                 <a:ea typeface="+mj-lt"/>
                 <a:cs typeface="+mj-lt"/>
               </a:rPr>
-            </a:br>
-            <a:r>
-              <a:rPr lang="ru-RU" dirty="0">
-                <a:ea typeface="+mj-lt"/>
-                <a:cs typeface="+mj-lt"/>
-              </a:rPr>
-              <a:t>1. </a:t>
+              <a:t>2. </a:t>
             </a:r>
             <a:r>
               <a:rPr lang="ru-RU" dirty="0">
@@ -9745,7 +9817,7 @@
                 <a:ea typeface="+mj-lt"/>
                 <a:cs typeface="Calibri"/>
               </a:rPr>
-              <a:t>Сделать процесс обучения более интерактивным и привлекательным</a:t>
+              <a:t>Сократить затраты времени на подготовку материалов</a:t>
             </a:r>
           </a:p>
           <a:p>
@@ -9769,13 +9841,13 @@
         </p:nvSpPr>
         <p:spPr>
           <a:xfrm>
-            <a:off x="559963" y="2683375"/>
+            <a:off x="570168" y="2346598"/>
             <a:ext cx="8229600" cy="3750356"/>
           </a:xfrm>
         </p:spPr>
         <p:txBody>
           <a:bodyPr vert="horz" lIns="91440" tIns="45720" rIns="91440" bIns="45720" rtlCol="0" anchor="t">
-            <a:normAutofit fontScale="77500" lnSpcReduction="20000"/>
+            <a:normAutofit fontScale="85000" lnSpcReduction="10000"/>
           </a:bodyPr>
           <a:lstStyle/>
           <a:p>
@@ -9813,7 +9885,7 @@
                 <a:ea typeface="Calibri"/>
                 <a:cs typeface="Calibri"/>
               </a:rPr>
-              <a:t>В эпоху цифровых технологий и многозадачности аудитория требует обучающие материалы, которые захватывают внимание и вовлекают в процесс.</a:t>
+              <a:t>Специалисты, занимающиеся подготовкой обучающих материалов, ищут инструменты, которые автоматизируют и упрощают многие процессы создания контента.</a:t>
             </a:r>
             <a:endParaRPr lang="ru-RU">
               <a:ea typeface="Calibri"/>
@@ -9827,7 +9899,7 @@
                 <a:ea typeface="Calibri"/>
                 <a:cs typeface="Calibri"/>
               </a:rPr>
-              <a:t>Интерактивные элементы, такие как квизы, опросы, диаграммы и видео, могут сделать процесс обучения более динамичным и эффективным.</a:t>
+              <a:t>Шаблоны, автоматическая интеграция с другими платформами и инструментами, возможность быстрого редактирования и обновления материалов.</a:t>
             </a:r>
             <a:endParaRPr lang="ru-RU">
               <a:ea typeface="Calibri"/>
@@ -9841,7 +9913,7 @@
                 <a:ea typeface="Calibri"/>
                 <a:cs typeface="Calibri"/>
               </a:rPr>
-              <a:t>Подход, ориентированный на пользователя, где обучаемый может выбирать пути и ресурсы для изучения, в зависимости от своих предпочтений и потребностей.</a:t>
+              <a:t>Быстрый просмотр и предварительный просмотр материалов для обеспечения качества и релевантности.</a:t>
             </a:r>
             <a:endParaRPr lang="ru-RU">
               <a:ea typeface="Calibri"/>
@@ -9877,7 +9949,7 @@
     </p:spTree>
     <p:extLst>
       <p:ext uri="{BB962C8B-B14F-4D97-AF65-F5344CB8AC3E}">
-        <p14:creationId xmlns:p14="http://schemas.microsoft.com/office/powerpoint/2010/main" val="2414267801"/>
+        <p14:creationId xmlns:p14="http://schemas.microsoft.com/office/powerpoint/2010/main" val="1209014318"/>
       </p:ext>
     </p:extLst>
   </p:cSld>
@@ -9937,15 +10009,7 @@
                 <a:ea typeface="+mj-lt"/>
                 <a:cs typeface="+mj-lt"/>
               </a:rPr>
-              <a:t>2. </a:t>
-            </a:r>
-            <a:r>
-              <a:rPr lang="ru-RU" dirty="0">
-                <a:latin typeface="Calibri"/>
-                <a:ea typeface="+mj-lt"/>
-                <a:cs typeface="Calibri"/>
-              </a:rPr>
-              <a:t>Сократить затраты времени на подготовку материалов</a:t>
+              <a:t>3. Повысить качество обучения</a:t>
             </a:r>
           </a:p>
           <a:p>
@@ -9975,7 +10039,7 @@
         </p:spPr>
         <p:txBody>
           <a:bodyPr vert="horz" lIns="91440" tIns="45720" rIns="91440" bIns="45720" rtlCol="0" anchor="t">
-            <a:normAutofit fontScale="85000" lnSpcReduction="10000"/>
+            <a:normAutofit fontScale="92500" lnSpcReduction="20000"/>
           </a:bodyPr>
           <a:lstStyle/>
           <a:p>
@@ -10009,11 +10073,25 @@
           <a:p>
             <a:pPr marL="457200" indent="-457200"/>
             <a:r>
-              <a:rPr lang="ru-RU" sz="2800">
-                <a:ea typeface="Calibri"/>
-                <a:cs typeface="Calibri"/>
-              </a:rPr>
-              <a:t>Специалисты, занимающиеся подготовкой обучающих материалов, ищут инструменты, которые автоматизируют и упрощают многие процессы создания контента.</a:t>
+              <a:rPr lang="ru-RU" sz="2800" dirty="0">
+                <a:ea typeface="Calibri"/>
+                <a:cs typeface="Calibri"/>
+              </a:rPr>
+              <a:t>С целью улучшения результатов обучения клиенты ищут продукты, которые предоставляют более глубокое и осмысленное погружение в материал.</a:t>
+            </a:r>
+            <a:endParaRPr lang="ru-RU" dirty="0">
+              <a:ea typeface="Calibri"/>
+              <a:cs typeface="Calibri"/>
+            </a:endParaRPr>
+          </a:p>
+          <a:p>
+            <a:pPr marL="457200" indent="-457200"/>
+            <a:r>
+              <a:rPr lang="ru-RU" sz="2800" dirty="0">
+                <a:ea typeface="Calibri"/>
+                <a:cs typeface="Calibri"/>
+              </a:rPr>
+              <a:t>Адаптивное обучение, где система автоматически адаптирует материалы к индивидуальным потребностям и уровню знаний студента.</a:t>
             </a:r>
             <a:endParaRPr lang="ru-RU">
               <a:ea typeface="Calibri"/>
@@ -10021,29 +10099,19 @@
             </a:endParaRPr>
           </a:p>
           <a:p>
-            <a:pPr marL="457200" indent="-457200"/>
-            <a:r>
-              <a:rPr lang="ru-RU" sz="2800">
-                <a:ea typeface="Calibri"/>
-                <a:cs typeface="Calibri"/>
-              </a:rPr>
-              <a:t>Шаблоны, автоматическая интеграция с другими платформами и инструментами, возможность быстрого редактирования и обновления материалов.</a:t>
-            </a:r>
-            <a:endParaRPr lang="ru-RU">
-              <a:ea typeface="Calibri"/>
-              <a:cs typeface="Calibri"/>
-            </a:endParaRPr>
-          </a:p>
-          <a:p>
-            <a:pPr marL="457200" indent="-457200"/>
-            <a:r>
-              <a:rPr lang="ru-RU" sz="2800">
-                <a:ea typeface="Calibri"/>
-                <a:cs typeface="Calibri"/>
-              </a:rPr>
-              <a:t>Быстрый просмотр и предварительный просмотр материалов для обеспечения качества и релевантности.</a:t>
-            </a:r>
-            <a:endParaRPr lang="ru-RU">
+            <a:pPr marL="457200" indent="-457200">
+              <a:spcBef>
+                <a:spcPts val="20"/>
+              </a:spcBef>
+            </a:pPr>
+            <a:r>
+              <a:rPr lang="ru-RU" sz="2800" dirty="0">
+                <a:ea typeface="Calibri"/>
+                <a:cs typeface="Calibri"/>
+              </a:rPr>
+              <a:t>Аналитика и отчеты, позволяющие отслеживать прогресс и эффективность обучения, а также выявлять слабые места в учебных программах.</a:t>
+            </a:r>
+            <a:endParaRPr lang="ru-RU" dirty="0">
               <a:ea typeface="Calibri"/>
               <a:cs typeface="Calibri"/>
             </a:endParaRPr>
@@ -10060,24 +10128,12 @@
               <a:cs typeface="Calibri"/>
             </a:endParaRPr>
           </a:p>
-          <a:p>
-            <a:pPr marL="0" indent="0">
-              <a:spcBef>
-                <a:spcPts val="20"/>
-              </a:spcBef>
-              <a:buNone/>
-            </a:pPr>
-            <a:endParaRPr lang="ru-RU" sz="2800" b="1" dirty="0">
-              <a:ea typeface="Calibri"/>
-              <a:cs typeface="Calibri"/>
-            </a:endParaRPr>
-          </a:p>
         </p:txBody>
       </p:sp>
     </p:spTree>
     <p:extLst>
       <p:ext uri="{BB962C8B-B14F-4D97-AF65-F5344CB8AC3E}">
-        <p14:creationId xmlns:p14="http://schemas.microsoft.com/office/powerpoint/2010/main" val="1209014318"/>
+        <p14:creationId xmlns:p14="http://schemas.microsoft.com/office/powerpoint/2010/main" val="1354694314"/>
       </p:ext>
     </p:extLst>
   </p:cSld>
@@ -10116,152 +10172,120 @@
         </p:nvSpPr>
         <p:spPr>
           <a:xfrm>
-            <a:off x="457200" y="713468"/>
+            <a:off x="457339" y="2564334"/>
             <a:ext cx="8229600" cy="1143000"/>
           </a:xfrm>
         </p:spPr>
         <p:txBody>
-          <a:bodyPr vert="horz" lIns="91440" tIns="45720" rIns="91440" bIns="45720" rtlCol="0" anchor="ctr">
-            <a:noAutofit/>
+          <a:bodyPr>
+            <a:normAutofit/>
           </a:bodyPr>
           <a:lstStyle/>
           <a:p>
-            <a:br>
-              <a:rPr lang="ru-RU" dirty="0">
-                <a:ea typeface="+mj-lt"/>
-                <a:cs typeface="+mj-lt"/>
-              </a:rPr>
-            </a:br>
-            <a:r>
-              <a:rPr lang="ru-RU" dirty="0">
-                <a:ea typeface="+mj-lt"/>
-                <a:cs typeface="+mj-lt"/>
-              </a:rPr>
-              <a:t>3. Повысить качество обучения</a:t>
-            </a:r>
-          </a:p>
-          <a:p>
-            <a:pPr lvl="0"/>
-            <a:endParaRPr lang="ru-RU" dirty="0">
-              <a:ea typeface="Calibri"/>
-              <a:cs typeface="Calibri"/>
-            </a:endParaRPr>
-          </a:p>
-        </p:txBody>
-      </p:sp>
-      <p:sp>
-        <p:nvSpPr>
-          <p:cNvPr id="3" name="Объект 2"/>
-          <p:cNvSpPr>
-            <a:spLocks noGrp="1"/>
-          </p:cNvSpPr>
-          <p:nvPr>
-            <p:ph idx="1"/>
-          </p:nvPr>
-        </p:nvSpPr>
+            <a:r>
+              <a:rPr lang="ru-RU" b="1" dirty="0">
+                <a:ea typeface="Calibri"/>
+                <a:cs typeface="Calibri"/>
+              </a:rPr>
+              <a:t>ПОТРЕБНОСТИ</a:t>
+            </a:r>
+          </a:p>
+        </p:txBody>
+      </p:sp>
+      <p:pic>
+        <p:nvPicPr>
+          <p:cNvPr id="3" name="Рисунок 2" descr="Изображение выглядит как графическая вставка, мультфильм, дизайн, иллюстрация&#10;&#10;Автоматически созданное описание">
+            <a:extLst>
+              <a:ext uri="{FF2B5EF4-FFF2-40B4-BE49-F238E27FC236}">
+                <a16:creationId xmlns:a16="http://schemas.microsoft.com/office/drawing/2014/main" id="{00F7B49E-AF99-D7F9-53A5-26FB3F85D8CB}"/>
+              </a:ext>
+            </a:extLst>
+          </p:cNvPr>
+          <p:cNvPicPr>
+            <a:picLocks noChangeAspect="1"/>
+          </p:cNvPicPr>
+          <p:nvPr/>
+        </p:nvPicPr>
+        <p:blipFill>
+          <a:blip r:embed="rId2"/>
+          <a:stretch>
+            <a:fillRect/>
+          </a:stretch>
+        </p:blipFill>
         <p:spPr>
           <a:xfrm>
-            <a:off x="570168" y="2346598"/>
-            <a:ext cx="8229600" cy="3750356"/>
-          </a:xfrm>
-        </p:spPr>
-        <p:txBody>
-          <a:bodyPr vert="horz" lIns="91440" tIns="45720" rIns="91440" bIns="45720" rtlCol="0" anchor="t">
-            <a:normAutofit fontScale="92500" lnSpcReduction="20000"/>
-          </a:bodyPr>
-          <a:lstStyle/>
-          <a:p>
-            <a:pPr marL="0" indent="0">
-              <a:spcBef>
-                <a:spcPts val="20"/>
-              </a:spcBef>
-              <a:buNone/>
-            </a:pPr>
-            <a:r>
-              <a:rPr lang="ru-RU" sz="2800" b="1" dirty="0">
-                <a:ea typeface="Calibri"/>
-                <a:cs typeface="Calibri"/>
-              </a:rPr>
-              <a:t>Детализация:</a:t>
-            </a:r>
-            <a:endParaRPr lang="ru-RU" dirty="0"/>
-          </a:p>
-          <a:p>
-            <a:pPr marL="0" indent="0">
-              <a:spcBef>
-                <a:spcPts val="20"/>
-              </a:spcBef>
-              <a:buNone/>
-            </a:pPr>
-            <a:endParaRPr lang="ru-RU" sz="2800" b="1" dirty="0">
-              <a:ea typeface="Calibri"/>
-              <a:cs typeface="Calibri"/>
-            </a:endParaRPr>
-          </a:p>
-          <a:p>
-            <a:pPr marL="457200" indent="-457200"/>
-            <a:r>
-              <a:rPr lang="ru-RU" sz="2800" dirty="0">
-                <a:ea typeface="Calibri"/>
-                <a:cs typeface="Calibri"/>
-              </a:rPr>
-              <a:t>С целью улучшения результатов обучения клиенты ищут продукты, которые предоставляют более глубокое и осмысленное погружение в материал.</a:t>
-            </a:r>
-            <a:endParaRPr lang="ru-RU" dirty="0">
-              <a:ea typeface="Calibri"/>
-              <a:cs typeface="Calibri"/>
-            </a:endParaRPr>
-          </a:p>
-          <a:p>
-            <a:pPr marL="457200" indent="-457200"/>
-            <a:r>
-              <a:rPr lang="ru-RU" sz="2800" dirty="0">
-                <a:ea typeface="Calibri"/>
-                <a:cs typeface="Calibri"/>
-              </a:rPr>
-              <a:t>Адаптивное обучение, где система автоматически адаптирует материалы к индивидуальным потребностям и уровню знаний студента.</a:t>
-            </a:r>
-            <a:endParaRPr lang="ru-RU">
-              <a:ea typeface="Calibri"/>
-              <a:cs typeface="Calibri"/>
-            </a:endParaRPr>
-          </a:p>
-          <a:p>
-            <a:pPr marL="457200" indent="-457200">
-              <a:spcBef>
-                <a:spcPts val="20"/>
-              </a:spcBef>
-            </a:pPr>
-            <a:r>
-              <a:rPr lang="ru-RU" sz="2800" dirty="0">
-                <a:ea typeface="Calibri"/>
-                <a:cs typeface="Calibri"/>
-              </a:rPr>
-              <a:t>Аналитика и отчеты, позволяющие отслеживать прогресс и эффективность обучения, а также выявлять слабые места в учебных программах.</a:t>
-            </a:r>
-            <a:endParaRPr lang="ru-RU" dirty="0">
-              <a:ea typeface="Calibri"/>
-              <a:cs typeface="Calibri"/>
-            </a:endParaRPr>
-          </a:p>
-          <a:p>
-            <a:pPr marL="0" indent="0">
-              <a:spcBef>
-                <a:spcPts val="20"/>
-              </a:spcBef>
-              <a:buNone/>
-            </a:pPr>
-            <a:endParaRPr lang="ru-RU" sz="2800" b="1" dirty="0">
-              <a:ea typeface="Calibri"/>
-              <a:cs typeface="Calibri"/>
-            </a:endParaRPr>
-          </a:p>
-        </p:txBody>
-      </p:sp>
+            <a:off x="705699" y="4391110"/>
+            <a:ext cx="1859416" cy="1849211"/>
+          </a:xfrm>
+          <a:prstGeom prst="rect">
+            <a:avLst/>
+          </a:prstGeom>
+        </p:spPr>
+      </p:pic>
+      <p:pic>
+        <p:nvPicPr>
+          <p:cNvPr id="4" name="Рисунок 3" descr="Изображение выглядит как снимок экрана, Графика, графическая вставка, графический дизайн&#10;&#10;Автоматически созданное описание">
+            <a:extLst>
+              <a:ext uri="{FF2B5EF4-FFF2-40B4-BE49-F238E27FC236}">
+                <a16:creationId xmlns:a16="http://schemas.microsoft.com/office/drawing/2014/main" id="{D35AA445-D65E-E399-A7CD-2E2822C8DCE2}"/>
+              </a:ext>
+            </a:extLst>
+          </p:cNvPr>
+          <p:cNvPicPr>
+            <a:picLocks noChangeAspect="1"/>
+          </p:cNvPicPr>
+          <p:nvPr/>
+        </p:nvPicPr>
+        <p:blipFill>
+          <a:blip r:embed="rId3"/>
+          <a:stretch>
+            <a:fillRect/>
+          </a:stretch>
+        </p:blipFill>
+        <p:spPr>
+          <a:xfrm>
+            <a:off x="6147708" y="3573405"/>
+            <a:ext cx="1839007" cy="1839007"/>
+          </a:xfrm>
+          <a:prstGeom prst="rect">
+            <a:avLst/>
+          </a:prstGeom>
+        </p:spPr>
+      </p:pic>
+      <p:pic>
+        <p:nvPicPr>
+          <p:cNvPr id="5" name="Рисунок 4" descr="Изображение выглядит как графическая вставка, мультфильм&#10;&#10;Автоматически созданное описание">
+            <a:extLst>
+              <a:ext uri="{FF2B5EF4-FFF2-40B4-BE49-F238E27FC236}">
+                <a16:creationId xmlns:a16="http://schemas.microsoft.com/office/drawing/2014/main" id="{3E9534FE-7E53-EAAC-1574-475E5EE323B4}"/>
+              </a:ext>
+            </a:extLst>
+          </p:cNvPr>
+          <p:cNvPicPr>
+            <a:picLocks noChangeAspect="1"/>
+          </p:cNvPicPr>
+          <p:nvPr/>
+        </p:nvPicPr>
+        <p:blipFill>
+          <a:blip r:embed="rId4"/>
+          <a:stretch>
+            <a:fillRect/>
+          </a:stretch>
+        </p:blipFill>
+        <p:spPr>
+          <a:xfrm>
+            <a:off x="3574682" y="411020"/>
+            <a:ext cx="2155372" cy="2155372"/>
+          </a:xfrm>
+          <a:prstGeom prst="rect">
+            <a:avLst/>
+          </a:prstGeom>
+        </p:spPr>
+      </p:pic>
     </p:spTree>
     <p:extLst>
       <p:ext uri="{BB962C8B-B14F-4D97-AF65-F5344CB8AC3E}">
-        <p14:creationId xmlns:p14="http://schemas.microsoft.com/office/powerpoint/2010/main" val="1354694314"/>
+        <p14:creationId xmlns:p14="http://schemas.microsoft.com/office/powerpoint/2010/main" val="4272997524"/>
       </p:ext>
     </p:extLst>
   </p:cSld>
@@ -10300,120 +10324,156 @@
         </p:nvSpPr>
         <p:spPr>
           <a:xfrm>
-            <a:off x="457339" y="2564334"/>
+            <a:off x="457200" y="713468"/>
             <a:ext cx="8229600" cy="1143000"/>
           </a:xfrm>
         </p:spPr>
         <p:txBody>
-          <a:bodyPr>
-            <a:normAutofit/>
+          <a:bodyPr vert="horz" lIns="91440" tIns="45720" rIns="91440" bIns="45720" rtlCol="0" anchor="ctr">
+            <a:noAutofit/>
           </a:bodyPr>
           <a:lstStyle/>
           <a:p>
-            <a:r>
-              <a:rPr lang="ru-RU" b="1" dirty="0">
-                <a:ea typeface="Calibri"/>
-                <a:cs typeface="Calibri"/>
-              </a:rPr>
-              <a:t>ПОТРЕБНОСТИ</a:t>
-            </a:r>
-          </a:p>
-        </p:txBody>
-      </p:sp>
-      <p:pic>
-        <p:nvPicPr>
-          <p:cNvPr id="3" name="Рисунок 2" descr="Изображение выглядит как графическая вставка, мультфильм, дизайн, иллюстрация&#10;&#10;Автоматически созданное описание">
-            <a:extLst>
-              <a:ext uri="{FF2B5EF4-FFF2-40B4-BE49-F238E27FC236}">
-                <a16:creationId xmlns:a16="http://schemas.microsoft.com/office/drawing/2014/main" id="{00F7B49E-AF99-D7F9-53A5-26FB3F85D8CB}"/>
-              </a:ext>
-            </a:extLst>
-          </p:cNvPr>
-          <p:cNvPicPr>
-            <a:picLocks noChangeAspect="1"/>
-          </p:cNvPicPr>
-          <p:nvPr/>
-        </p:nvPicPr>
-        <p:blipFill>
-          <a:blip r:embed="rId2"/>
-          <a:stretch>
-            <a:fillRect/>
-          </a:stretch>
-        </p:blipFill>
+            <a:br>
+              <a:rPr lang="ru-RU" dirty="0">
+                <a:ea typeface="+mj-lt"/>
+                <a:cs typeface="+mj-lt"/>
+              </a:rPr>
+            </a:br>
+            <a:r>
+              <a:rPr lang="ru-RU" dirty="0">
+                <a:ea typeface="+mj-lt"/>
+                <a:cs typeface="+mj-lt"/>
+              </a:rPr>
+              <a:t>1. </a:t>
+            </a:r>
+            <a:r>
+              <a:rPr lang="ru-RU" dirty="0">
+                <a:latin typeface="Calibri"/>
+                <a:ea typeface="+mj-lt"/>
+                <a:cs typeface="Calibri"/>
+              </a:rPr>
+              <a:t>Интуитивный интерфейс и легкая интеграция с текущими системами</a:t>
+            </a:r>
+          </a:p>
+          <a:p>
+            <a:pPr lvl="0"/>
+            <a:endParaRPr lang="ru-RU" dirty="0">
+              <a:ea typeface="Calibri"/>
+              <a:cs typeface="Calibri"/>
+            </a:endParaRPr>
+          </a:p>
+        </p:txBody>
+      </p:sp>
+      <p:sp>
+        <p:nvSpPr>
+          <p:cNvPr id="3" name="Объект 2"/>
+          <p:cNvSpPr>
+            <a:spLocks noGrp="1"/>
+          </p:cNvSpPr>
+          <p:nvPr>
+            <p:ph idx="1"/>
+          </p:nvPr>
+        </p:nvSpPr>
         <p:spPr>
           <a:xfrm>
-            <a:off x="705699" y="4391110"/>
-            <a:ext cx="1859416" cy="1849211"/>
-          </a:xfrm>
-          <a:prstGeom prst="rect">
-            <a:avLst/>
-          </a:prstGeom>
-        </p:spPr>
-      </p:pic>
-      <p:pic>
-        <p:nvPicPr>
-          <p:cNvPr id="4" name="Рисунок 3" descr="Изображение выглядит как снимок экрана, Графика, графическая вставка, графический дизайн&#10;&#10;Автоматически созданное описание">
-            <a:extLst>
-              <a:ext uri="{FF2B5EF4-FFF2-40B4-BE49-F238E27FC236}">
-                <a16:creationId xmlns:a16="http://schemas.microsoft.com/office/drawing/2014/main" id="{D35AA445-D65E-E399-A7CD-2E2822C8DCE2}"/>
-              </a:ext>
-            </a:extLst>
-          </p:cNvPr>
-          <p:cNvPicPr>
-            <a:picLocks noChangeAspect="1"/>
-          </p:cNvPicPr>
-          <p:nvPr/>
-        </p:nvPicPr>
-        <p:blipFill>
-          <a:blip r:embed="rId3"/>
-          <a:stretch>
-            <a:fillRect/>
-          </a:stretch>
-        </p:blipFill>
-        <p:spPr>
-          <a:xfrm>
-            <a:off x="6147708" y="3573405"/>
-            <a:ext cx="1839007" cy="1839007"/>
-          </a:xfrm>
-          <a:prstGeom prst="rect">
-            <a:avLst/>
-          </a:prstGeom>
-        </p:spPr>
-      </p:pic>
-      <p:pic>
-        <p:nvPicPr>
-          <p:cNvPr id="5" name="Рисунок 4" descr="Изображение выглядит как графическая вставка, мультфильм&#10;&#10;Автоматически созданное описание">
-            <a:extLst>
-              <a:ext uri="{FF2B5EF4-FFF2-40B4-BE49-F238E27FC236}">
-                <a16:creationId xmlns:a16="http://schemas.microsoft.com/office/drawing/2014/main" id="{3E9534FE-7E53-EAAC-1574-475E5EE323B4}"/>
-              </a:ext>
-            </a:extLst>
-          </p:cNvPr>
-          <p:cNvPicPr>
-            <a:picLocks noChangeAspect="1"/>
-          </p:cNvPicPr>
-          <p:nvPr/>
-        </p:nvPicPr>
-        <p:blipFill>
-          <a:blip r:embed="rId4"/>
-          <a:stretch>
-            <a:fillRect/>
-          </a:stretch>
-        </p:blipFill>
-        <p:spPr>
-          <a:xfrm>
-            <a:off x="3574682" y="411020"/>
-            <a:ext cx="2155372" cy="2155372"/>
-          </a:xfrm>
-          <a:prstGeom prst="rect">
-            <a:avLst/>
-          </a:prstGeom>
-        </p:spPr>
-      </p:pic>
+            <a:off x="570168" y="2683375"/>
+            <a:ext cx="8229600" cy="3199267"/>
+          </a:xfrm>
+        </p:spPr>
+        <p:txBody>
+          <a:bodyPr vert="horz" lIns="91440" tIns="45720" rIns="91440" bIns="45720" rtlCol="0" anchor="t">
+            <a:normAutofit fontScale="77500" lnSpcReduction="20000"/>
+          </a:bodyPr>
+          <a:lstStyle/>
+          <a:p>
+            <a:pPr marL="0" indent="0">
+              <a:spcBef>
+                <a:spcPts val="20"/>
+              </a:spcBef>
+              <a:buNone/>
+            </a:pPr>
+            <a:r>
+              <a:rPr lang="ru-RU" sz="2800" b="1" dirty="0">
+                <a:ea typeface="Calibri"/>
+                <a:cs typeface="Calibri"/>
+              </a:rPr>
+              <a:t>Детализация:</a:t>
+            </a:r>
+            <a:endParaRPr lang="ru-RU" dirty="0"/>
+          </a:p>
+          <a:p>
+            <a:pPr marL="0" indent="0">
+              <a:spcBef>
+                <a:spcPts val="20"/>
+              </a:spcBef>
+              <a:buNone/>
+            </a:pPr>
+            <a:endParaRPr lang="ru-RU" sz="2800" b="1" dirty="0">
+              <a:ea typeface="Calibri"/>
+              <a:cs typeface="Calibri"/>
+            </a:endParaRPr>
+          </a:p>
+          <a:p>
+            <a:pPr marL="457200" indent="-457200"/>
+            <a:r>
+              <a:rPr lang="ru-RU" sz="2800">
+                <a:ea typeface="Calibri"/>
+                <a:cs typeface="Calibri"/>
+              </a:rPr>
+              <a:t>Клиенты ищут решения, которые не потребуют долгого времени на изучение и адаптацию. Они хотят быстро начать работу, не проводя часы на тренингах или чтение руководств.</a:t>
+            </a:r>
+            <a:endParaRPr lang="ru-RU">
+              <a:ea typeface="Calibri"/>
+              <a:cs typeface="Calibri"/>
+            </a:endParaRPr>
+          </a:p>
+          <a:p>
+            <a:pPr marL="457200" indent="-457200"/>
+            <a:r>
+              <a:rPr lang="ru-RU" sz="2800">
+                <a:ea typeface="Calibri"/>
+                <a:cs typeface="Calibri"/>
+              </a:rPr>
+              <a:t>Особенно ценится возможность легко интегрироваться с уже используемыми инструментами и программами, такими как системы управления обучением (LMS), CRM и другие.</a:t>
+            </a:r>
+            <a:endParaRPr lang="ru-RU">
+              <a:ea typeface="Calibri"/>
+              <a:cs typeface="Calibri"/>
+            </a:endParaRPr>
+          </a:p>
+          <a:p>
+            <a:pPr marL="457200" indent="-457200"/>
+            <a:r>
+              <a:rPr lang="ru-RU" sz="2800">
+                <a:ea typeface="Calibri"/>
+                <a:cs typeface="Calibri"/>
+              </a:rPr>
+              <a:t>Возможность импорта/экспорта данных и материалов без потери качества или формата также важна.</a:t>
+            </a:r>
+            <a:endParaRPr lang="ru-RU">
+              <a:ea typeface="Calibri"/>
+              <a:cs typeface="Calibri"/>
+            </a:endParaRPr>
+          </a:p>
+          <a:p>
+            <a:pPr marL="0" indent="0">
+              <a:spcBef>
+                <a:spcPts val="20"/>
+              </a:spcBef>
+              <a:buNone/>
+            </a:pPr>
+            <a:endParaRPr lang="ru-RU" sz="2800" b="1" dirty="0">
+              <a:ea typeface="Calibri"/>
+              <a:cs typeface="Calibri"/>
+            </a:endParaRPr>
+          </a:p>
+        </p:txBody>
+      </p:sp>
     </p:spTree>
     <p:extLst>
       <p:ext uri="{BB962C8B-B14F-4D97-AF65-F5344CB8AC3E}">
-        <p14:creationId xmlns:p14="http://schemas.microsoft.com/office/powerpoint/2010/main" val="4272997524"/>
+        <p14:creationId xmlns:p14="http://schemas.microsoft.com/office/powerpoint/2010/main" val="298172082"/>
       </p:ext>
     </p:extLst>
   </p:cSld>
@@ -10473,7 +10533,7 @@
                 <a:ea typeface="+mj-lt"/>
                 <a:cs typeface="+mj-lt"/>
               </a:rPr>
-              <a:t>1. </a:t>
+              <a:t>2. </a:t>
             </a:r>
             <a:r>
               <a:rPr lang="ru-RU" dirty="0">
@@ -10481,8 +10541,12 @@
                 <a:ea typeface="+mj-lt"/>
                 <a:cs typeface="Calibri"/>
               </a:rPr>
-              <a:t>Интуитивный интерфейс и легкая интеграция с текущими системами</a:t>
-            </a:r>
+              <a:t>Функциональные возможности для удовлетворения индивидуальных потребностей</a:t>
+            </a:r>
+            <a:endParaRPr lang="ru-RU" dirty="0">
+              <a:ea typeface="+mj-lt"/>
+              <a:cs typeface="+mj-lt"/>
+            </a:endParaRPr>
           </a:p>
           <a:p>
             <a:pPr lvl="0"/>
@@ -10505,8 +10569,8 @@
         </p:nvSpPr>
         <p:spPr>
           <a:xfrm>
-            <a:off x="570168" y="2683375"/>
-            <a:ext cx="8229600" cy="3199267"/>
+            <a:off x="580373" y="2448652"/>
+            <a:ext cx="8229600" cy="3750356"/>
           </a:xfrm>
         </p:spPr>
         <p:txBody>
@@ -10545,41 +10609,33 @@
           <a:p>
             <a:pPr marL="457200" indent="-457200"/>
             <a:r>
-              <a:rPr lang="ru-RU" sz="2800">
-                <a:ea typeface="Calibri"/>
-                <a:cs typeface="Calibri"/>
-              </a:rPr>
-              <a:t>Клиенты ищут решения, которые не потребуют долгого времени на изучение и адаптацию. Они хотят быстро начать работу, не проводя часы на тренингах или чтение руководств.</a:t>
-            </a:r>
-            <a:endParaRPr lang="ru-RU">
-              <a:ea typeface="Calibri"/>
-              <a:cs typeface="Calibri"/>
-            </a:endParaRPr>
+              <a:rPr lang="ru-RU" sz="2800" dirty="0">
+                <a:ea typeface="Calibri"/>
+                <a:cs typeface="Calibri"/>
+              </a:rPr>
+              <a:t>Каждый тренер или преподаватель имеет свою уникальную методику и подход к обучению. Им нужен инструмент, который будет достаточно гибким, чтобы соответствовать их индивидуальным требованиям.</a:t>
+            </a:r>
           </a:p>
           <a:p>
             <a:pPr marL="457200" indent="-457200"/>
             <a:r>
-              <a:rPr lang="ru-RU" sz="2800">
-                <a:ea typeface="Calibri"/>
-                <a:cs typeface="Calibri"/>
-              </a:rPr>
-              <a:t>Особенно ценится возможность легко интегрироваться с уже используемыми инструментами и программами, такими как системы управления обучением (LMS), CRM и другие.</a:t>
-            </a:r>
-            <a:endParaRPr lang="ru-RU">
-              <a:ea typeface="Calibri"/>
-              <a:cs typeface="Calibri"/>
-            </a:endParaRPr>
+              <a:rPr lang="ru-RU" sz="2800" dirty="0">
+                <a:ea typeface="Calibri"/>
+                <a:cs typeface="Calibri"/>
+              </a:rPr>
+              <a:t>Возможность настройки шаблонов, добавления мультимедийных элементов, интеграции интерактивных заданий и тестов.</a:t>
+            </a:r>
           </a:p>
           <a:p>
             <a:pPr marL="457200" indent="-457200"/>
             <a:r>
-              <a:rPr lang="ru-RU" sz="2800">
-                <a:ea typeface="Calibri"/>
-                <a:cs typeface="Calibri"/>
-              </a:rPr>
-              <a:t>Возможность импорта/экспорта данных и материалов без потери качества или формата также важна.</a:t>
-            </a:r>
-            <a:endParaRPr lang="ru-RU">
+              <a:rPr lang="ru-RU" sz="2800" dirty="0">
+                <a:ea typeface="Calibri"/>
+                <a:cs typeface="Calibri"/>
+              </a:rPr>
+              <a:t>Инструменты для создания динамичного и адаптивного контента, который бы реагировал на действия и предпочтения пользователей.</a:t>
+            </a:r>
+            <a:endParaRPr lang="ru-RU" dirty="0">
               <a:ea typeface="Calibri"/>
               <a:cs typeface="Calibri"/>
             </a:endParaRPr>
@@ -10596,12 +10652,24 @@
               <a:cs typeface="Calibri"/>
             </a:endParaRPr>
           </a:p>
+          <a:p>
+            <a:pPr marL="0" indent="0">
+              <a:spcBef>
+                <a:spcPts val="20"/>
+              </a:spcBef>
+              <a:buNone/>
+            </a:pPr>
+            <a:endParaRPr lang="ru-RU" sz="2800" b="1" dirty="0">
+              <a:ea typeface="Calibri"/>
+              <a:cs typeface="Calibri"/>
+            </a:endParaRPr>
+          </a:p>
         </p:txBody>
       </p:sp>
     </p:spTree>
     <p:extLst>
       <p:ext uri="{BB962C8B-B14F-4D97-AF65-F5344CB8AC3E}">
-        <p14:creationId xmlns:p14="http://schemas.microsoft.com/office/powerpoint/2010/main" val="298172082"/>
+        <p14:creationId xmlns:p14="http://schemas.microsoft.com/office/powerpoint/2010/main" val="2512607473"/>
       </p:ext>
     </p:extLst>
   </p:cSld>
@@ -10661,202 +10729,6 @@
                 <a:ea typeface="+mj-lt"/>
                 <a:cs typeface="+mj-lt"/>
               </a:rPr>
-              <a:t>2. </a:t>
-            </a:r>
-            <a:r>
-              <a:rPr lang="ru-RU" dirty="0">
-                <a:latin typeface="Calibri"/>
-                <a:ea typeface="+mj-lt"/>
-                <a:cs typeface="Calibri"/>
-              </a:rPr>
-              <a:t>Функциональные возможности для удовлетворения индивидуальных потребностей</a:t>
-            </a:r>
-            <a:endParaRPr lang="ru-RU" dirty="0">
-              <a:ea typeface="+mj-lt"/>
-              <a:cs typeface="+mj-lt"/>
-            </a:endParaRPr>
-          </a:p>
-          <a:p>
-            <a:pPr lvl="0"/>
-            <a:endParaRPr lang="ru-RU" dirty="0">
-              <a:ea typeface="Calibri"/>
-              <a:cs typeface="Calibri"/>
-            </a:endParaRPr>
-          </a:p>
-        </p:txBody>
-      </p:sp>
-      <p:sp>
-        <p:nvSpPr>
-          <p:cNvPr id="3" name="Объект 2"/>
-          <p:cNvSpPr>
-            <a:spLocks noGrp="1"/>
-          </p:cNvSpPr>
-          <p:nvPr>
-            <p:ph idx="1"/>
-          </p:nvPr>
-        </p:nvSpPr>
-        <p:spPr>
-          <a:xfrm>
-            <a:off x="580373" y="2448652"/>
-            <a:ext cx="8229600" cy="3750356"/>
-          </a:xfrm>
-        </p:spPr>
-        <p:txBody>
-          <a:bodyPr vert="horz" lIns="91440" tIns="45720" rIns="91440" bIns="45720" rtlCol="0" anchor="t">
-            <a:normAutofit fontScale="77500" lnSpcReduction="20000"/>
-          </a:bodyPr>
-          <a:lstStyle/>
-          <a:p>
-            <a:pPr marL="0" indent="0">
-              <a:spcBef>
-                <a:spcPts val="20"/>
-              </a:spcBef>
-              <a:buNone/>
-            </a:pPr>
-            <a:r>
-              <a:rPr lang="ru-RU" sz="2800" b="1" dirty="0">
-                <a:ea typeface="Calibri"/>
-                <a:cs typeface="Calibri"/>
-              </a:rPr>
-              <a:t>Детализация:</a:t>
-            </a:r>
-            <a:endParaRPr lang="ru-RU" dirty="0"/>
-          </a:p>
-          <a:p>
-            <a:pPr marL="0" indent="0">
-              <a:spcBef>
-                <a:spcPts val="20"/>
-              </a:spcBef>
-              <a:buNone/>
-            </a:pPr>
-            <a:endParaRPr lang="ru-RU" sz="2800" b="1" dirty="0">
-              <a:ea typeface="Calibri"/>
-              <a:cs typeface="Calibri"/>
-            </a:endParaRPr>
-          </a:p>
-          <a:p>
-            <a:pPr marL="457200" indent="-457200"/>
-            <a:r>
-              <a:rPr lang="ru-RU" sz="2800" dirty="0">
-                <a:ea typeface="Calibri"/>
-                <a:cs typeface="Calibri"/>
-              </a:rPr>
-              <a:t>Каждый тренер или преподаватель имеет свою уникальную методику и подход к обучению. Им нужен инструмент, который будет достаточно гибким, чтобы соответствовать их индивидуальным требованиям.</a:t>
-            </a:r>
-          </a:p>
-          <a:p>
-            <a:pPr marL="457200" indent="-457200"/>
-            <a:r>
-              <a:rPr lang="ru-RU" sz="2800" dirty="0">
-                <a:ea typeface="Calibri"/>
-                <a:cs typeface="Calibri"/>
-              </a:rPr>
-              <a:t>Возможность настройки шаблонов, добавления мультимедийных элементов, интеграции интерактивных заданий и тестов.</a:t>
-            </a:r>
-          </a:p>
-          <a:p>
-            <a:pPr marL="457200" indent="-457200"/>
-            <a:r>
-              <a:rPr lang="ru-RU" sz="2800" dirty="0">
-                <a:ea typeface="Calibri"/>
-                <a:cs typeface="Calibri"/>
-              </a:rPr>
-              <a:t>Инструменты для создания динамичного и адаптивного контента, который бы реагировал на действия и предпочтения пользователей.</a:t>
-            </a:r>
-            <a:endParaRPr lang="ru-RU" dirty="0">
-              <a:ea typeface="Calibri"/>
-              <a:cs typeface="Calibri"/>
-            </a:endParaRPr>
-          </a:p>
-          <a:p>
-            <a:pPr marL="0" indent="0">
-              <a:spcBef>
-                <a:spcPts val="20"/>
-              </a:spcBef>
-              <a:buNone/>
-            </a:pPr>
-            <a:endParaRPr lang="ru-RU" sz="2800" b="1" dirty="0">
-              <a:ea typeface="Calibri"/>
-              <a:cs typeface="Calibri"/>
-            </a:endParaRPr>
-          </a:p>
-          <a:p>
-            <a:pPr marL="0" indent="0">
-              <a:spcBef>
-                <a:spcPts val="20"/>
-              </a:spcBef>
-              <a:buNone/>
-            </a:pPr>
-            <a:endParaRPr lang="ru-RU" sz="2800" b="1" dirty="0">
-              <a:ea typeface="Calibri"/>
-              <a:cs typeface="Calibri"/>
-            </a:endParaRPr>
-          </a:p>
-        </p:txBody>
-      </p:sp>
-    </p:spTree>
-    <p:extLst>
-      <p:ext uri="{BB962C8B-B14F-4D97-AF65-F5344CB8AC3E}">
-        <p14:creationId xmlns:p14="http://schemas.microsoft.com/office/powerpoint/2010/main" val="2512607473"/>
-      </p:ext>
-    </p:extLst>
-  </p:cSld>
-  <p:clrMapOvr>
-    <a:masterClrMapping/>
-  </p:clrMapOvr>
-</p:sld>
-</file>
-
-<file path=ppt/slides/slide46.xml><?xml version="1.0" encoding="utf-8"?>
-<p:sld xmlns:a="http://schemas.openxmlformats.org/drawingml/2006/main" xmlns:r="http://schemas.openxmlformats.org/officeDocument/2006/relationships" xmlns:p="http://schemas.openxmlformats.org/presentationml/2006/main">
-  <p:cSld>
-    <p:spTree>
-      <p:nvGrpSpPr>
-        <p:cNvPr id="1" name=""/>
-        <p:cNvGrpSpPr/>
-        <p:nvPr/>
-      </p:nvGrpSpPr>
-      <p:grpSpPr>
-        <a:xfrm>
-          <a:off x="0" y="0"/>
-          <a:ext cx="0" cy="0"/>
-          <a:chOff x="0" y="0"/>
-          <a:chExt cx="0" cy="0"/>
-        </a:xfrm>
-      </p:grpSpPr>
-      <p:sp>
-        <p:nvSpPr>
-          <p:cNvPr id="2" name="Заголовок 1"/>
-          <p:cNvSpPr>
-            <a:spLocks noGrp="1"/>
-          </p:cNvSpPr>
-          <p:nvPr>
-            <p:ph type="title"/>
-          </p:nvPr>
-        </p:nvSpPr>
-        <p:spPr>
-          <a:xfrm>
-            <a:off x="457200" y="713468"/>
-            <a:ext cx="8229600" cy="1143000"/>
-          </a:xfrm>
-        </p:spPr>
-        <p:txBody>
-          <a:bodyPr vert="horz" lIns="91440" tIns="45720" rIns="91440" bIns="45720" rtlCol="0" anchor="ctr">
-            <a:noAutofit/>
-          </a:bodyPr>
-          <a:lstStyle/>
-          <a:p>
-            <a:br>
-              <a:rPr lang="ru-RU" dirty="0">
-                <a:ea typeface="+mj-lt"/>
-                <a:cs typeface="+mj-lt"/>
-              </a:rPr>
-            </a:br>
-            <a:r>
-              <a:rPr lang="ru-RU" dirty="0">
-                <a:ea typeface="+mj-lt"/>
-                <a:cs typeface="+mj-lt"/>
-              </a:rPr>
               <a:t>3. </a:t>
             </a:r>
             <a:r>
@@ -10995,7 +10867,7 @@
 </p:sld>
 </file>
 
-<file path=ppt/slides/slide47.xml><?xml version="1.0" encoding="utf-8"?>
+<file path=ppt/slides/slide46.xml><?xml version="1.0" encoding="utf-8"?>
 <p:sld xmlns:a="http://schemas.openxmlformats.org/drawingml/2006/main" xmlns:r="http://schemas.openxmlformats.org/officeDocument/2006/relationships" xmlns:p="http://schemas.openxmlformats.org/presentationml/2006/main">
   <p:cSld>
     <p:bg>
@@ -11063,7 +10935,7 @@
 </p:sld>
 </file>
 
-<file path=ppt/slides/slide48.xml><?xml version="1.0" encoding="utf-8"?>
+<file path=ppt/slides/slide47.xml><?xml version="1.0" encoding="utf-8"?>
 <p:sld xmlns:a="http://schemas.openxmlformats.org/drawingml/2006/main" xmlns:r="http://schemas.openxmlformats.org/officeDocument/2006/relationships" xmlns:p="http://schemas.openxmlformats.org/presentationml/2006/main">
   <p:cSld>
     <p:spTree>
@@ -11206,6 +11078,189 @@
     <p:extLst>
       <p:ext uri="{BB962C8B-B14F-4D97-AF65-F5344CB8AC3E}">
         <p14:creationId xmlns:p14="http://schemas.microsoft.com/office/powerpoint/2010/main" val="21921973"/>
+      </p:ext>
+    </p:extLst>
+  </p:cSld>
+  <p:clrMapOvr>
+    <a:masterClrMapping/>
+  </p:clrMapOvr>
+</p:sld>
+</file>
+
+<file path=ppt/slides/slide48.xml><?xml version="1.0" encoding="utf-8"?>
+<p:sld xmlns:a="http://schemas.openxmlformats.org/drawingml/2006/main" xmlns:r="http://schemas.openxmlformats.org/officeDocument/2006/relationships" xmlns:p="http://schemas.openxmlformats.org/presentationml/2006/main">
+  <p:cSld>
+    <p:spTree>
+      <p:nvGrpSpPr>
+        <p:cNvPr id="1" name=""/>
+        <p:cNvGrpSpPr/>
+        <p:nvPr/>
+      </p:nvGrpSpPr>
+      <p:grpSpPr>
+        <a:xfrm>
+          <a:off x="0" y="0"/>
+          <a:ext cx="0" cy="0"/>
+          <a:chOff x="0" y="0"/>
+          <a:chExt cx="0" cy="0"/>
+        </a:xfrm>
+      </p:grpSpPr>
+      <p:sp>
+        <p:nvSpPr>
+          <p:cNvPr id="2" name="Заголовок 1"/>
+          <p:cNvSpPr>
+            <a:spLocks noGrp="1"/>
+          </p:cNvSpPr>
+          <p:nvPr>
+            <p:ph type="title"/>
+          </p:nvPr>
+        </p:nvSpPr>
+        <p:spPr>
+          <a:xfrm>
+            <a:off x="457200" y="713468"/>
+            <a:ext cx="8229600" cy="1143000"/>
+          </a:xfrm>
+        </p:spPr>
+        <p:txBody>
+          <a:bodyPr vert="horz" lIns="91440" tIns="45720" rIns="91440" bIns="45720" rtlCol="0" anchor="ctr">
+            <a:noAutofit/>
+          </a:bodyPr>
+          <a:lstStyle/>
+          <a:p>
+            <a:br>
+              <a:rPr lang="ru-RU" dirty="0">
+                <a:ea typeface="+mj-lt"/>
+                <a:cs typeface="+mj-lt"/>
+              </a:rPr>
+            </a:br>
+            <a:r>
+              <a:rPr lang="ru-RU" dirty="0">
+                <a:ea typeface="+mj-lt"/>
+                <a:cs typeface="+mj-lt"/>
+              </a:rPr>
+              <a:t>1. Быстрое и качественное создание учебных и интеграционных материалов</a:t>
+            </a:r>
+            <a:endParaRPr lang="ru-RU" dirty="0">
+              <a:latin typeface="Calibri"/>
+              <a:ea typeface="+mj-lt"/>
+              <a:cs typeface="Calibri"/>
+            </a:endParaRPr>
+          </a:p>
+          <a:p>
+            <a:pPr lvl="0"/>
+            <a:endParaRPr lang="ru-RU" dirty="0">
+              <a:ea typeface="Calibri"/>
+              <a:cs typeface="Calibri"/>
+            </a:endParaRPr>
+          </a:p>
+        </p:txBody>
+      </p:sp>
+      <p:sp>
+        <p:nvSpPr>
+          <p:cNvPr id="3" name="Объект 2"/>
+          <p:cNvSpPr>
+            <a:spLocks noGrp="1"/>
+          </p:cNvSpPr>
+          <p:nvPr>
+            <p:ph idx="1"/>
+          </p:nvPr>
+        </p:nvSpPr>
+        <p:spPr>
+          <a:xfrm>
+            <a:off x="498730" y="2499678"/>
+            <a:ext cx="8229600" cy="3750356"/>
+          </a:xfrm>
+        </p:spPr>
+        <p:txBody>
+          <a:bodyPr vert="horz" lIns="91440" tIns="45720" rIns="91440" bIns="45720" rtlCol="0" anchor="t">
+            <a:normAutofit/>
+          </a:bodyPr>
+          <a:lstStyle/>
+          <a:p>
+            <a:pPr marL="0" indent="0">
+              <a:spcBef>
+                <a:spcPts val="20"/>
+              </a:spcBef>
+              <a:buNone/>
+            </a:pPr>
+            <a:r>
+              <a:rPr lang="ru-RU" sz="2800" b="1" dirty="0">
+                <a:ea typeface="+mn-lt"/>
+                <a:cs typeface="+mn-lt"/>
+              </a:rPr>
+              <a:t>Детализация:</a:t>
+            </a:r>
+            <a:endParaRPr lang="ru-RU" sz="2800" dirty="0"/>
+          </a:p>
+          <a:p>
+            <a:pPr marL="0" indent="0">
+              <a:spcBef>
+                <a:spcPts val="20"/>
+              </a:spcBef>
+              <a:buNone/>
+            </a:pPr>
+            <a:endParaRPr lang="ru-RU" sz="2800" b="1" dirty="0">
+              <a:ea typeface="+mn-lt"/>
+              <a:cs typeface="+mn-lt"/>
+            </a:endParaRPr>
+          </a:p>
+          <a:p>
+            <a:pPr marL="457200" indent="-457200"/>
+            <a:r>
+              <a:rPr lang="ru-RU" sz="2800" dirty="0">
+                <a:ea typeface="+mn-lt"/>
+                <a:cs typeface="+mn-lt"/>
+              </a:rPr>
+              <a:t>Автоматизация рутинных процессов создания материалов.</a:t>
+            </a:r>
+            <a:endParaRPr lang="ru-RU" sz="2800" dirty="0">
+              <a:ea typeface="Calibri"/>
+              <a:cs typeface="Calibri"/>
+            </a:endParaRPr>
+          </a:p>
+          <a:p>
+            <a:pPr marL="457200" indent="-457200"/>
+            <a:r>
+              <a:rPr lang="ru-RU" sz="2800" dirty="0">
+                <a:ea typeface="+mn-lt"/>
+                <a:cs typeface="+mn-lt"/>
+              </a:rPr>
+              <a:t>Возможность получения высококачественных материалов без потери времени на многократные правки и корректировки.</a:t>
+            </a:r>
+            <a:endParaRPr lang="ru-RU" sz="2800" dirty="0">
+              <a:ea typeface="Calibri"/>
+              <a:cs typeface="Calibri"/>
+            </a:endParaRPr>
+          </a:p>
+          <a:p>
+            <a:pPr marL="0" indent="0">
+              <a:spcBef>
+                <a:spcPts val="20"/>
+              </a:spcBef>
+              <a:buNone/>
+            </a:pPr>
+            <a:endParaRPr lang="ru-RU" sz="2800" b="1" dirty="0">
+              <a:ea typeface="Calibri"/>
+              <a:cs typeface="Calibri"/>
+            </a:endParaRPr>
+          </a:p>
+          <a:p>
+            <a:pPr marL="0" indent="0">
+              <a:spcBef>
+                <a:spcPts val="20"/>
+              </a:spcBef>
+              <a:buNone/>
+            </a:pPr>
+            <a:endParaRPr lang="ru-RU" sz="2800" b="1" dirty="0">
+              <a:ea typeface="Calibri"/>
+              <a:cs typeface="Calibri"/>
+            </a:endParaRPr>
+          </a:p>
+        </p:txBody>
+      </p:sp>
+    </p:spTree>
+    <p:extLst>
+      <p:ext uri="{BB962C8B-B14F-4D97-AF65-F5344CB8AC3E}">
+        <p14:creationId xmlns:p14="http://schemas.microsoft.com/office/powerpoint/2010/main" val="2308377980"/>
       </p:ext>
     </p:extLst>
   </p:cSld>
@@ -11265,13 +11320,16 @@
                 <a:ea typeface="+mj-lt"/>
                 <a:cs typeface="+mj-lt"/>
               </a:rPr>
-              <a:t>1. Быстрое и качественное создание учебных и интеграционных материалов</a:t>
-            </a:r>
-            <a:endParaRPr lang="ru-RU" dirty="0">
-              <a:latin typeface="Calibri"/>
-              <a:ea typeface="+mj-lt"/>
-              <a:cs typeface="Calibri"/>
-            </a:endParaRPr>
+              <a:t>2. </a:t>
+            </a:r>
+            <a:r>
+              <a:rPr lang="ru-RU" dirty="0">
+                <a:latin typeface="Calibri"/>
+                <a:ea typeface="+mj-lt"/>
+                <a:cs typeface="Calibri"/>
+              </a:rPr>
+              <a:t>Привлекательное и мотивирующее обучение</a:t>
+            </a:r>
           </a:p>
           <a:p>
             <a:pPr lvl="0"/>
@@ -11338,21 +11396,35 @@
                 <a:ea typeface="+mn-lt"/>
                 <a:cs typeface="+mn-lt"/>
               </a:rPr>
-              <a:t>Автоматизация рутинных процессов создания материалов.</a:t>
-            </a:r>
-            <a:endParaRPr lang="ru-RU" sz="2800" dirty="0">
-              <a:ea typeface="Calibri"/>
-              <a:cs typeface="Calibri"/>
-            </a:endParaRPr>
-          </a:p>
-          <a:p>
-            <a:pPr marL="457200" indent="-457200"/>
+              <a:t>Разнообразные мультимедийные форматы, от видео до интерактивных </a:t>
+            </a:r>
+            <a:r>
+              <a:rPr lang="ru-RU" sz="2800" dirty="0" err="1">
+                <a:ea typeface="+mn-lt"/>
+                <a:cs typeface="+mn-lt"/>
+              </a:rPr>
+              <a:t>квизов</a:t>
+            </a:r>
             <a:r>
               <a:rPr lang="ru-RU" sz="2800" dirty="0">
                 <a:ea typeface="+mn-lt"/>
                 <a:cs typeface="+mn-lt"/>
               </a:rPr>
-              <a:t>Возможность получения высококачественных материалов без потери времени на многократные правки и корректировки.</a:t>
+              <a:t>, удерживают внимание обучаемого.</a:t>
+            </a:r>
+            <a:endParaRPr lang="ru-RU" sz="2800">
+              <a:ea typeface="Calibri"/>
+              <a:cs typeface="Calibri"/>
+            </a:endParaRPr>
+          </a:p>
+          <a:p>
+            <a:pPr marL="457200" indent="-457200"/>
+            <a:r>
+              <a:rPr lang="ru-RU" sz="2800" dirty="0">
+                <a:ea typeface="+mn-lt"/>
+                <a:cs typeface="+mn-lt"/>
+              </a:rPr>
+              <a:t>Адаптивность материалов под индивидуальные потребности учащихся.</a:t>
             </a:r>
             <a:endParaRPr lang="ru-RU" sz="2800" dirty="0">
               <a:ea typeface="Calibri"/>
@@ -11388,7 +11460,7 @@
     </p:spTree>
     <p:extLst>
       <p:ext uri="{BB962C8B-B14F-4D97-AF65-F5344CB8AC3E}">
-        <p14:creationId xmlns:p14="http://schemas.microsoft.com/office/powerpoint/2010/main" val="2308377980"/>
+        <p14:creationId xmlns:p14="http://schemas.microsoft.com/office/powerpoint/2010/main" val="3919631826"/>
       </p:ext>
     </p:extLst>
   </p:cSld>
@@ -11594,7 +11666,7 @@
                 <a:ea typeface="+mj-lt"/>
                 <a:cs typeface="+mj-lt"/>
               </a:rPr>
-              <a:t>2. </a:t>
+              <a:t>3. </a:t>
             </a:r>
             <a:r>
               <a:rPr lang="ru-RU" dirty="0">
@@ -11602,7 +11674,7 @@
                 <a:ea typeface="+mj-lt"/>
                 <a:cs typeface="Calibri"/>
               </a:rPr>
-              <a:t>Привлекательное и мотивирующее обучение</a:t>
+              <a:t>Глубокий контроль и адаптивность учебного процесса</a:t>
             </a:r>
           </a:p>
           <a:p>
@@ -11670,35 +11742,21 @@
                 <a:ea typeface="+mn-lt"/>
                 <a:cs typeface="+mn-lt"/>
               </a:rPr>
-              <a:t>Разнообразные мультимедийные форматы, от видео до интерактивных </a:t>
-            </a:r>
-            <a:r>
-              <a:rPr lang="ru-RU" sz="2800" dirty="0" err="1">
-                <a:ea typeface="+mn-lt"/>
-                <a:cs typeface="+mn-lt"/>
-              </a:rPr>
-              <a:t>квизов</a:t>
-            </a:r>
+              <a:t>Возможность редактирования и адаптации материалов в реальном времени.</a:t>
+            </a:r>
+            <a:endParaRPr lang="ru-RU" sz="2800">
+              <a:ea typeface="Calibri"/>
+              <a:cs typeface="Calibri"/>
+            </a:endParaRPr>
+          </a:p>
+          <a:p>
+            <a:pPr marL="457200" indent="-457200"/>
             <a:r>
               <a:rPr lang="ru-RU" sz="2800" dirty="0">
                 <a:ea typeface="+mn-lt"/>
                 <a:cs typeface="+mn-lt"/>
               </a:rPr>
-              <a:t>, удерживают внимание обучаемого.</a:t>
-            </a:r>
-            <a:endParaRPr lang="ru-RU" sz="2800">
-              <a:ea typeface="Calibri"/>
-              <a:cs typeface="Calibri"/>
-            </a:endParaRPr>
-          </a:p>
-          <a:p>
-            <a:pPr marL="457200" indent="-457200"/>
-            <a:r>
-              <a:rPr lang="ru-RU" sz="2800" dirty="0">
-                <a:ea typeface="+mn-lt"/>
-                <a:cs typeface="+mn-lt"/>
-              </a:rPr>
-              <a:t>Адаптивность материалов под индивидуальные потребности учащихся.</a:t>
+              <a:t>Гибкая система отчетности и мониторинга прогресса студентов.</a:t>
             </a:r>
             <a:endParaRPr lang="ru-RU" sz="2800" dirty="0">
               <a:ea typeface="Calibri"/>
@@ -11734,7 +11792,7 @@
     </p:spTree>
     <p:extLst>
       <p:ext uri="{BB962C8B-B14F-4D97-AF65-F5344CB8AC3E}">
-        <p14:creationId xmlns:p14="http://schemas.microsoft.com/office/powerpoint/2010/main" val="3919631826"/>
+        <p14:creationId xmlns:p14="http://schemas.microsoft.com/office/powerpoint/2010/main" val="3056995490"/>
       </p:ext>
     </p:extLst>
   </p:cSld>
@@ -11794,7 +11852,7 @@
                 <a:ea typeface="+mj-lt"/>
                 <a:cs typeface="+mj-lt"/>
               </a:rPr>
-              <a:t>3. </a:t>
+              <a:t>4. </a:t>
             </a:r>
             <a:r>
               <a:rPr lang="ru-RU" dirty="0">
@@ -11802,12 +11860,17 @@
                 <a:ea typeface="+mj-lt"/>
                 <a:cs typeface="Calibri"/>
               </a:rPr>
-              <a:t>Глубокий контроль и адаптивность учебного процесса</a:t>
-            </a:r>
-          </a:p>
-          <a:p>
-            <a:pPr lvl="0"/>
-            <a:endParaRPr lang="ru-RU" dirty="0">
+              <a:t>Значительное сокращение времени на подготовку и управление материалами</a:t>
+            </a:r>
+            <a:br>
+              <a:rPr lang="ru-RU" dirty="0">
+                <a:latin typeface="Calibri"/>
+                <a:ea typeface="+mj-lt"/>
+                <a:cs typeface="Calibri"/>
+              </a:rPr>
+            </a:br>
+            <a:endParaRPr lang="ru-RU">
+              <a:latin typeface="Calibri"/>
               <a:ea typeface="Calibri"/>
               <a:cs typeface="Calibri"/>
             </a:endParaRPr>
@@ -11844,12 +11907,12 @@
             </a:pPr>
             <a:r>
               <a:rPr lang="ru-RU" sz="2800" b="1" dirty="0">
-                <a:ea typeface="+mn-lt"/>
-                <a:cs typeface="+mn-lt"/>
+                <a:ea typeface="Calibri"/>
+                <a:cs typeface="Calibri"/>
               </a:rPr>
               <a:t>Детализация:</a:t>
             </a:r>
-            <a:endParaRPr lang="ru-RU" sz="2800" dirty="0"/>
+            <a:endParaRPr lang="ru-RU" dirty="0"/>
           </a:p>
           <a:p>
             <a:pPr marL="0" indent="0">
@@ -11859,20 +11922,20 @@
               <a:buNone/>
             </a:pPr>
             <a:endParaRPr lang="ru-RU" sz="2800" b="1" dirty="0">
-              <a:ea typeface="+mn-lt"/>
-              <a:cs typeface="+mn-lt"/>
+              <a:ea typeface="Calibri"/>
+              <a:cs typeface="Calibri"/>
             </a:endParaRPr>
           </a:p>
           <a:p>
             <a:pPr marL="457200" indent="-457200"/>
             <a:r>
-              <a:rPr lang="ru-RU" sz="2800" dirty="0">
-                <a:ea typeface="+mn-lt"/>
-                <a:cs typeface="+mn-lt"/>
-              </a:rPr>
-              <a:t>Возможность редактирования и адаптации материалов в реальном времени.</a:t>
-            </a:r>
-            <a:endParaRPr lang="ru-RU" sz="2800">
+              <a:rPr lang="ru-RU" sz="2800">
+                <a:ea typeface="Calibri"/>
+                <a:cs typeface="Calibri"/>
+              </a:rPr>
+              <a:t>Автоматизированные процессы и интегрированные решения уменьшают ручной труд.</a:t>
+            </a:r>
+            <a:endParaRPr lang="ru-RU">
               <a:ea typeface="Calibri"/>
               <a:cs typeface="Calibri"/>
             </a:endParaRPr>
@@ -11880,13 +11943,13 @@
           <a:p>
             <a:pPr marL="457200" indent="-457200"/>
             <a:r>
-              <a:rPr lang="ru-RU" sz="2800" dirty="0">
-                <a:ea typeface="+mn-lt"/>
-                <a:cs typeface="+mn-lt"/>
-              </a:rPr>
-              <a:t>Гибкая система отчетности и мониторинга прогресса студентов.</a:t>
-            </a:r>
-            <a:endParaRPr lang="ru-RU" sz="2800" dirty="0">
+              <a:rPr lang="ru-RU" sz="2800">
+                <a:ea typeface="Calibri"/>
+                <a:cs typeface="Calibri"/>
+              </a:rPr>
+              <a:t>Шаблоны и готовые модули позволяют быстро создавать новые материалы.</a:t>
+            </a:r>
+            <a:endParaRPr lang="ru-RU">
               <a:ea typeface="Calibri"/>
               <a:cs typeface="Calibri"/>
             </a:endParaRPr>
@@ -11903,24 +11966,12 @@
               <a:cs typeface="Calibri"/>
             </a:endParaRPr>
           </a:p>
-          <a:p>
-            <a:pPr marL="0" indent="0">
-              <a:spcBef>
-                <a:spcPts val="20"/>
-              </a:spcBef>
-              <a:buNone/>
-            </a:pPr>
-            <a:endParaRPr lang="ru-RU" sz="2800" b="1" dirty="0">
-              <a:ea typeface="Calibri"/>
-              <a:cs typeface="Calibri"/>
-            </a:endParaRPr>
-          </a:p>
         </p:txBody>
       </p:sp>
     </p:spTree>
     <p:extLst>
       <p:ext uri="{BB962C8B-B14F-4D97-AF65-F5344CB8AC3E}">
-        <p14:creationId xmlns:p14="http://schemas.microsoft.com/office/powerpoint/2010/main" val="3056995490"/>
+        <p14:creationId xmlns:p14="http://schemas.microsoft.com/office/powerpoint/2010/main" val="3605239746"/>
       </p:ext>
     </p:extLst>
   </p:cSld>
@@ -11959,147 +12010,120 @@
         </p:nvSpPr>
         <p:spPr>
           <a:xfrm>
-            <a:off x="457200" y="713468"/>
+            <a:off x="630830" y="2748030"/>
             <a:ext cx="8229600" cy="1143000"/>
           </a:xfrm>
         </p:spPr>
         <p:txBody>
-          <a:bodyPr vert="horz" lIns="91440" tIns="45720" rIns="91440" bIns="45720" rtlCol="0" anchor="ctr">
-            <a:noAutofit/>
-          </a:bodyPr>
-          <a:lstStyle/>
-          <a:p>
-            <a:br>
-              <a:rPr lang="ru-RU" dirty="0">
-                <a:ea typeface="+mj-lt"/>
-                <a:cs typeface="+mj-lt"/>
-              </a:rPr>
-            </a:br>
-            <a:r>
-              <a:rPr lang="ru-RU" dirty="0">
-                <a:ea typeface="+mj-lt"/>
-                <a:cs typeface="+mj-lt"/>
-              </a:rPr>
-              <a:t>4. </a:t>
-            </a:r>
-            <a:r>
-              <a:rPr lang="ru-RU" dirty="0">
-                <a:latin typeface="Calibri"/>
-                <a:ea typeface="+mj-lt"/>
-                <a:cs typeface="Calibri"/>
-              </a:rPr>
-              <a:t>Значительное сокращение времени на подготовку и управление материалами</a:t>
-            </a:r>
-            <a:br>
-              <a:rPr lang="ru-RU" dirty="0">
-                <a:latin typeface="Calibri"/>
-                <a:ea typeface="+mj-lt"/>
-                <a:cs typeface="Calibri"/>
-              </a:rPr>
-            </a:br>
-            <a:endParaRPr lang="ru-RU">
-              <a:latin typeface="Calibri"/>
-              <a:ea typeface="Calibri"/>
-              <a:cs typeface="Calibri"/>
-            </a:endParaRPr>
-          </a:p>
-        </p:txBody>
-      </p:sp>
-      <p:sp>
-        <p:nvSpPr>
-          <p:cNvPr id="3" name="Объект 2"/>
-          <p:cNvSpPr>
-            <a:spLocks noGrp="1"/>
-          </p:cNvSpPr>
-          <p:nvPr>
-            <p:ph idx="1"/>
-          </p:nvPr>
-        </p:nvSpPr>
-        <p:spPr>
-          <a:xfrm>
-            <a:off x="498730" y="2499678"/>
-            <a:ext cx="8229600" cy="3750356"/>
-          </a:xfrm>
-        </p:spPr>
-        <p:txBody>
-          <a:bodyPr vert="horz" lIns="91440" tIns="45720" rIns="91440" bIns="45720" rtlCol="0" anchor="t">
+          <a:bodyPr>
             <a:normAutofit/>
           </a:bodyPr>
           <a:lstStyle/>
           <a:p>
-            <a:pPr marL="0" indent="0">
-              <a:spcBef>
-                <a:spcPts val="20"/>
-              </a:spcBef>
-              <a:buNone/>
-            </a:pPr>
-            <a:r>
-              <a:rPr lang="ru-RU" sz="2800" b="1" dirty="0">
-                <a:ea typeface="Calibri"/>
-                <a:cs typeface="Calibri"/>
-              </a:rPr>
-              <a:t>Детализация:</a:t>
-            </a:r>
-            <a:endParaRPr lang="ru-RU" dirty="0"/>
-          </a:p>
-          <a:p>
-            <a:pPr marL="0" indent="0">
-              <a:spcBef>
-                <a:spcPts val="20"/>
-              </a:spcBef>
-              <a:buNone/>
-            </a:pPr>
-            <a:endParaRPr lang="ru-RU" sz="2800" b="1" dirty="0">
-              <a:ea typeface="Calibri"/>
-              <a:cs typeface="Calibri"/>
-            </a:endParaRPr>
-          </a:p>
-          <a:p>
-            <a:pPr marL="457200" indent="-457200"/>
-            <a:r>
-              <a:rPr lang="ru-RU" sz="2800">
-                <a:ea typeface="Calibri"/>
-                <a:cs typeface="Calibri"/>
-              </a:rPr>
-              <a:t>Автоматизированные процессы и интегрированные решения уменьшают ручной труд.</a:t>
-            </a:r>
-            <a:endParaRPr lang="ru-RU">
-              <a:ea typeface="Calibri"/>
-              <a:cs typeface="Calibri"/>
-            </a:endParaRPr>
-          </a:p>
-          <a:p>
-            <a:pPr marL="457200" indent="-457200"/>
-            <a:r>
-              <a:rPr lang="ru-RU" sz="2800">
-                <a:ea typeface="Calibri"/>
-                <a:cs typeface="Calibri"/>
-              </a:rPr>
-              <a:t>Шаблоны и готовые модули позволяют быстро создавать новые материалы.</a:t>
-            </a:r>
-            <a:endParaRPr lang="ru-RU">
-              <a:ea typeface="Calibri"/>
-              <a:cs typeface="Calibri"/>
-            </a:endParaRPr>
-          </a:p>
-          <a:p>
-            <a:pPr marL="0" indent="0">
-              <a:spcBef>
-                <a:spcPts val="20"/>
-              </a:spcBef>
-              <a:buNone/>
-            </a:pPr>
-            <a:endParaRPr lang="ru-RU" sz="2800" b="1" dirty="0">
-              <a:ea typeface="Calibri"/>
-              <a:cs typeface="Calibri"/>
-            </a:endParaRPr>
-          </a:p>
-        </p:txBody>
-      </p:sp>
+            <a:r>
+              <a:rPr lang="ru-RU" b="1" dirty="0">
+                <a:ea typeface="Calibri"/>
+                <a:cs typeface="Calibri"/>
+              </a:rPr>
+              <a:t>ХАРАКТЕРИСТИКИ</a:t>
+            </a:r>
+          </a:p>
+        </p:txBody>
+      </p:sp>
+      <p:pic>
+        <p:nvPicPr>
+          <p:cNvPr id="6" name="Рисунок 5" descr="Изображение выглядит как снимок экрана, диаграмма, дизайн&#10;&#10;Автоматически созданное описание">
+            <a:extLst>
+              <a:ext uri="{FF2B5EF4-FFF2-40B4-BE49-F238E27FC236}">
+                <a16:creationId xmlns:a16="http://schemas.microsoft.com/office/drawing/2014/main" id="{CD63F0C2-0D07-2CAE-8FE1-40A7DEC01991}"/>
+              </a:ext>
+            </a:extLst>
+          </p:cNvPr>
+          <p:cNvPicPr>
+            <a:picLocks noChangeAspect="1"/>
+          </p:cNvPicPr>
+          <p:nvPr/>
+        </p:nvPicPr>
+        <p:blipFill>
+          <a:blip r:embed="rId2"/>
+          <a:stretch>
+            <a:fillRect/>
+          </a:stretch>
+        </p:blipFill>
+        <p:spPr>
+          <a:xfrm>
+            <a:off x="5875989" y="3991825"/>
+            <a:ext cx="2308452" cy="2308452"/>
+          </a:xfrm>
+          <a:prstGeom prst="rect">
+            <a:avLst/>
+          </a:prstGeom>
+        </p:spPr>
+      </p:pic>
+      <p:pic>
+        <p:nvPicPr>
+          <p:cNvPr id="7" name="Рисунок 6" descr="Изображение выглядит как символ, Графика, Шрифт, логотип&#10;&#10;Автоматически созданное описание">
+            <a:extLst>
+              <a:ext uri="{FF2B5EF4-FFF2-40B4-BE49-F238E27FC236}">
+                <a16:creationId xmlns:a16="http://schemas.microsoft.com/office/drawing/2014/main" id="{ACD164B1-EC70-5F3A-2B29-A7A00C3FBE7A}"/>
+              </a:ext>
+            </a:extLst>
+          </p:cNvPr>
+          <p:cNvPicPr>
+            <a:picLocks noChangeAspect="1"/>
+          </p:cNvPicPr>
+          <p:nvPr/>
+        </p:nvPicPr>
+        <p:blipFill>
+          <a:blip r:embed="rId3"/>
+          <a:stretch>
+            <a:fillRect/>
+          </a:stretch>
+        </p:blipFill>
+        <p:spPr>
+          <a:xfrm>
+            <a:off x="675085" y="4051782"/>
+            <a:ext cx="2032908" cy="2043113"/>
+          </a:xfrm>
+          <a:prstGeom prst="rect">
+            <a:avLst/>
+          </a:prstGeom>
+        </p:spPr>
+      </p:pic>
+      <p:pic>
+        <p:nvPicPr>
+          <p:cNvPr id="8" name="Рисунок 7" descr="Изображение выглядит как графическая вставка, Графика, снимок экрана, мультфильм&#10;&#10;Автоматически созданное описание">
+            <a:extLst>
+              <a:ext uri="{FF2B5EF4-FFF2-40B4-BE49-F238E27FC236}">
+                <a16:creationId xmlns:a16="http://schemas.microsoft.com/office/drawing/2014/main" id="{CF407CC3-AC60-1FFF-7A5A-908D0BBC021A}"/>
+              </a:ext>
+            </a:extLst>
+          </p:cNvPr>
+          <p:cNvPicPr>
+            <a:picLocks noChangeAspect="1"/>
+          </p:cNvPicPr>
+          <p:nvPr/>
+        </p:nvPicPr>
+        <p:blipFill>
+          <a:blip r:embed="rId4"/>
+          <a:stretch>
+            <a:fillRect/>
+          </a:stretch>
+        </p:blipFill>
+        <p:spPr>
+          <a:xfrm>
+            <a:off x="1610150" y="274523"/>
+            <a:ext cx="2022702" cy="2032908"/>
+          </a:xfrm>
+          <a:prstGeom prst="rect">
+            <a:avLst/>
+          </a:prstGeom>
+        </p:spPr>
+      </p:pic>
     </p:spTree>
     <p:extLst>
       <p:ext uri="{BB962C8B-B14F-4D97-AF65-F5344CB8AC3E}">
-        <p14:creationId xmlns:p14="http://schemas.microsoft.com/office/powerpoint/2010/main" val="3605239746"/>
+        <p14:creationId xmlns:p14="http://schemas.microsoft.com/office/powerpoint/2010/main" val="3067261097"/>
       </p:ext>
     </p:extLst>
   </p:cSld>
@@ -12138,120 +12162,151 @@
         </p:nvSpPr>
         <p:spPr>
           <a:xfrm>
-            <a:off x="630830" y="2748030"/>
+            <a:off x="457200" y="713468"/>
             <a:ext cx="8229600" cy="1143000"/>
           </a:xfrm>
         </p:spPr>
         <p:txBody>
-          <a:bodyPr>
+          <a:bodyPr vert="horz" lIns="91440" tIns="45720" rIns="91440" bIns="45720" rtlCol="0" anchor="ctr">
+            <a:noAutofit/>
+          </a:bodyPr>
+          <a:lstStyle/>
+          <a:p>
+            <a:br>
+              <a:rPr lang="ru-RU" dirty="0">
+                <a:ea typeface="+mj-lt"/>
+                <a:cs typeface="+mj-lt"/>
+              </a:rPr>
+            </a:br>
+            <a:r>
+              <a:rPr lang="ru-RU" dirty="0">
+                <a:ea typeface="+mj-lt"/>
+                <a:cs typeface="+mj-lt"/>
+              </a:rPr>
+              <a:t>1. Современные инструменты для структурирования информации</a:t>
+            </a:r>
+            <a:endParaRPr lang="ru-RU" dirty="0">
+              <a:latin typeface="Calibri"/>
+              <a:ea typeface="+mj-lt"/>
+              <a:cs typeface="Calibri"/>
+            </a:endParaRPr>
+          </a:p>
+          <a:p>
+            <a:pPr lvl="0"/>
+            <a:endParaRPr lang="ru-RU" dirty="0">
+              <a:ea typeface="Calibri"/>
+              <a:cs typeface="Calibri"/>
+            </a:endParaRPr>
+          </a:p>
+        </p:txBody>
+      </p:sp>
+      <p:sp>
+        <p:nvSpPr>
+          <p:cNvPr id="3" name="Объект 2"/>
+          <p:cNvSpPr>
+            <a:spLocks noGrp="1"/>
+          </p:cNvSpPr>
+          <p:nvPr>
+            <p:ph idx="1"/>
+          </p:nvPr>
+        </p:nvSpPr>
+        <p:spPr>
+          <a:xfrm>
+            <a:off x="498730" y="2499678"/>
+            <a:ext cx="8229600" cy="3750356"/>
+          </a:xfrm>
+        </p:spPr>
+        <p:txBody>
+          <a:bodyPr vert="horz" lIns="91440" tIns="45720" rIns="91440" bIns="45720" rtlCol="0" anchor="t">
             <a:normAutofit/>
           </a:bodyPr>
           <a:lstStyle/>
           <a:p>
-            <a:r>
-              <a:rPr lang="ru-RU" b="1" dirty="0">
-                <a:ea typeface="Calibri"/>
-                <a:cs typeface="Calibri"/>
-              </a:rPr>
-              <a:t>ХАРАКТЕРИСТИКИ</a:t>
-            </a:r>
-          </a:p>
-        </p:txBody>
-      </p:sp>
-      <p:pic>
-        <p:nvPicPr>
-          <p:cNvPr id="6" name="Рисунок 5" descr="Изображение выглядит как снимок экрана, диаграмма, дизайн&#10;&#10;Автоматически созданное описание">
-            <a:extLst>
-              <a:ext uri="{FF2B5EF4-FFF2-40B4-BE49-F238E27FC236}">
-                <a16:creationId xmlns:a16="http://schemas.microsoft.com/office/drawing/2014/main" id="{CD63F0C2-0D07-2CAE-8FE1-40A7DEC01991}"/>
-              </a:ext>
-            </a:extLst>
-          </p:cNvPr>
-          <p:cNvPicPr>
-            <a:picLocks noChangeAspect="1"/>
-          </p:cNvPicPr>
-          <p:nvPr/>
-        </p:nvPicPr>
-        <p:blipFill>
-          <a:blip r:embed="rId2"/>
-          <a:stretch>
-            <a:fillRect/>
-          </a:stretch>
-        </p:blipFill>
-        <p:spPr>
-          <a:xfrm>
-            <a:off x="5875989" y="3991825"/>
-            <a:ext cx="2308452" cy="2308452"/>
-          </a:xfrm>
-          <a:prstGeom prst="rect">
-            <a:avLst/>
-          </a:prstGeom>
-        </p:spPr>
-      </p:pic>
-      <p:pic>
-        <p:nvPicPr>
-          <p:cNvPr id="7" name="Рисунок 6" descr="Изображение выглядит как символ, Графика, Шрифт, логотип&#10;&#10;Автоматически созданное описание">
-            <a:extLst>
-              <a:ext uri="{FF2B5EF4-FFF2-40B4-BE49-F238E27FC236}">
-                <a16:creationId xmlns:a16="http://schemas.microsoft.com/office/drawing/2014/main" id="{ACD164B1-EC70-5F3A-2B29-A7A00C3FBE7A}"/>
-              </a:ext>
-            </a:extLst>
-          </p:cNvPr>
-          <p:cNvPicPr>
-            <a:picLocks noChangeAspect="1"/>
-          </p:cNvPicPr>
-          <p:nvPr/>
-        </p:nvPicPr>
-        <p:blipFill>
-          <a:blip r:embed="rId3"/>
-          <a:stretch>
-            <a:fillRect/>
-          </a:stretch>
-        </p:blipFill>
-        <p:spPr>
-          <a:xfrm>
-            <a:off x="675085" y="4051782"/>
-            <a:ext cx="2032908" cy="2043113"/>
-          </a:xfrm>
-          <a:prstGeom prst="rect">
-            <a:avLst/>
-          </a:prstGeom>
-        </p:spPr>
-      </p:pic>
-      <p:pic>
-        <p:nvPicPr>
-          <p:cNvPr id="8" name="Рисунок 7" descr="Изображение выглядит как графическая вставка, Графика, снимок экрана, мультфильм&#10;&#10;Автоматически созданное описание">
-            <a:extLst>
-              <a:ext uri="{FF2B5EF4-FFF2-40B4-BE49-F238E27FC236}">
-                <a16:creationId xmlns:a16="http://schemas.microsoft.com/office/drawing/2014/main" id="{CF407CC3-AC60-1FFF-7A5A-908D0BBC021A}"/>
-              </a:ext>
-            </a:extLst>
-          </p:cNvPr>
-          <p:cNvPicPr>
-            <a:picLocks noChangeAspect="1"/>
-          </p:cNvPicPr>
-          <p:nvPr/>
-        </p:nvPicPr>
-        <p:blipFill>
-          <a:blip r:embed="rId4"/>
-          <a:stretch>
-            <a:fillRect/>
-          </a:stretch>
-        </p:blipFill>
-        <p:spPr>
-          <a:xfrm>
-            <a:off x="1610150" y="274523"/>
-            <a:ext cx="2022702" cy="2032908"/>
-          </a:xfrm>
-          <a:prstGeom prst="rect">
-            <a:avLst/>
-          </a:prstGeom>
-        </p:spPr>
-      </p:pic>
+            <a:pPr marL="0" indent="0">
+              <a:spcBef>
+                <a:spcPts val="20"/>
+              </a:spcBef>
+              <a:buNone/>
+            </a:pPr>
+            <a:r>
+              <a:rPr lang="ru-RU" sz="2800" b="1" dirty="0">
+                <a:ea typeface="Calibri"/>
+                <a:cs typeface="Calibri"/>
+              </a:rPr>
+              <a:t>Детализация:</a:t>
+            </a:r>
+            <a:endParaRPr lang="ru-RU" dirty="0"/>
+          </a:p>
+          <a:p>
+            <a:pPr marL="0" indent="0">
+              <a:spcBef>
+                <a:spcPts val="20"/>
+              </a:spcBef>
+              <a:buNone/>
+            </a:pPr>
+            <a:endParaRPr lang="ru-RU" sz="2800" b="1" dirty="0">
+              <a:ea typeface="Calibri"/>
+              <a:cs typeface="Calibri"/>
+            </a:endParaRPr>
+          </a:p>
+          <a:p>
+            <a:pPr marL="457200" indent="-457200"/>
+            <a:r>
+              <a:rPr lang="ru-RU" sz="2800">
+                <a:ea typeface="Calibri"/>
+                <a:cs typeface="Calibri"/>
+              </a:rPr>
+              <a:t>Гибкая система категоризации и тегирования материалов.</a:t>
+            </a:r>
+            <a:endParaRPr lang="ru-RU">
+              <a:ea typeface="Calibri"/>
+              <a:cs typeface="Calibri"/>
+            </a:endParaRPr>
+          </a:p>
+          <a:p>
+            <a:pPr marL="457200" indent="-457200"/>
+            <a:r>
+              <a:rPr lang="ru-RU" sz="2800">
+                <a:ea typeface="Calibri"/>
+                <a:cs typeface="Calibri"/>
+              </a:rPr>
+              <a:t>Возможность создания иерархических структур для лучшей организации материалов.</a:t>
+            </a:r>
+            <a:endParaRPr lang="ru-RU">
+              <a:ea typeface="Calibri"/>
+              <a:cs typeface="Calibri"/>
+            </a:endParaRPr>
+          </a:p>
+          <a:p>
+            <a:pPr marL="0" indent="0">
+              <a:spcBef>
+                <a:spcPts val="20"/>
+              </a:spcBef>
+              <a:buNone/>
+            </a:pPr>
+            <a:endParaRPr lang="ru-RU" sz="2800" b="1" dirty="0">
+              <a:ea typeface="Calibri"/>
+              <a:cs typeface="Calibri"/>
+            </a:endParaRPr>
+          </a:p>
+          <a:p>
+            <a:pPr marL="0" indent="0">
+              <a:spcBef>
+                <a:spcPts val="20"/>
+              </a:spcBef>
+              <a:buNone/>
+            </a:pPr>
+            <a:endParaRPr lang="ru-RU" sz="2800" b="1" dirty="0">
+              <a:ea typeface="Calibri"/>
+              <a:cs typeface="Calibri"/>
+            </a:endParaRPr>
+          </a:p>
+        </p:txBody>
+      </p:sp>
     </p:spTree>
     <p:extLst>
       <p:ext uri="{BB962C8B-B14F-4D97-AF65-F5344CB8AC3E}">
-        <p14:creationId xmlns:p14="http://schemas.microsoft.com/office/powerpoint/2010/main" val="3067261097"/>
+        <p14:creationId xmlns:p14="http://schemas.microsoft.com/office/powerpoint/2010/main" val="955199003"/>
       </p:ext>
     </p:extLst>
   </p:cSld>
@@ -12311,13 +12366,16 @@
                 <a:ea typeface="+mj-lt"/>
                 <a:cs typeface="+mj-lt"/>
               </a:rPr>
-              <a:t>1. Современные инструменты для структурирования информации</a:t>
-            </a:r>
-            <a:endParaRPr lang="ru-RU" dirty="0">
-              <a:latin typeface="Calibri"/>
-              <a:ea typeface="+mj-lt"/>
-              <a:cs typeface="Calibri"/>
-            </a:endParaRPr>
+              <a:t>2. </a:t>
+            </a:r>
+            <a:r>
+              <a:rPr lang="ru-RU" dirty="0">
+                <a:latin typeface="Calibri"/>
+                <a:ea typeface="+mj-lt"/>
+                <a:cs typeface="Calibri"/>
+              </a:rPr>
+              <a:t>Готовые шаблоны и модули для различных тем</a:t>
+            </a:r>
           </a:p>
           <a:p>
             <a:pPr lvl="0"/>
@@ -12366,6 +12424,41 @@
             <a:endParaRPr lang="ru-RU" dirty="0"/>
           </a:p>
           <a:p>
+            <a:pPr marL="457200" indent="-457200">
+              <a:spcBef>
+                <a:spcPts val="20"/>
+              </a:spcBef>
+            </a:pPr>
+            <a:endParaRPr lang="ru-RU" sz="2800" dirty="0">
+              <a:ea typeface="Calibri"/>
+              <a:cs typeface="Calibri"/>
+            </a:endParaRPr>
+          </a:p>
+          <a:p>
+            <a:pPr marL="457200" indent="-457200"/>
+            <a:r>
+              <a:rPr lang="ru-RU" sz="2800" dirty="0">
+                <a:ea typeface="Calibri"/>
+                <a:cs typeface="Calibri"/>
+              </a:rPr>
+              <a:t>Большая база готовых к использованию шаблонов для различных тематик и форматов обучения.</a:t>
+            </a:r>
+          </a:p>
+          <a:p>
+            <a:pPr marL="457200" indent="-457200"/>
+            <a:r>
+              <a:rPr lang="ru-RU" sz="2800">
+                <a:ea typeface="Calibri"/>
+                <a:cs typeface="Calibri"/>
+              </a:rPr>
+              <a:t>Модульный подход для гибкой настройки и кастомизации.</a:t>
+            </a:r>
+            <a:endParaRPr lang="ru-RU">
+              <a:ea typeface="Calibri"/>
+              <a:cs typeface="Calibri"/>
+            </a:endParaRPr>
+          </a:p>
+          <a:p>
             <a:pPr marL="0" indent="0">
               <a:spcBef>
                 <a:spcPts val="20"/>
@@ -12377,64 +12470,12 @@
               <a:cs typeface="Calibri"/>
             </a:endParaRPr>
           </a:p>
-          <a:p>
-            <a:pPr marL="457200" indent="-457200"/>
-            <a:r>
-              <a:rPr lang="ru-RU" sz="2800">
-                <a:ea typeface="Calibri"/>
-                <a:cs typeface="Calibri"/>
-              </a:rPr>
-              <a:t>Гибкая система категоризации и тегирования материалов.</a:t>
-            </a:r>
-            <a:endParaRPr lang="ru-RU">
-              <a:ea typeface="Calibri"/>
-              <a:cs typeface="Calibri"/>
-            </a:endParaRPr>
-          </a:p>
-          <a:p>
-            <a:pPr marL="457200" indent="-457200"/>
-            <a:r>
-              <a:rPr lang="ru-RU" sz="2800">
-                <a:ea typeface="Calibri"/>
-                <a:cs typeface="Calibri"/>
-              </a:rPr>
-              <a:t>Возможность создания иерархических структур для лучшей организации материалов.</a:t>
-            </a:r>
-            <a:endParaRPr lang="ru-RU">
-              <a:ea typeface="Calibri"/>
-              <a:cs typeface="Calibri"/>
-            </a:endParaRPr>
-          </a:p>
-          <a:p>
-            <a:pPr marL="0" indent="0">
-              <a:spcBef>
-                <a:spcPts val="20"/>
-              </a:spcBef>
-              <a:buNone/>
-            </a:pPr>
-            <a:endParaRPr lang="ru-RU" sz="2800" b="1" dirty="0">
-              <a:ea typeface="Calibri"/>
-              <a:cs typeface="Calibri"/>
-            </a:endParaRPr>
-          </a:p>
-          <a:p>
-            <a:pPr marL="0" indent="0">
-              <a:spcBef>
-                <a:spcPts val="20"/>
-              </a:spcBef>
-              <a:buNone/>
-            </a:pPr>
-            <a:endParaRPr lang="ru-RU" sz="2800" b="1" dirty="0">
-              <a:ea typeface="Calibri"/>
-              <a:cs typeface="Calibri"/>
-            </a:endParaRPr>
-          </a:p>
         </p:txBody>
       </p:sp>
     </p:spTree>
     <p:extLst>
       <p:ext uri="{BB962C8B-B14F-4D97-AF65-F5344CB8AC3E}">
-        <p14:creationId xmlns:p14="http://schemas.microsoft.com/office/powerpoint/2010/main" val="955199003"/>
+        <p14:creationId xmlns:p14="http://schemas.microsoft.com/office/powerpoint/2010/main" val="2652962545"/>
       </p:ext>
     </p:extLst>
   </p:cSld>
@@ -12494,7 +12535,7 @@
                 <a:ea typeface="+mj-lt"/>
                 <a:cs typeface="+mj-lt"/>
               </a:rPr>
-              <a:t>2. </a:t>
+              <a:t>3. </a:t>
             </a:r>
             <a:r>
               <a:rPr lang="ru-RU" dirty="0">
@@ -12502,7 +12543,7 @@
                 <a:ea typeface="+mj-lt"/>
                 <a:cs typeface="Calibri"/>
               </a:rPr>
-              <a:t>Готовые шаблоны и модули для различных тем</a:t>
+              <a:t>Встроенные мультимедийные и интерактивные элементы</a:t>
             </a:r>
           </a:p>
           <a:p>
@@ -12552,41 +12593,6 @@
             <a:endParaRPr lang="ru-RU" dirty="0"/>
           </a:p>
           <a:p>
-            <a:pPr marL="457200" indent="-457200">
-              <a:spcBef>
-                <a:spcPts val="20"/>
-              </a:spcBef>
-            </a:pPr>
-            <a:endParaRPr lang="ru-RU" sz="2800" dirty="0">
-              <a:ea typeface="Calibri"/>
-              <a:cs typeface="Calibri"/>
-            </a:endParaRPr>
-          </a:p>
-          <a:p>
-            <a:pPr marL="457200" indent="-457200"/>
-            <a:r>
-              <a:rPr lang="ru-RU" sz="2800" dirty="0">
-                <a:ea typeface="Calibri"/>
-                <a:cs typeface="Calibri"/>
-              </a:rPr>
-              <a:t>Большая база готовых к использованию шаблонов для различных тематик и форматов обучения.</a:t>
-            </a:r>
-          </a:p>
-          <a:p>
-            <a:pPr marL="457200" indent="-457200"/>
-            <a:r>
-              <a:rPr lang="ru-RU" sz="2800">
-                <a:ea typeface="Calibri"/>
-                <a:cs typeface="Calibri"/>
-              </a:rPr>
-              <a:t>Модульный подход для гибкой настройки и кастомизации.</a:t>
-            </a:r>
-            <a:endParaRPr lang="ru-RU">
-              <a:ea typeface="Calibri"/>
-              <a:cs typeface="Calibri"/>
-            </a:endParaRPr>
-          </a:p>
-          <a:p>
             <a:pPr marL="0" indent="0">
               <a:spcBef>
                 <a:spcPts val="20"/>
@@ -12598,12 +12604,52 @@
               <a:cs typeface="Calibri"/>
             </a:endParaRPr>
           </a:p>
+          <a:p>
+            <a:pPr marL="457200" indent="-457200"/>
+            <a:r>
+              <a:rPr lang="ru-RU" sz="2800" dirty="0">
+                <a:ea typeface="Calibri"/>
+                <a:cs typeface="Calibri"/>
+              </a:rPr>
+              <a:t>Встраиваемые видео, аудио, графика и интерактивные элементы.</a:t>
+            </a:r>
+            <a:endParaRPr lang="ru-RU" dirty="0">
+              <a:ea typeface="Calibri"/>
+              <a:cs typeface="Calibri"/>
+            </a:endParaRPr>
+          </a:p>
+          <a:p>
+            <a:pPr marL="457200" indent="-457200"/>
+            <a:r>
+              <a:rPr lang="ru-RU" sz="2800" dirty="0">
+                <a:ea typeface="Calibri"/>
+                <a:cs typeface="Calibri"/>
+              </a:rPr>
+              <a:t>Интеграция с популярными платформами и сервисами для добавления мультимедиа.</a:t>
+            </a:r>
+            <a:endParaRPr lang="ru-RU" dirty="0">
+              <a:ea typeface="Calibri"/>
+              <a:cs typeface="Calibri"/>
+            </a:endParaRPr>
+          </a:p>
+          <a:p>
+            <a:pPr marL="0" indent="0">
+              <a:spcBef>
+                <a:spcPts val="20"/>
+              </a:spcBef>
+              <a:buNone/>
+            </a:pPr>
+            <a:endParaRPr lang="ru-RU" sz="2800" b="1" dirty="0">
+              <a:ea typeface="Calibri"/>
+              <a:cs typeface="Calibri"/>
+            </a:endParaRPr>
+          </a:p>
         </p:txBody>
       </p:sp>
     </p:spTree>
     <p:extLst>
       <p:ext uri="{BB962C8B-B14F-4D97-AF65-F5344CB8AC3E}">
-        <p14:creationId xmlns:p14="http://schemas.microsoft.com/office/powerpoint/2010/main" val="2652962545"/>
+        <p14:creationId xmlns:p14="http://schemas.microsoft.com/office/powerpoint/2010/main" val="1803533025"/>
       </p:ext>
     </p:extLst>
   </p:cSld>
@@ -12663,7 +12709,7 @@
                 <a:ea typeface="+mj-lt"/>
                 <a:cs typeface="+mj-lt"/>
               </a:rPr>
-              <a:t>3. </a:t>
+              <a:t>4. </a:t>
             </a:r>
             <a:r>
               <a:rPr lang="ru-RU" dirty="0">
@@ -12671,7 +12717,7 @@
                 <a:ea typeface="+mj-lt"/>
                 <a:cs typeface="Calibri"/>
               </a:rPr>
-              <a:t>Встроенные мультимедийные и интерактивные элементы</a:t>
+              <a:t>Аналитические инструменты для отслеживания и улучшения качества обучения</a:t>
             </a:r>
           </a:p>
           <a:p>
@@ -12716,9 +12762,9 @@
                 <a:ea typeface="Calibri"/>
                 <a:cs typeface="Calibri"/>
               </a:rPr>
-              <a:t>Детализация:</a:t>
-            </a:r>
-            <a:endParaRPr lang="ru-RU" dirty="0"/>
+              <a:t>Детализация:      </a:t>
+            </a:r>
+            <a:endParaRPr lang="ru-RU"/>
           </a:p>
           <a:p>
             <a:pPr marL="0" indent="0">
@@ -12739,7 +12785,7 @@
                 <a:ea typeface="Calibri"/>
                 <a:cs typeface="Calibri"/>
               </a:rPr>
-              <a:t>Встраиваемые видео, аудио, графика и интерактивные элементы.</a:t>
+              <a:t>Отчеты о прохождении материалов, успешности заданий и активности пользователей.</a:t>
             </a:r>
             <a:endParaRPr lang="ru-RU" dirty="0">
               <a:ea typeface="Calibri"/>
@@ -12753,7 +12799,7 @@
                 <a:ea typeface="Calibri"/>
                 <a:cs typeface="Calibri"/>
               </a:rPr>
-              <a:t>Интеграция с популярными платформами и сервисами для добавления мультимедиа.</a:t>
+              <a:t>Инструменты для анализа слабых мест в материалах и возможности их оптимизации.</a:t>
             </a:r>
             <a:endParaRPr lang="ru-RU" dirty="0">
               <a:ea typeface="Calibri"/>
@@ -12777,7 +12823,7 @@
     </p:spTree>
     <p:extLst>
       <p:ext uri="{BB962C8B-B14F-4D97-AF65-F5344CB8AC3E}">
-        <p14:creationId xmlns:p14="http://schemas.microsoft.com/office/powerpoint/2010/main" val="1803533025"/>
+        <p14:creationId xmlns:p14="http://schemas.microsoft.com/office/powerpoint/2010/main" val="2431367420"/>
       </p:ext>
     </p:extLst>
   </p:cSld>
@@ -12816,142 +12862,120 @@
         </p:nvSpPr>
         <p:spPr>
           <a:xfrm>
-            <a:off x="457200" y="713468"/>
+            <a:off x="916580" y="2523512"/>
             <a:ext cx="8229600" cy="1143000"/>
           </a:xfrm>
         </p:spPr>
         <p:txBody>
-          <a:bodyPr vert="horz" lIns="91440" tIns="45720" rIns="91440" bIns="45720" rtlCol="0" anchor="ctr">
-            <a:noAutofit/>
-          </a:bodyPr>
-          <a:lstStyle/>
-          <a:p>
-            <a:br>
-              <a:rPr lang="ru-RU" dirty="0">
-                <a:ea typeface="+mj-lt"/>
-                <a:cs typeface="+mj-lt"/>
-              </a:rPr>
-            </a:br>
-            <a:r>
-              <a:rPr lang="ru-RU" dirty="0">
-                <a:ea typeface="+mj-lt"/>
-                <a:cs typeface="+mj-lt"/>
-              </a:rPr>
-              <a:t>4. </a:t>
-            </a:r>
-            <a:r>
-              <a:rPr lang="ru-RU" dirty="0">
-                <a:latin typeface="Calibri"/>
-                <a:ea typeface="+mj-lt"/>
-                <a:cs typeface="Calibri"/>
-              </a:rPr>
-              <a:t>Аналитические инструменты для отслеживания и улучшения качества обучения</a:t>
-            </a:r>
-          </a:p>
-          <a:p>
-            <a:pPr lvl="0"/>
-            <a:endParaRPr lang="ru-RU" dirty="0">
-              <a:ea typeface="Calibri"/>
-              <a:cs typeface="Calibri"/>
-            </a:endParaRPr>
-          </a:p>
-        </p:txBody>
-      </p:sp>
-      <p:sp>
-        <p:nvSpPr>
-          <p:cNvPr id="3" name="Объект 2"/>
-          <p:cNvSpPr>
-            <a:spLocks noGrp="1"/>
-          </p:cNvSpPr>
-          <p:nvPr>
-            <p:ph idx="1"/>
-          </p:nvPr>
-        </p:nvSpPr>
-        <p:spPr>
-          <a:xfrm>
-            <a:off x="498730" y="2499678"/>
-            <a:ext cx="8229600" cy="3750356"/>
-          </a:xfrm>
-        </p:spPr>
-        <p:txBody>
-          <a:bodyPr vert="horz" lIns="91440" tIns="45720" rIns="91440" bIns="45720" rtlCol="0" anchor="t">
+          <a:bodyPr>
             <a:normAutofit/>
           </a:bodyPr>
           <a:lstStyle/>
           <a:p>
-            <a:pPr marL="0" indent="0">
-              <a:spcBef>
-                <a:spcPts val="20"/>
-              </a:spcBef>
-              <a:buNone/>
-            </a:pPr>
-            <a:r>
-              <a:rPr lang="ru-RU" sz="2800" b="1" dirty="0">
-                <a:ea typeface="Calibri"/>
-                <a:cs typeface="Calibri"/>
-              </a:rPr>
-              <a:t>Детализация:      </a:t>
-            </a:r>
-            <a:endParaRPr lang="ru-RU"/>
-          </a:p>
-          <a:p>
-            <a:pPr marL="0" indent="0">
-              <a:spcBef>
-                <a:spcPts val="20"/>
-              </a:spcBef>
-              <a:buNone/>
-            </a:pPr>
-            <a:endParaRPr lang="ru-RU" sz="2800" b="1" dirty="0">
-              <a:ea typeface="Calibri"/>
-              <a:cs typeface="Calibri"/>
-            </a:endParaRPr>
-          </a:p>
-          <a:p>
-            <a:pPr marL="457200" indent="-457200"/>
-            <a:r>
-              <a:rPr lang="ru-RU" sz="2800" dirty="0">
-                <a:ea typeface="Calibri"/>
-                <a:cs typeface="Calibri"/>
-              </a:rPr>
-              <a:t>Отчеты о прохождении материалов, успешности заданий и активности пользователей.</a:t>
-            </a:r>
-            <a:endParaRPr lang="ru-RU" dirty="0">
-              <a:ea typeface="Calibri"/>
-              <a:cs typeface="Calibri"/>
-            </a:endParaRPr>
-          </a:p>
-          <a:p>
-            <a:pPr marL="457200" indent="-457200"/>
-            <a:r>
-              <a:rPr lang="ru-RU" sz="2800" dirty="0">
-                <a:ea typeface="Calibri"/>
-                <a:cs typeface="Calibri"/>
-              </a:rPr>
-              <a:t>Инструменты для анализа слабых мест в материалах и возможности их оптимизации.</a:t>
-            </a:r>
-            <a:endParaRPr lang="ru-RU" dirty="0">
-              <a:ea typeface="Calibri"/>
-              <a:cs typeface="Calibri"/>
-            </a:endParaRPr>
-          </a:p>
-          <a:p>
-            <a:pPr marL="0" indent="0">
-              <a:spcBef>
-                <a:spcPts val="20"/>
-              </a:spcBef>
-              <a:buNone/>
-            </a:pPr>
-            <a:endParaRPr lang="ru-RU" sz="2800" b="1" dirty="0">
-              <a:ea typeface="Calibri"/>
-              <a:cs typeface="Calibri"/>
-            </a:endParaRPr>
-          </a:p>
-        </p:txBody>
-      </p:sp>
+            <a:r>
+              <a:rPr lang="ru-RU" b="1" dirty="0">
+                <a:ea typeface="Calibri"/>
+                <a:cs typeface="Calibri"/>
+              </a:rPr>
+              <a:t>ВПЕЧАТЛЕНИЯ</a:t>
+            </a:r>
+          </a:p>
+        </p:txBody>
+      </p:sp>
+      <p:pic>
+        <p:nvPicPr>
+          <p:cNvPr id="6" name="Рисунок 5" descr="Изображение выглядит как графическая вставка, мультфильм, Мультфильм, Анимация&#10;&#10;Автоматически созданное описание">
+            <a:extLst>
+              <a:ext uri="{FF2B5EF4-FFF2-40B4-BE49-F238E27FC236}">
+                <a16:creationId xmlns:a16="http://schemas.microsoft.com/office/drawing/2014/main" id="{478CE4A0-52A0-78F1-83C9-C2F7BCB0AA29}"/>
+              </a:ext>
+            </a:extLst>
+          </p:cNvPr>
+          <p:cNvPicPr>
+            <a:picLocks noChangeAspect="1"/>
+          </p:cNvPicPr>
+          <p:nvPr/>
+        </p:nvPicPr>
+        <p:blipFill>
+          <a:blip r:embed="rId2"/>
+          <a:stretch>
+            <a:fillRect/>
+          </a:stretch>
+        </p:blipFill>
+        <p:spPr>
+          <a:xfrm>
+            <a:off x="523280" y="1999230"/>
+            <a:ext cx="2379890" cy="2349274"/>
+          </a:xfrm>
+          <a:prstGeom prst="rect">
+            <a:avLst/>
+          </a:prstGeom>
+        </p:spPr>
+      </p:pic>
+      <p:pic>
+        <p:nvPicPr>
+          <p:cNvPr id="7" name="Рисунок 6" descr="Изображение выглядит как черный, темнота&#10;&#10;Автоматически созданное описание">
+            <a:extLst>
+              <a:ext uri="{FF2B5EF4-FFF2-40B4-BE49-F238E27FC236}">
+                <a16:creationId xmlns:a16="http://schemas.microsoft.com/office/drawing/2014/main" id="{53442075-77CF-D791-5E57-F269B194B1E6}"/>
+              </a:ext>
+            </a:extLst>
+          </p:cNvPr>
+          <p:cNvPicPr>
+            <a:picLocks noChangeAspect="1"/>
+          </p:cNvPicPr>
+          <p:nvPr/>
+        </p:nvPicPr>
+        <p:blipFill>
+          <a:blip r:embed="rId3"/>
+          <a:stretch>
+            <a:fillRect/>
+          </a:stretch>
+        </p:blipFill>
+        <p:spPr>
+          <a:xfrm>
+            <a:off x="6335230" y="-60979"/>
+            <a:ext cx="2400301" cy="2390096"/>
+          </a:xfrm>
+          <a:prstGeom prst="rect">
+            <a:avLst/>
+          </a:prstGeom>
+        </p:spPr>
+      </p:pic>
+      <p:pic>
+        <p:nvPicPr>
+          <p:cNvPr id="9" name="Рисунок 8" descr="Изображение выглядит как графическая вставка, Графика, мультфильм&#10;&#10;Автоматически созданное описание">
+            <a:extLst>
+              <a:ext uri="{FF2B5EF4-FFF2-40B4-BE49-F238E27FC236}">
+                <a16:creationId xmlns:a16="http://schemas.microsoft.com/office/drawing/2014/main" id="{0B0CDB62-1418-416F-271A-EF3ACDDD203C}"/>
+              </a:ext>
+            </a:extLst>
+          </p:cNvPr>
+          <p:cNvPicPr>
+            <a:picLocks noChangeAspect="1"/>
+          </p:cNvPicPr>
+          <p:nvPr/>
+        </p:nvPicPr>
+        <p:blipFill>
+          <a:blip r:embed="rId4"/>
+          <a:stretch>
+            <a:fillRect/>
+          </a:stretch>
+        </p:blipFill>
+        <p:spPr>
+          <a:xfrm>
+            <a:off x="6096681" y="4165316"/>
+            <a:ext cx="2002292" cy="2012497"/>
+          </a:xfrm>
+          <a:prstGeom prst="rect">
+            <a:avLst/>
+          </a:prstGeom>
+        </p:spPr>
+      </p:pic>
     </p:spTree>
     <p:extLst>
       <p:ext uri="{BB962C8B-B14F-4D97-AF65-F5344CB8AC3E}">
-        <p14:creationId xmlns:p14="http://schemas.microsoft.com/office/powerpoint/2010/main" val="2431367420"/>
+        <p14:creationId xmlns:p14="http://schemas.microsoft.com/office/powerpoint/2010/main" val="1936713646"/>
       </p:ext>
     </p:extLst>
   </p:cSld>
@@ -12990,120 +13014,131 @@
         </p:nvSpPr>
         <p:spPr>
           <a:xfrm>
-            <a:off x="916580" y="2523512"/>
+            <a:off x="457200" y="488950"/>
             <a:ext cx="8229600" cy="1143000"/>
           </a:xfrm>
         </p:spPr>
         <p:txBody>
-          <a:bodyPr>
+          <a:bodyPr vert="horz" lIns="91440" tIns="45720" rIns="91440" bIns="45720" rtlCol="0" anchor="ctr">
+            <a:noAutofit/>
+          </a:bodyPr>
+          <a:lstStyle/>
+          <a:p>
+            <a:br>
+              <a:rPr lang="ru-RU" dirty="0">
+                <a:ea typeface="+mj-lt"/>
+                <a:cs typeface="+mj-lt"/>
+              </a:rPr>
+            </a:br>
+            <a:r>
+              <a:rPr lang="ru-RU" dirty="0">
+                <a:ea typeface="+mj-lt"/>
+                <a:cs typeface="+mj-lt"/>
+              </a:rPr>
+              <a:t>1. Уверенность в профессиональном подходе</a:t>
+            </a:r>
+            <a:endParaRPr lang="ru-RU" dirty="0" err="1">
+              <a:ea typeface="Calibri"/>
+              <a:cs typeface="Calibri"/>
+            </a:endParaRPr>
+          </a:p>
+        </p:txBody>
+      </p:sp>
+      <p:sp>
+        <p:nvSpPr>
+          <p:cNvPr id="3" name="Объект 2"/>
+          <p:cNvSpPr>
+            <a:spLocks noGrp="1"/>
+          </p:cNvSpPr>
+          <p:nvPr>
+            <p:ph idx="1"/>
+          </p:nvPr>
+        </p:nvSpPr>
+        <p:spPr>
+          <a:xfrm>
+            <a:off x="498730" y="2499678"/>
+            <a:ext cx="8229600" cy="3750356"/>
+          </a:xfrm>
+        </p:spPr>
+        <p:txBody>
+          <a:bodyPr vert="horz" lIns="91440" tIns="45720" rIns="91440" bIns="45720" rtlCol="0" anchor="t">
             <a:normAutofit/>
           </a:bodyPr>
           <a:lstStyle/>
           <a:p>
-            <a:r>
-              <a:rPr lang="ru-RU" b="1" dirty="0">
-                <a:ea typeface="Calibri"/>
-                <a:cs typeface="Calibri"/>
-              </a:rPr>
-              <a:t>ВПЕЧАТЛЕНИЯ</a:t>
-            </a:r>
-          </a:p>
-        </p:txBody>
-      </p:sp>
-      <p:pic>
-        <p:nvPicPr>
-          <p:cNvPr id="6" name="Рисунок 5" descr="Изображение выглядит как графическая вставка, мультфильм, Мультфильм, Анимация&#10;&#10;Автоматически созданное описание">
-            <a:extLst>
-              <a:ext uri="{FF2B5EF4-FFF2-40B4-BE49-F238E27FC236}">
-                <a16:creationId xmlns:a16="http://schemas.microsoft.com/office/drawing/2014/main" id="{478CE4A0-52A0-78F1-83C9-C2F7BCB0AA29}"/>
-              </a:ext>
-            </a:extLst>
-          </p:cNvPr>
-          <p:cNvPicPr>
-            <a:picLocks noChangeAspect="1"/>
-          </p:cNvPicPr>
-          <p:nvPr/>
-        </p:nvPicPr>
-        <p:blipFill>
-          <a:blip r:embed="rId2"/>
-          <a:stretch>
-            <a:fillRect/>
-          </a:stretch>
-        </p:blipFill>
-        <p:spPr>
-          <a:xfrm>
-            <a:off x="523280" y="1999230"/>
-            <a:ext cx="2379890" cy="2349274"/>
-          </a:xfrm>
-          <a:prstGeom prst="rect">
-            <a:avLst/>
-          </a:prstGeom>
-        </p:spPr>
-      </p:pic>
-      <p:pic>
-        <p:nvPicPr>
-          <p:cNvPr id="7" name="Рисунок 6" descr="Изображение выглядит как черный, темнота&#10;&#10;Автоматически созданное описание">
-            <a:extLst>
-              <a:ext uri="{FF2B5EF4-FFF2-40B4-BE49-F238E27FC236}">
-                <a16:creationId xmlns:a16="http://schemas.microsoft.com/office/drawing/2014/main" id="{53442075-77CF-D791-5E57-F269B194B1E6}"/>
-              </a:ext>
-            </a:extLst>
-          </p:cNvPr>
-          <p:cNvPicPr>
-            <a:picLocks noChangeAspect="1"/>
-          </p:cNvPicPr>
-          <p:nvPr/>
-        </p:nvPicPr>
-        <p:blipFill>
-          <a:blip r:embed="rId3"/>
-          <a:stretch>
-            <a:fillRect/>
-          </a:stretch>
-        </p:blipFill>
-        <p:spPr>
-          <a:xfrm>
-            <a:off x="6335230" y="-60979"/>
-            <a:ext cx="2400301" cy="2390096"/>
-          </a:xfrm>
-          <a:prstGeom prst="rect">
-            <a:avLst/>
-          </a:prstGeom>
-        </p:spPr>
-      </p:pic>
-      <p:pic>
-        <p:nvPicPr>
-          <p:cNvPr id="9" name="Рисунок 8" descr="Изображение выглядит как графическая вставка, Графика, мультфильм&#10;&#10;Автоматически созданное описание">
-            <a:extLst>
-              <a:ext uri="{FF2B5EF4-FFF2-40B4-BE49-F238E27FC236}">
-                <a16:creationId xmlns:a16="http://schemas.microsoft.com/office/drawing/2014/main" id="{0B0CDB62-1418-416F-271A-EF3ACDDD203C}"/>
-              </a:ext>
-            </a:extLst>
-          </p:cNvPr>
-          <p:cNvPicPr>
-            <a:picLocks noChangeAspect="1"/>
-          </p:cNvPicPr>
-          <p:nvPr/>
-        </p:nvPicPr>
-        <p:blipFill>
-          <a:blip r:embed="rId4"/>
-          <a:stretch>
-            <a:fillRect/>
-          </a:stretch>
-        </p:blipFill>
-        <p:spPr>
-          <a:xfrm>
-            <a:off x="6096681" y="4165316"/>
-            <a:ext cx="2002292" cy="2012497"/>
-          </a:xfrm>
-          <a:prstGeom prst="rect">
-            <a:avLst/>
-          </a:prstGeom>
-        </p:spPr>
-      </p:pic>
+            <a:pPr marL="0" indent="0">
+              <a:spcBef>
+                <a:spcPts val="20"/>
+              </a:spcBef>
+              <a:buNone/>
+            </a:pPr>
+            <a:r>
+              <a:rPr lang="ru-RU" sz="2800" b="1" dirty="0">
+                <a:ea typeface="Calibri"/>
+                <a:cs typeface="Calibri"/>
+              </a:rPr>
+              <a:t>Детализация:</a:t>
+            </a:r>
+            <a:endParaRPr lang="ru-RU" dirty="0"/>
+          </a:p>
+          <a:p>
+            <a:pPr marL="0" indent="0">
+              <a:spcBef>
+                <a:spcPts val="20"/>
+              </a:spcBef>
+              <a:buNone/>
+            </a:pPr>
+            <a:endParaRPr lang="ru-RU" sz="2800" b="1" dirty="0">
+              <a:ea typeface="Calibri"/>
+              <a:cs typeface="Calibri"/>
+            </a:endParaRPr>
+          </a:p>
+          <a:p>
+            <a:pPr marL="457200" indent="-457200"/>
+            <a:r>
+              <a:rPr lang="ru-RU" sz="2800">
+                <a:ea typeface="Calibri"/>
+                <a:cs typeface="Calibri"/>
+              </a:rPr>
+              <a:t>Интуитивный интерфейс и современный дизайн.</a:t>
+            </a:r>
+            <a:endParaRPr lang="ru-RU">
+              <a:ea typeface="Calibri"/>
+              <a:cs typeface="Calibri"/>
+            </a:endParaRPr>
+          </a:p>
+          <a:p>
+            <a:pPr marL="457200" indent="-457200"/>
+            <a:r>
+              <a:rPr lang="ru-RU" sz="2800">
+                <a:ea typeface="Calibri"/>
+                <a:cs typeface="Calibri"/>
+              </a:rPr>
+              <a:t>Надежность и стабильность работы продукта.</a:t>
+            </a:r>
+            <a:endParaRPr lang="ru-RU">
+              <a:ea typeface="Calibri"/>
+              <a:cs typeface="Calibri"/>
+            </a:endParaRPr>
+          </a:p>
+          <a:p>
+            <a:pPr marL="0" indent="0">
+              <a:spcBef>
+                <a:spcPts val="20"/>
+              </a:spcBef>
+              <a:buNone/>
+            </a:pPr>
+            <a:endParaRPr lang="ru-RU" sz="2800" b="1" dirty="0">
+              <a:ea typeface="Calibri"/>
+              <a:cs typeface="Calibri"/>
+            </a:endParaRPr>
+          </a:p>
+        </p:txBody>
+      </p:sp>
     </p:spTree>
     <p:extLst>
       <p:ext uri="{BB962C8B-B14F-4D97-AF65-F5344CB8AC3E}">
-        <p14:creationId xmlns:p14="http://schemas.microsoft.com/office/powerpoint/2010/main" val="1936713646"/>
+        <p14:creationId xmlns:p14="http://schemas.microsoft.com/office/powerpoint/2010/main" val="1836117984"/>
       </p:ext>
     </p:extLst>
   </p:cSld>
@@ -13142,7 +13177,7 @@
         </p:nvSpPr>
         <p:spPr>
           <a:xfrm>
-            <a:off x="457200" y="488950"/>
+            <a:off x="457200" y="713468"/>
             <a:ext cx="8229600" cy="1143000"/>
           </a:xfrm>
         </p:spPr>
@@ -13163,9 +13198,17 @@
                 <a:ea typeface="+mj-lt"/>
                 <a:cs typeface="+mj-lt"/>
               </a:rPr>
-              <a:t>1. Уверенность в профессиональном подходе</a:t>
-            </a:r>
-            <a:endParaRPr lang="ru-RU" dirty="0" err="1">
+              <a:t>2. Ощущение легкости и простоты в создании материалов</a:t>
+            </a:r>
+            <a:endParaRPr lang="ru-RU" dirty="0">
+              <a:latin typeface="Calibri"/>
+              <a:ea typeface="+mj-lt"/>
+              <a:cs typeface="Calibri"/>
+            </a:endParaRPr>
+          </a:p>
+          <a:p>
+            <a:pPr lvl="0"/>
+            <a:endParaRPr lang="ru-RU" dirty="0">
               <a:ea typeface="Calibri"/>
               <a:cs typeface="Calibri"/>
             </a:endParaRPr>
@@ -13228,7 +13271,7 @@
                 <a:ea typeface="Calibri"/>
                 <a:cs typeface="Calibri"/>
               </a:rPr>
-              <a:t>Интуитивный интерфейс и современный дизайн.</a:t>
+              <a:t>Легкий доступ к инструментам и ресурсам.</a:t>
             </a:r>
             <a:endParaRPr lang="ru-RU">
               <a:ea typeface="Calibri"/>
@@ -13242,7 +13285,7 @@
                 <a:ea typeface="Calibri"/>
                 <a:cs typeface="Calibri"/>
               </a:rPr>
-              <a:t>Надежность и стабильность работы продукта.</a:t>
+              <a:t>Быстрое освоение благодаря обучающим материалам и поддержке.</a:t>
             </a:r>
             <a:endParaRPr lang="ru-RU">
               <a:ea typeface="Calibri"/>
@@ -13266,7 +13309,7 @@
     </p:spTree>
     <p:extLst>
       <p:ext uri="{BB962C8B-B14F-4D97-AF65-F5344CB8AC3E}">
-        <p14:creationId xmlns:p14="http://schemas.microsoft.com/office/powerpoint/2010/main" val="1836117984"/>
+        <p14:creationId xmlns:p14="http://schemas.microsoft.com/office/powerpoint/2010/main" val="3076369699"/>
       </p:ext>
     </p:extLst>
   </p:cSld>
@@ -13455,177 +13498,6 @@
                 <a:ea typeface="+mj-lt"/>
                 <a:cs typeface="+mj-lt"/>
               </a:rPr>
-              <a:t>2. Ощущение легкости и простоты в создании материалов</a:t>
-            </a:r>
-            <a:endParaRPr lang="ru-RU" dirty="0">
-              <a:latin typeface="Calibri"/>
-              <a:ea typeface="+mj-lt"/>
-              <a:cs typeface="Calibri"/>
-            </a:endParaRPr>
-          </a:p>
-          <a:p>
-            <a:pPr lvl="0"/>
-            <a:endParaRPr lang="ru-RU" dirty="0">
-              <a:ea typeface="Calibri"/>
-              <a:cs typeface="Calibri"/>
-            </a:endParaRPr>
-          </a:p>
-        </p:txBody>
-      </p:sp>
-      <p:sp>
-        <p:nvSpPr>
-          <p:cNvPr id="3" name="Объект 2"/>
-          <p:cNvSpPr>
-            <a:spLocks noGrp="1"/>
-          </p:cNvSpPr>
-          <p:nvPr>
-            <p:ph idx="1"/>
-          </p:nvPr>
-        </p:nvSpPr>
-        <p:spPr>
-          <a:xfrm>
-            <a:off x="498730" y="2499678"/>
-            <a:ext cx="8229600" cy="3750356"/>
-          </a:xfrm>
-        </p:spPr>
-        <p:txBody>
-          <a:bodyPr vert="horz" lIns="91440" tIns="45720" rIns="91440" bIns="45720" rtlCol="0" anchor="t">
-            <a:normAutofit/>
-          </a:bodyPr>
-          <a:lstStyle/>
-          <a:p>
-            <a:pPr marL="0" indent="0">
-              <a:spcBef>
-                <a:spcPts val="20"/>
-              </a:spcBef>
-              <a:buNone/>
-            </a:pPr>
-            <a:r>
-              <a:rPr lang="ru-RU" sz="2800" b="1" dirty="0">
-                <a:ea typeface="Calibri"/>
-                <a:cs typeface="Calibri"/>
-              </a:rPr>
-              <a:t>Детализация:</a:t>
-            </a:r>
-            <a:endParaRPr lang="ru-RU" dirty="0"/>
-          </a:p>
-          <a:p>
-            <a:pPr marL="0" indent="0">
-              <a:spcBef>
-                <a:spcPts val="20"/>
-              </a:spcBef>
-              <a:buNone/>
-            </a:pPr>
-            <a:endParaRPr lang="ru-RU" sz="2800" b="1" dirty="0">
-              <a:ea typeface="Calibri"/>
-              <a:cs typeface="Calibri"/>
-            </a:endParaRPr>
-          </a:p>
-          <a:p>
-            <a:pPr marL="457200" indent="-457200"/>
-            <a:r>
-              <a:rPr lang="ru-RU" sz="2800">
-                <a:ea typeface="Calibri"/>
-                <a:cs typeface="Calibri"/>
-              </a:rPr>
-              <a:t>Легкий доступ к инструментам и ресурсам.</a:t>
-            </a:r>
-            <a:endParaRPr lang="ru-RU">
-              <a:ea typeface="Calibri"/>
-              <a:cs typeface="Calibri"/>
-            </a:endParaRPr>
-          </a:p>
-          <a:p>
-            <a:pPr marL="457200" indent="-457200"/>
-            <a:r>
-              <a:rPr lang="ru-RU" sz="2800">
-                <a:ea typeface="Calibri"/>
-                <a:cs typeface="Calibri"/>
-              </a:rPr>
-              <a:t>Быстрое освоение благодаря обучающим материалам и поддержке.</a:t>
-            </a:r>
-            <a:endParaRPr lang="ru-RU">
-              <a:ea typeface="Calibri"/>
-              <a:cs typeface="Calibri"/>
-            </a:endParaRPr>
-          </a:p>
-          <a:p>
-            <a:pPr marL="0" indent="0">
-              <a:spcBef>
-                <a:spcPts val="20"/>
-              </a:spcBef>
-              <a:buNone/>
-            </a:pPr>
-            <a:endParaRPr lang="ru-RU" sz="2800" b="1" dirty="0">
-              <a:ea typeface="Calibri"/>
-              <a:cs typeface="Calibri"/>
-            </a:endParaRPr>
-          </a:p>
-        </p:txBody>
-      </p:sp>
-    </p:spTree>
-    <p:extLst>
-      <p:ext uri="{BB962C8B-B14F-4D97-AF65-F5344CB8AC3E}">
-        <p14:creationId xmlns:p14="http://schemas.microsoft.com/office/powerpoint/2010/main" val="3076369699"/>
-      </p:ext>
-    </p:extLst>
-  </p:cSld>
-  <p:clrMapOvr>
-    <a:masterClrMapping/>
-  </p:clrMapOvr>
-</p:sld>
-</file>
-
-<file path=ppt/slides/slide61.xml><?xml version="1.0" encoding="utf-8"?>
-<p:sld xmlns:a="http://schemas.openxmlformats.org/drawingml/2006/main" xmlns:r="http://schemas.openxmlformats.org/officeDocument/2006/relationships" xmlns:p="http://schemas.openxmlformats.org/presentationml/2006/main">
-  <p:cSld>
-    <p:spTree>
-      <p:nvGrpSpPr>
-        <p:cNvPr id="1" name=""/>
-        <p:cNvGrpSpPr/>
-        <p:nvPr/>
-      </p:nvGrpSpPr>
-      <p:grpSpPr>
-        <a:xfrm>
-          <a:off x="0" y="0"/>
-          <a:ext cx="0" cy="0"/>
-          <a:chOff x="0" y="0"/>
-          <a:chExt cx="0" cy="0"/>
-        </a:xfrm>
-      </p:grpSpPr>
-      <p:sp>
-        <p:nvSpPr>
-          <p:cNvPr id="2" name="Заголовок 1"/>
-          <p:cNvSpPr>
-            <a:spLocks noGrp="1"/>
-          </p:cNvSpPr>
-          <p:nvPr>
-            <p:ph type="title"/>
-          </p:nvPr>
-        </p:nvSpPr>
-        <p:spPr>
-          <a:xfrm>
-            <a:off x="457200" y="713468"/>
-            <a:ext cx="8229600" cy="1143000"/>
-          </a:xfrm>
-        </p:spPr>
-        <p:txBody>
-          <a:bodyPr vert="horz" lIns="91440" tIns="45720" rIns="91440" bIns="45720" rtlCol="0" anchor="ctr">
-            <a:noAutofit/>
-          </a:bodyPr>
-          <a:lstStyle/>
-          <a:p>
-            <a:br>
-              <a:rPr lang="ru-RU" dirty="0">
-                <a:ea typeface="+mj-lt"/>
-                <a:cs typeface="+mj-lt"/>
-              </a:rPr>
-            </a:br>
-            <a:r>
-              <a:rPr lang="ru-RU" dirty="0">
-                <a:ea typeface="+mj-lt"/>
-                <a:cs typeface="+mj-lt"/>
-              </a:rPr>
               <a:t>3. </a:t>
             </a:r>
             <a:r>
@@ -13754,7 +13626,7 @@
 </p:sld>
 </file>
 
-<file path=ppt/slides/slide62.xml><?xml version="1.0" encoding="utf-8"?>
+<file path=ppt/slides/slide61.xml><?xml version="1.0" encoding="utf-8"?>
 <p:sld xmlns:a="http://schemas.openxmlformats.org/drawingml/2006/main" xmlns:r="http://schemas.openxmlformats.org/officeDocument/2006/relationships" xmlns:p="http://schemas.openxmlformats.org/presentationml/2006/main">
   <p:cSld>
     <p:bg>
@@ -13822,6 +13694,201 @@
 </p:sld>
 </file>
 
+<file path=ppt/slides/slide62.xml><?xml version="1.0" encoding="utf-8"?>
+<p:sld xmlns:a="http://schemas.openxmlformats.org/drawingml/2006/main" xmlns:r="http://schemas.openxmlformats.org/officeDocument/2006/relationships" xmlns:p="http://schemas.openxmlformats.org/presentationml/2006/main">
+  <p:cSld>
+    <p:spTree>
+      <p:nvGrpSpPr>
+        <p:cNvPr id="1" name=""/>
+        <p:cNvGrpSpPr/>
+        <p:nvPr/>
+      </p:nvGrpSpPr>
+      <p:grpSpPr>
+        <a:xfrm>
+          <a:off x="0" y="0"/>
+          <a:ext cx="0" cy="0"/>
+          <a:chOff x="0" y="0"/>
+          <a:chExt cx="0" cy="0"/>
+        </a:xfrm>
+      </p:grpSpPr>
+      <p:sp>
+        <p:nvSpPr>
+          <p:cNvPr id="2" name="Заголовок 1"/>
+          <p:cNvSpPr>
+            <a:spLocks noGrp="1"/>
+          </p:cNvSpPr>
+          <p:nvPr>
+            <p:ph type="title"/>
+          </p:nvPr>
+        </p:nvSpPr>
+        <p:spPr>
+          <a:xfrm>
+            <a:off x="528638" y="1244147"/>
+            <a:ext cx="8229600" cy="1143000"/>
+          </a:xfrm>
+        </p:spPr>
+        <p:txBody>
+          <a:bodyPr vert="horz" lIns="91440" tIns="45720" rIns="91440" bIns="45720" rtlCol="0" anchor="ctr">
+            <a:noAutofit/>
+          </a:bodyPr>
+          <a:lstStyle/>
+          <a:p>
+            <a:br>
+              <a:rPr lang="ru-RU" dirty="0">
+                <a:ea typeface="+mj-lt"/>
+                <a:cs typeface="+mj-lt"/>
+              </a:rPr>
+            </a:br>
+            <a:r>
+              <a:rPr lang="ru-RU" b="1" dirty="0">
+                <a:ea typeface="+mj-lt"/>
+                <a:cs typeface="+mj-lt"/>
+              </a:rPr>
+              <a:t>1. Традиционные методы создания учебных материалов (Word, PowerPoint)</a:t>
+            </a:r>
+          </a:p>
+          <a:p>
+            <a:endParaRPr lang="ru-RU" dirty="0">
+              <a:latin typeface="Calibri"/>
+              <a:ea typeface="Calibri"/>
+              <a:cs typeface="Calibri"/>
+            </a:endParaRPr>
+          </a:p>
+          <a:p>
+            <a:pPr lvl="0"/>
+            <a:endParaRPr lang="ru-RU" dirty="0">
+              <a:ea typeface="Calibri"/>
+              <a:cs typeface="Calibri"/>
+            </a:endParaRPr>
+          </a:p>
+        </p:txBody>
+      </p:sp>
+      <p:sp>
+        <p:nvSpPr>
+          <p:cNvPr id="3" name="Объект 2"/>
+          <p:cNvSpPr>
+            <a:spLocks noGrp="1"/>
+          </p:cNvSpPr>
+          <p:nvPr>
+            <p:ph idx="1"/>
+          </p:nvPr>
+        </p:nvSpPr>
+        <p:spPr>
+          <a:xfrm>
+            <a:off x="529347" y="2683375"/>
+            <a:ext cx="8229600" cy="3750356"/>
+          </a:xfrm>
+        </p:spPr>
+        <p:txBody>
+          <a:bodyPr vert="horz" lIns="91440" tIns="45720" rIns="91440" bIns="45720" rtlCol="0" anchor="t">
+            <a:normAutofit fontScale="92500" lnSpcReduction="20000"/>
+          </a:bodyPr>
+          <a:lstStyle/>
+          <a:p>
+            <a:pPr marL="0" indent="0">
+              <a:spcBef>
+                <a:spcPts val="20"/>
+              </a:spcBef>
+              <a:buNone/>
+            </a:pPr>
+            <a:r>
+              <a:rPr lang="ru-RU" sz="2800" b="1" dirty="0">
+                <a:ea typeface="Calibri"/>
+                <a:cs typeface="Calibri"/>
+              </a:rPr>
+              <a:t>Детализация:</a:t>
+            </a:r>
+            <a:endParaRPr lang="ru-RU" b="1" dirty="0"/>
+          </a:p>
+          <a:p>
+            <a:pPr marL="0" indent="0">
+              <a:spcBef>
+                <a:spcPts val="20"/>
+              </a:spcBef>
+              <a:buNone/>
+            </a:pPr>
+            <a:endParaRPr lang="ru-RU" sz="2800" b="1" dirty="0">
+              <a:ea typeface="Calibri"/>
+              <a:cs typeface="Calibri"/>
+            </a:endParaRPr>
+          </a:p>
+          <a:p>
+            <a:pPr marL="457200" indent="-457200"/>
+            <a:r>
+              <a:rPr lang="ru-RU" sz="2800" b="1" dirty="0">
+                <a:ea typeface="Calibri"/>
+                <a:cs typeface="Calibri"/>
+              </a:rPr>
+              <a:t>Преимущества:</a:t>
+            </a:r>
+            <a:r>
+              <a:rPr lang="ru-RU" sz="2800" dirty="0">
+                <a:ea typeface="Calibri"/>
+                <a:cs typeface="Calibri"/>
+              </a:rPr>
+              <a:t> Широко доступны, большинство людей знают, как их использовать, низкая стоимость или бесплатное использование, поддержка большого количества форматов.</a:t>
+            </a:r>
+            <a:endParaRPr lang="ru-RU" dirty="0">
+              <a:ea typeface="Calibri"/>
+              <a:cs typeface="Calibri"/>
+            </a:endParaRPr>
+          </a:p>
+          <a:p>
+            <a:pPr marL="457200" indent="-457200"/>
+            <a:r>
+              <a:rPr lang="ru-RU" sz="2800" b="1" dirty="0">
+                <a:ea typeface="Calibri"/>
+                <a:cs typeface="Calibri"/>
+              </a:rPr>
+              <a:t>Недостатки: </a:t>
+            </a:r>
+            <a:r>
+              <a:rPr lang="ru-RU" sz="2800" dirty="0">
+                <a:ea typeface="Calibri"/>
+                <a:cs typeface="Calibri"/>
+              </a:rPr>
+              <a:t>Отсутствие интерактивных элементов, необходимость ручной адаптации для различных платформ и устройств, ограниченные возможности для совместной работы и управления версиями.</a:t>
+            </a:r>
+            <a:endParaRPr lang="ru-RU" dirty="0">
+              <a:ea typeface="Calibri"/>
+              <a:cs typeface="Calibri"/>
+            </a:endParaRPr>
+          </a:p>
+          <a:p>
+            <a:pPr marL="0" indent="0">
+              <a:buNone/>
+            </a:pPr>
+            <a:endParaRPr lang="ru-RU" sz="2800" dirty="0">
+              <a:ea typeface="Calibri"/>
+              <a:cs typeface="Calibri"/>
+            </a:endParaRPr>
+          </a:p>
+          <a:p>
+            <a:pPr marL="457200" indent="-457200">
+              <a:spcBef>
+                <a:spcPts val="20"/>
+              </a:spcBef>
+            </a:pPr>
+            <a:endParaRPr lang="ru-RU" sz="2800" dirty="0">
+              <a:ea typeface="Calibri"/>
+              <a:cs typeface="Calibri"/>
+            </a:endParaRPr>
+          </a:p>
+        </p:txBody>
+      </p:sp>
+    </p:spTree>
+    <p:extLst>
+      <p:ext uri="{BB962C8B-B14F-4D97-AF65-F5344CB8AC3E}">
+        <p14:creationId xmlns:p14="http://schemas.microsoft.com/office/powerpoint/2010/main" val="4091195267"/>
+      </p:ext>
+    </p:extLst>
+  </p:cSld>
+  <p:clrMapOvr>
+    <a:masterClrMapping/>
+  </p:clrMapOvr>
+</p:sld>
+</file>
+
 <file path=ppt/slides/slide63.xml><?xml version="1.0" encoding="utf-8"?>
 <p:sld xmlns:a="http://schemas.openxmlformats.org/drawingml/2006/main" xmlns:r="http://schemas.openxmlformats.org/officeDocument/2006/relationships" xmlns:p="http://schemas.openxmlformats.org/presentationml/2006/main">
   <p:cSld>
@@ -13872,7 +13939,7 @@
                 <a:ea typeface="+mj-lt"/>
                 <a:cs typeface="+mj-lt"/>
               </a:rPr>
-              <a:t>1. Традиционные методы создания учебных материалов (Word, PowerPoint)</a:t>
+              <a:t>2.  Простые платформы онлайн-обучения без возможностей кастомизации</a:t>
             </a:r>
           </a:p>
           <a:p>
@@ -13909,7 +13976,7 @@
         </p:spPr>
         <p:txBody>
           <a:bodyPr vert="horz" lIns="91440" tIns="45720" rIns="91440" bIns="45720" rtlCol="0" anchor="t">
-            <a:normAutofit fontScale="92500" lnSpcReduction="20000"/>
+            <a:normAutofit lnSpcReduction="10000"/>
           </a:bodyPr>
           <a:lstStyle/>
           <a:p>
@@ -13935,49 +14002,61 @@
               </a:spcBef>
               <a:buNone/>
             </a:pPr>
+            <a:endParaRPr lang="ru-RU" sz="2800" dirty="0">
+              <a:ea typeface="Calibri"/>
+              <a:cs typeface="Calibri"/>
+            </a:endParaRPr>
+          </a:p>
+          <a:p>
+            <a:pPr marL="457200" indent="-457200"/>
+            <a:r>
+              <a:rPr lang="ru-RU" sz="2800" b="1" dirty="0">
+                <a:ea typeface="Calibri"/>
+                <a:cs typeface="Calibri"/>
+              </a:rPr>
+              <a:t>Преимущества: </a:t>
+            </a:r>
+            <a:r>
+              <a:rPr lang="ru-RU" sz="2800" dirty="0">
+                <a:ea typeface="Calibri"/>
+                <a:cs typeface="Calibri"/>
+              </a:rPr>
+              <a:t>Простота использования, быстрый запуск, низкая стоимость.</a:t>
+            </a:r>
+            <a:endParaRPr lang="ru-RU" dirty="0">
+              <a:ea typeface="Calibri"/>
+              <a:cs typeface="Calibri"/>
+            </a:endParaRPr>
+          </a:p>
+          <a:p>
+            <a:pPr marL="457200" indent="-457200"/>
+            <a:r>
+              <a:rPr lang="ru-RU" sz="2800" b="1" dirty="0">
+                <a:ea typeface="Calibri"/>
+                <a:cs typeface="Calibri"/>
+              </a:rPr>
+              <a:t>Недостатки:</a:t>
+            </a:r>
+            <a:r>
+              <a:rPr lang="ru-RU" sz="2800" dirty="0">
+                <a:ea typeface="Calibri"/>
+                <a:cs typeface="Calibri"/>
+              </a:rPr>
+              <a:t> Ограниченные функциональные возможности, отсутствие гибкости в адаптации под конкретные нужды, ограниченные возможности по интерактивности и мультимедийности.</a:t>
+            </a:r>
+            <a:endParaRPr lang="ru-RU" dirty="0">
+              <a:ea typeface="Calibri"/>
+              <a:cs typeface="Calibri"/>
+            </a:endParaRPr>
+          </a:p>
+          <a:p>
+            <a:pPr marL="0" indent="0">
+              <a:spcBef>
+                <a:spcPts val="20"/>
+              </a:spcBef>
+              <a:buNone/>
+            </a:pPr>
             <a:endParaRPr lang="ru-RU" sz="2800" b="1" dirty="0">
-              <a:ea typeface="Calibri"/>
-              <a:cs typeface="Calibri"/>
-            </a:endParaRPr>
-          </a:p>
-          <a:p>
-            <a:pPr marL="457200" indent="-457200"/>
-            <a:r>
-              <a:rPr lang="ru-RU" sz="2800" b="1" dirty="0">
-                <a:ea typeface="Calibri"/>
-                <a:cs typeface="Calibri"/>
-              </a:rPr>
-              <a:t>Преимущества:</a:t>
-            </a:r>
-            <a:r>
-              <a:rPr lang="ru-RU" sz="2800" dirty="0">
-                <a:ea typeface="Calibri"/>
-                <a:cs typeface="Calibri"/>
-              </a:rPr>
-              <a:t> Широко доступны, большинство людей знают, как их использовать, низкая стоимость или бесплатное использование, поддержка большого количества форматов.</a:t>
-            </a:r>
-            <a:endParaRPr lang="ru-RU" dirty="0">
-              <a:ea typeface="Calibri"/>
-              <a:cs typeface="Calibri"/>
-            </a:endParaRPr>
-          </a:p>
-          <a:p>
-            <a:pPr marL="457200" indent="-457200"/>
-            <a:r>
-              <a:rPr lang="ru-RU" sz="2800" b="1" dirty="0">
-                <a:ea typeface="Calibri"/>
-                <a:cs typeface="Calibri"/>
-              </a:rPr>
-              <a:t>Недостатки: </a:t>
-            </a:r>
-            <a:r>
-              <a:rPr lang="ru-RU" sz="2800" dirty="0">
-                <a:ea typeface="Calibri"/>
-                <a:cs typeface="Calibri"/>
-              </a:rPr>
-              <a:t>Отсутствие интерактивных элементов, необходимость ручной адаптации для различных платформ и устройств, ограниченные возможности для совместной работы и управления версиями.</a:t>
-            </a:r>
-            <a:endParaRPr lang="ru-RU" dirty="0">
               <a:ea typeface="Calibri"/>
               <a:cs typeface="Calibri"/>
             </a:endParaRPr>
@@ -14007,7 +14086,7 @@
     </p:spTree>
     <p:extLst>
       <p:ext uri="{BB962C8B-B14F-4D97-AF65-F5344CB8AC3E}">
-        <p14:creationId xmlns:p14="http://schemas.microsoft.com/office/powerpoint/2010/main" val="4091195267"/>
+        <p14:creationId xmlns:p14="http://schemas.microsoft.com/office/powerpoint/2010/main" val="2020071272"/>
       </p:ext>
     </p:extLst>
   </p:cSld>
@@ -14067,7 +14146,15 @@
                 <a:ea typeface="+mj-lt"/>
                 <a:cs typeface="+mj-lt"/>
               </a:rPr>
-              <a:t>2.  Простые платформы онлайн-обучения без возможностей кастомизации</a:t>
+              <a:t>3. </a:t>
+            </a:r>
+            <a:r>
+              <a:rPr lang="ru-RU" b="1" dirty="0">
+                <a:latin typeface="Calibri"/>
+                <a:ea typeface="+mj-lt"/>
+                <a:cs typeface="Calibri"/>
+              </a:rPr>
+              <a:t>Различные программы для создания интерактивных презентаций</a:t>
             </a:r>
           </a:p>
           <a:p>
@@ -14104,7 +14191,7 @@
         </p:spPr>
         <p:txBody>
           <a:bodyPr vert="horz" lIns="91440" tIns="45720" rIns="91440" bIns="45720" rtlCol="0" anchor="t">
-            <a:normAutofit lnSpcReduction="10000"/>
+            <a:normAutofit fontScale="92500" lnSpcReduction="20000"/>
           </a:bodyPr>
           <a:lstStyle/>
           <a:p>
@@ -14121,7 +14208,7 @@
               </a:rPr>
               <a:t>Детализация:</a:t>
             </a:r>
-            <a:endParaRPr lang="ru-RU" b="1" dirty="0"/>
+            <a:endParaRPr lang="ru-RU" dirty="0"/>
           </a:p>
           <a:p>
             <a:pPr marL="0" indent="0">
@@ -14130,7 +14217,7 @@
               </a:spcBef>
               <a:buNone/>
             </a:pPr>
-            <a:endParaRPr lang="ru-RU" sz="2800" dirty="0">
+            <a:endParaRPr lang="ru-RU" sz="2800" b="1" dirty="0">
               <a:ea typeface="Calibri"/>
               <a:cs typeface="Calibri"/>
             </a:endParaRPr>
@@ -14149,7 +14236,7 @@
                 <a:ea typeface="Calibri"/>
                 <a:cs typeface="Calibri"/>
               </a:rPr>
-              <a:t>Простота использования, быстрый запуск, низкая стоимость.</a:t>
+              <a:t>Позволяют создавать интерактивные и визуально привлекательные материалы, большинство из них имеют интуитивный интерфейс.</a:t>
             </a:r>
             <a:endParaRPr lang="ru-RU" dirty="0">
               <a:ea typeface="Calibri"/>
@@ -14170,7 +14257,7 @@
                 <a:ea typeface="Calibri"/>
                 <a:cs typeface="Calibri"/>
               </a:rPr>
-              <a:t> Ограниченные функциональные возможности, отсутствие гибкости в адаптации под конкретные нужды, ограниченные возможности по интерактивности и мультимедийности.</a:t>
+              <a:t> Могут потребовать дополнительное обучение для эффективного использования, ограниченные возможности интеграции с другими системами и платформами, часто фокусируются только на одном типе контента (например, презентации).</a:t>
             </a:r>
             <a:endParaRPr lang="ru-RU" dirty="0">
               <a:ea typeface="Calibri"/>
@@ -14189,32 +14276,12 @@
               <a:cs typeface="Calibri"/>
             </a:endParaRPr>
           </a:p>
-          <a:p>
-            <a:pPr marL="0" indent="0">
-              <a:buNone/>
-            </a:pPr>
-            <a:endParaRPr lang="ru-RU" sz="2800" dirty="0">
-              <a:ea typeface="Calibri"/>
-              <a:cs typeface="Calibri"/>
-            </a:endParaRPr>
-          </a:p>
-          <a:p>
-            <a:pPr marL="457200" indent="-457200">
-              <a:spcBef>
-                <a:spcPts val="20"/>
-              </a:spcBef>
-            </a:pPr>
-            <a:endParaRPr lang="ru-RU" sz="2800" dirty="0">
-              <a:ea typeface="Calibri"/>
-              <a:cs typeface="Calibri"/>
-            </a:endParaRPr>
-          </a:p>
         </p:txBody>
       </p:sp>
     </p:spTree>
     <p:extLst>
       <p:ext uri="{BB962C8B-B14F-4D97-AF65-F5344CB8AC3E}">
-        <p14:creationId xmlns:p14="http://schemas.microsoft.com/office/powerpoint/2010/main" val="2020071272"/>
+        <p14:creationId xmlns:p14="http://schemas.microsoft.com/office/powerpoint/2010/main" val="723503158"/>
       </p:ext>
     </p:extLst>
   </p:cSld>
@@ -14253,201 +14320,6 @@
         </p:nvSpPr>
         <p:spPr>
           <a:xfrm>
-            <a:off x="528638" y="1244147"/>
-            <a:ext cx="8229600" cy="1143000"/>
-          </a:xfrm>
-        </p:spPr>
-        <p:txBody>
-          <a:bodyPr vert="horz" lIns="91440" tIns="45720" rIns="91440" bIns="45720" rtlCol="0" anchor="ctr">
-            <a:noAutofit/>
-          </a:bodyPr>
-          <a:lstStyle/>
-          <a:p>
-            <a:br>
-              <a:rPr lang="ru-RU" dirty="0">
-                <a:ea typeface="+mj-lt"/>
-                <a:cs typeface="+mj-lt"/>
-              </a:rPr>
-            </a:br>
-            <a:r>
-              <a:rPr lang="ru-RU" b="1" dirty="0">
-                <a:ea typeface="+mj-lt"/>
-                <a:cs typeface="+mj-lt"/>
-              </a:rPr>
-              <a:t>3. </a:t>
-            </a:r>
-            <a:r>
-              <a:rPr lang="ru-RU" b="1" dirty="0">
-                <a:latin typeface="Calibri"/>
-                <a:ea typeface="+mj-lt"/>
-                <a:cs typeface="Calibri"/>
-              </a:rPr>
-              <a:t>Различные программы для создания интерактивных презентаций</a:t>
-            </a:r>
-          </a:p>
-          <a:p>
-            <a:endParaRPr lang="ru-RU" dirty="0">
-              <a:latin typeface="Calibri"/>
-              <a:ea typeface="Calibri"/>
-              <a:cs typeface="Calibri"/>
-            </a:endParaRPr>
-          </a:p>
-          <a:p>
-            <a:pPr lvl="0"/>
-            <a:endParaRPr lang="ru-RU" dirty="0">
-              <a:ea typeface="Calibri"/>
-              <a:cs typeface="Calibri"/>
-            </a:endParaRPr>
-          </a:p>
-        </p:txBody>
-      </p:sp>
-      <p:sp>
-        <p:nvSpPr>
-          <p:cNvPr id="3" name="Объект 2"/>
-          <p:cNvSpPr>
-            <a:spLocks noGrp="1"/>
-          </p:cNvSpPr>
-          <p:nvPr>
-            <p:ph idx="1"/>
-          </p:nvPr>
-        </p:nvSpPr>
-        <p:spPr>
-          <a:xfrm>
-            <a:off x="529347" y="2683375"/>
-            <a:ext cx="8229600" cy="3750356"/>
-          </a:xfrm>
-        </p:spPr>
-        <p:txBody>
-          <a:bodyPr vert="horz" lIns="91440" tIns="45720" rIns="91440" bIns="45720" rtlCol="0" anchor="t">
-            <a:normAutofit fontScale="92500" lnSpcReduction="20000"/>
-          </a:bodyPr>
-          <a:lstStyle/>
-          <a:p>
-            <a:pPr marL="0" indent="0">
-              <a:spcBef>
-                <a:spcPts val="20"/>
-              </a:spcBef>
-              <a:buNone/>
-            </a:pPr>
-            <a:r>
-              <a:rPr lang="ru-RU" sz="2800" b="1" dirty="0">
-                <a:ea typeface="Calibri"/>
-                <a:cs typeface="Calibri"/>
-              </a:rPr>
-              <a:t>Детализация:</a:t>
-            </a:r>
-            <a:endParaRPr lang="ru-RU" dirty="0"/>
-          </a:p>
-          <a:p>
-            <a:pPr marL="0" indent="0">
-              <a:spcBef>
-                <a:spcPts val="20"/>
-              </a:spcBef>
-              <a:buNone/>
-            </a:pPr>
-            <a:endParaRPr lang="ru-RU" sz="2800" b="1" dirty="0">
-              <a:ea typeface="Calibri"/>
-              <a:cs typeface="Calibri"/>
-            </a:endParaRPr>
-          </a:p>
-          <a:p>
-            <a:pPr marL="457200" indent="-457200"/>
-            <a:r>
-              <a:rPr lang="ru-RU" sz="2800" b="1" dirty="0">
-                <a:ea typeface="Calibri"/>
-                <a:cs typeface="Calibri"/>
-              </a:rPr>
-              <a:t>Преимущества: </a:t>
-            </a:r>
-            <a:r>
-              <a:rPr lang="ru-RU" sz="2800" dirty="0">
-                <a:ea typeface="Calibri"/>
-                <a:cs typeface="Calibri"/>
-              </a:rPr>
-              <a:t>Позволяют создавать интерактивные и визуально привлекательные материалы, большинство из них имеют интуитивный интерфейс.</a:t>
-            </a:r>
-            <a:endParaRPr lang="ru-RU" dirty="0">
-              <a:ea typeface="Calibri"/>
-              <a:cs typeface="Calibri"/>
-            </a:endParaRPr>
-          </a:p>
-          <a:p>
-            <a:pPr marL="457200" indent="-457200"/>
-            <a:r>
-              <a:rPr lang="ru-RU" sz="2800" b="1" dirty="0">
-                <a:ea typeface="Calibri"/>
-                <a:cs typeface="Calibri"/>
-              </a:rPr>
-              <a:t>Недостатки:</a:t>
-            </a:r>
-            <a:r>
-              <a:rPr lang="ru-RU" sz="2800" dirty="0">
-                <a:ea typeface="Calibri"/>
-                <a:cs typeface="Calibri"/>
-              </a:rPr>
-              <a:t> Могут потребовать дополнительное обучение для эффективного использования, ограниченные возможности интеграции с другими системами и платформами, часто фокусируются только на одном типе контента (например, презентации).</a:t>
-            </a:r>
-            <a:endParaRPr lang="ru-RU" dirty="0">
-              <a:ea typeface="Calibri"/>
-              <a:cs typeface="Calibri"/>
-            </a:endParaRPr>
-          </a:p>
-          <a:p>
-            <a:pPr marL="0" indent="0">
-              <a:spcBef>
-                <a:spcPts val="20"/>
-              </a:spcBef>
-              <a:buNone/>
-            </a:pPr>
-            <a:endParaRPr lang="ru-RU" sz="2800" b="1" dirty="0">
-              <a:ea typeface="Calibri"/>
-              <a:cs typeface="Calibri"/>
-            </a:endParaRPr>
-          </a:p>
-        </p:txBody>
-      </p:sp>
-    </p:spTree>
-    <p:extLst>
-      <p:ext uri="{BB962C8B-B14F-4D97-AF65-F5344CB8AC3E}">
-        <p14:creationId xmlns:p14="http://schemas.microsoft.com/office/powerpoint/2010/main" val="723503158"/>
-      </p:ext>
-    </p:extLst>
-  </p:cSld>
-  <p:clrMapOvr>
-    <a:masterClrMapping/>
-  </p:clrMapOvr>
-</p:sld>
-</file>
-
-<file path=ppt/slides/slide66.xml><?xml version="1.0" encoding="utf-8"?>
-<p:sld xmlns:a="http://schemas.openxmlformats.org/drawingml/2006/main" xmlns:r="http://schemas.openxmlformats.org/officeDocument/2006/relationships" xmlns:p="http://schemas.openxmlformats.org/presentationml/2006/main">
-  <p:cSld>
-    <p:spTree>
-      <p:nvGrpSpPr>
-        <p:cNvPr id="1" name=""/>
-        <p:cNvGrpSpPr/>
-        <p:nvPr/>
-      </p:nvGrpSpPr>
-      <p:grpSpPr>
-        <a:xfrm>
-          <a:off x="0" y="0"/>
-          <a:ext cx="0" cy="0"/>
-          <a:chOff x="0" y="0"/>
-          <a:chExt cx="0" cy="0"/>
-        </a:xfrm>
-      </p:grpSpPr>
-      <p:sp>
-        <p:nvSpPr>
-          <p:cNvPr id="2" name="Заголовок 1"/>
-          <p:cNvSpPr>
-            <a:spLocks noGrp="1"/>
-          </p:cNvSpPr>
-          <p:nvPr>
-            <p:ph type="title"/>
-          </p:nvPr>
-        </p:nvSpPr>
-        <p:spPr>
-          <a:xfrm>
             <a:off x="528638" y="631826"/>
             <a:ext cx="8229600" cy="1143000"/>
           </a:xfrm>
@@ -14622,7 +14494,7 @@
 </p:sld>
 </file>
 
-<file path=ppt/slides/slide67.xml><?xml version="1.0" encoding="utf-8"?>
+<file path=ppt/slides/slide66.xml><?xml version="1.0" encoding="utf-8"?>
 <p:sld xmlns:a="http://schemas.openxmlformats.org/drawingml/2006/main" xmlns:r="http://schemas.openxmlformats.org/officeDocument/2006/relationships" xmlns:p="http://schemas.openxmlformats.org/presentationml/2006/main">
   <p:cSld>
     <p:spTree>
